--- a/public/websitepopup/Phishing.pptx
+++ b/public/websitepopup/Phishing.pptx
@@ -1,21 +1,23 @@
 
 <file path=ppt/presentation.xml><?xml version="1.0" encoding="utf-8"?>
-<p:presentation xmlns:a="http://schemas.openxmlformats.org/drawingml/2006/main" xmlns:r="http://schemas.openxmlformats.org/officeDocument/2006/relationships" xmlns:p="http://schemas.openxmlformats.org/presentationml/2006/main" saveSubsetFonts="1">
+<p:presentation xmlns:a="http://schemas.openxmlformats.org/drawingml/2006/main" xmlns:r="http://schemas.openxmlformats.org/officeDocument/2006/relationships" xmlns:p="http://schemas.openxmlformats.org/presentationml/2006/main" saveSubsetFonts="1" autoCompressPictures="0">
   <p:sldMasterIdLst>
-    <p:sldMasterId id="2147483648" r:id="rId1"/>
+    <p:sldMasterId id="2147483696" r:id="rId1"/>
   </p:sldMasterIdLst>
   <p:sldIdLst>
     <p:sldId id="256" r:id="rId2"/>
     <p:sldId id="257" r:id="rId3"/>
     <p:sldId id="258" r:id="rId4"/>
+    <p:sldId id="259" r:id="rId5"/>
+    <p:sldId id="260" r:id="rId6"/>
   </p:sldIdLst>
-  <p:sldSz cx="12192000" cy="6858000"/>
+  <p:sldSz cx="9144000" cy="6858000" type="screen4x3"/>
   <p:notesSz cx="6858000" cy="9144000"/>
   <p:defaultTextStyle>
     <a:defPPr>
       <a:defRPr lang="en-US"/>
     </a:defPPr>
-    <a:lvl1pPr marL="0" algn="l" defTabSz="914400" rtl="0" eaLnBrk="1" latinLnBrk="0" hangingPunct="1">
+    <a:lvl1pPr marL="0" algn="l" defTabSz="457200" rtl="0" eaLnBrk="1" latinLnBrk="0" hangingPunct="1">
       <a:defRPr sz="1800" kern="1200">
         <a:solidFill>
           <a:schemeClr val="tx1"/>
@@ -25,7 +27,7 @@
         <a:cs typeface="+mn-cs"/>
       </a:defRPr>
     </a:lvl1pPr>
-    <a:lvl2pPr marL="457200" algn="l" defTabSz="914400" rtl="0" eaLnBrk="1" latinLnBrk="0" hangingPunct="1">
+    <a:lvl2pPr marL="457200" algn="l" defTabSz="457200" rtl="0" eaLnBrk="1" latinLnBrk="0" hangingPunct="1">
       <a:defRPr sz="1800" kern="1200">
         <a:solidFill>
           <a:schemeClr val="tx1"/>
@@ -35,7 +37,7 @@
         <a:cs typeface="+mn-cs"/>
       </a:defRPr>
     </a:lvl2pPr>
-    <a:lvl3pPr marL="914400" algn="l" defTabSz="914400" rtl="0" eaLnBrk="1" latinLnBrk="0" hangingPunct="1">
+    <a:lvl3pPr marL="914400" algn="l" defTabSz="457200" rtl="0" eaLnBrk="1" latinLnBrk="0" hangingPunct="1">
       <a:defRPr sz="1800" kern="1200">
         <a:solidFill>
           <a:schemeClr val="tx1"/>
@@ -45,7 +47,7 @@
         <a:cs typeface="+mn-cs"/>
       </a:defRPr>
     </a:lvl3pPr>
-    <a:lvl4pPr marL="1371600" algn="l" defTabSz="914400" rtl="0" eaLnBrk="1" latinLnBrk="0" hangingPunct="1">
+    <a:lvl4pPr marL="1371600" algn="l" defTabSz="457200" rtl="0" eaLnBrk="1" latinLnBrk="0" hangingPunct="1">
       <a:defRPr sz="1800" kern="1200">
         <a:solidFill>
           <a:schemeClr val="tx1"/>
@@ -55,7 +57,7 @@
         <a:cs typeface="+mn-cs"/>
       </a:defRPr>
     </a:lvl4pPr>
-    <a:lvl5pPr marL="1828800" algn="l" defTabSz="914400" rtl="0" eaLnBrk="1" latinLnBrk="0" hangingPunct="1">
+    <a:lvl5pPr marL="1828800" algn="l" defTabSz="457200" rtl="0" eaLnBrk="1" latinLnBrk="0" hangingPunct="1">
       <a:defRPr sz="1800" kern="1200">
         <a:solidFill>
           <a:schemeClr val="tx1"/>
@@ -65,7 +67,7 @@
         <a:cs typeface="+mn-cs"/>
       </a:defRPr>
     </a:lvl5pPr>
-    <a:lvl6pPr marL="2286000" algn="l" defTabSz="914400" rtl="0" eaLnBrk="1" latinLnBrk="0" hangingPunct="1">
+    <a:lvl6pPr marL="2286000" algn="l" defTabSz="457200" rtl="0" eaLnBrk="1" latinLnBrk="0" hangingPunct="1">
       <a:defRPr sz="1800" kern="1200">
         <a:solidFill>
           <a:schemeClr val="tx1"/>
@@ -75,7 +77,7 @@
         <a:cs typeface="+mn-cs"/>
       </a:defRPr>
     </a:lvl6pPr>
-    <a:lvl7pPr marL="2743200" algn="l" defTabSz="914400" rtl="0" eaLnBrk="1" latinLnBrk="0" hangingPunct="1">
+    <a:lvl7pPr marL="2743200" algn="l" defTabSz="457200" rtl="0" eaLnBrk="1" latinLnBrk="0" hangingPunct="1">
       <a:defRPr sz="1800" kern="1200">
         <a:solidFill>
           <a:schemeClr val="tx1"/>
@@ -85,7 +87,7 @@
         <a:cs typeface="+mn-cs"/>
       </a:defRPr>
     </a:lvl7pPr>
-    <a:lvl8pPr marL="3200400" algn="l" defTabSz="914400" rtl="0" eaLnBrk="1" latinLnBrk="0" hangingPunct="1">
+    <a:lvl8pPr marL="3200400" algn="l" defTabSz="457200" rtl="0" eaLnBrk="1" latinLnBrk="0" hangingPunct="1">
       <a:defRPr sz="1800" kern="1200">
         <a:solidFill>
           <a:schemeClr val="tx1"/>
@@ -95,7 +97,7 @@
         <a:cs typeface="+mn-cs"/>
       </a:defRPr>
     </a:lvl8pPr>
-    <a:lvl9pPr marL="3657600" algn="l" defTabSz="914400" rtl="0" eaLnBrk="1" latinLnBrk="0" hangingPunct="1">
+    <a:lvl9pPr marL="3657600" algn="l" defTabSz="457200" rtl="0" eaLnBrk="1" latinLnBrk="0" hangingPunct="1">
       <a:defRPr sz="1800" kern="1200">
         <a:solidFill>
           <a:schemeClr val="tx1"/>
@@ -108,7 +110,18 @@
   </p:defaultTextStyle>
   <p:extLst>
     <p:ext uri="{EFAFB233-063F-42B5-8137-9DF3F51BA10A}">
-      <p15:sldGuideLst xmlns:p15="http://schemas.microsoft.com/office/powerpoint/2012/main"/>
+      <p15:sldGuideLst xmlns:p15="http://schemas.microsoft.com/office/powerpoint/2012/main">
+        <p15:guide id="1" orient="horz" pos="2160">
+          <p15:clr>
+            <a:srgbClr val="A4A3A4"/>
+          </p15:clr>
+        </p15:guide>
+        <p15:guide id="2" pos="2880">
+          <p15:clr>
+            <a:srgbClr val="A4A3A4"/>
+          </p15:clr>
+        </p15:guide>
+      </p15:sldGuideLst>
     </p:ext>
   </p:extLst>
 </p:presentation>
@@ -133,13 +146,7 @@
       </p:grpSpPr>
       <p:sp>
         <p:nvSpPr>
-          <p:cNvPr id="2" name="Title 1">
-            <a:extLst>
-              <a:ext uri="{FF2B5EF4-FFF2-40B4-BE49-F238E27FC236}">
-                <a16:creationId xmlns:a16="http://schemas.microsoft.com/office/drawing/2014/main" id="{D7493239-8667-B7B8-9F33-9E0994F298DD}"/>
-              </a:ext>
-            </a:extLst>
-          </p:cNvPr>
+          <p:cNvPr id="2" name="Title 1"/>
           <p:cNvSpPr>
             <a:spLocks noGrp="1"/>
           </p:cNvSpPr>
@@ -149,15 +156,17 @@
         </p:nvSpPr>
         <p:spPr>
           <a:xfrm>
-            <a:off x="1524000" y="1122363"/>
-            <a:ext cx="9144000" cy="2387600"/>
+            <a:off x="2396319" y="802299"/>
+            <a:ext cx="5618515" cy="2541431"/>
           </a:xfrm>
         </p:spPr>
         <p:txBody>
-          <a:bodyPr anchor="b"/>
+          <a:bodyPr bIns="0" anchor="b">
+            <a:normAutofit/>
+          </a:bodyPr>
           <a:lstStyle>
-            <a:lvl1pPr algn="ctr">
-              <a:defRPr sz="6000"/>
+            <a:lvl1pPr algn="l">
+              <a:defRPr sz="5400"/>
             </a:lvl1pPr>
           </a:lstStyle>
           <a:p>
@@ -165,19 +174,13 @@
               <a:rPr lang="en-US"/>
               <a:t>Click to edit Master title style</a:t>
             </a:r>
-            <a:endParaRPr lang="en-SG"/>
-          </a:p>
-        </p:txBody>
-      </p:sp>
-      <p:sp>
-        <p:nvSpPr>
-          <p:cNvPr id="3" name="Subtitle 2">
-            <a:extLst>
-              <a:ext uri="{FF2B5EF4-FFF2-40B4-BE49-F238E27FC236}">
-                <a16:creationId xmlns:a16="http://schemas.microsoft.com/office/drawing/2014/main" id="{BAB2104D-B853-0ABA-C540-1C95A135FD62}"/>
-              </a:ext>
-            </a:extLst>
-          </p:cNvPr>
+            <a:endParaRPr lang="en-US" dirty="0"/>
+          </a:p>
+        </p:txBody>
+      </p:sp>
+      <p:sp>
+        <p:nvSpPr>
+          <p:cNvPr id="3" name="Subtitle 2"/>
           <p:cNvSpPr>
             <a:spLocks noGrp="1"/>
           </p:cNvSpPr>
@@ -187,48 +190,54 @@
         </p:nvSpPr>
         <p:spPr>
           <a:xfrm>
-            <a:off x="1524000" y="3602038"/>
-            <a:ext cx="9144000" cy="1655762"/>
+            <a:off x="2396319" y="3531205"/>
+            <a:ext cx="5618515" cy="977621"/>
           </a:xfrm>
         </p:spPr>
         <p:txBody>
-          <a:bodyPr/>
+          <a:bodyPr tIns="91440" bIns="91440">
+            <a:normAutofit/>
+          </a:bodyPr>
           <a:lstStyle>
-            <a:lvl1pPr marL="0" indent="0" algn="ctr">
-              <a:buNone/>
-              <a:defRPr sz="2400"/>
+            <a:lvl1pPr marL="0" indent="0" algn="l">
+              <a:buNone/>
+              <a:defRPr sz="1600" b="0" cap="all" baseline="0">
+                <a:solidFill>
+                  <a:schemeClr val="tx1"/>
+                </a:solidFill>
+              </a:defRPr>
             </a:lvl1pPr>
-            <a:lvl2pPr marL="457200" indent="0" algn="ctr">
-              <a:buNone/>
-              <a:defRPr sz="2000"/>
+            <a:lvl2pPr marL="342900" indent="0" algn="ctr">
+              <a:buNone/>
+              <a:defRPr sz="1500"/>
             </a:lvl2pPr>
-            <a:lvl3pPr marL="914400" indent="0" algn="ctr">
-              <a:buNone/>
-              <a:defRPr sz="1800"/>
+            <a:lvl3pPr marL="685800" indent="0" algn="ctr">
+              <a:buNone/>
+              <a:defRPr sz="1350"/>
             </a:lvl3pPr>
-            <a:lvl4pPr marL="1371600" indent="0" algn="ctr">
-              <a:buNone/>
-              <a:defRPr sz="1600"/>
+            <a:lvl4pPr marL="1028700" indent="0" algn="ctr">
+              <a:buNone/>
+              <a:defRPr sz="1200"/>
             </a:lvl4pPr>
-            <a:lvl5pPr marL="1828800" indent="0" algn="ctr">
-              <a:buNone/>
-              <a:defRPr sz="1600"/>
+            <a:lvl5pPr marL="1371600" indent="0" algn="ctr">
+              <a:buNone/>
+              <a:defRPr sz="1200"/>
             </a:lvl5pPr>
-            <a:lvl6pPr marL="2286000" indent="0" algn="ctr">
-              <a:buNone/>
-              <a:defRPr sz="1600"/>
+            <a:lvl6pPr marL="1714500" indent="0" algn="ctr">
+              <a:buNone/>
+              <a:defRPr sz="1200"/>
             </a:lvl6pPr>
-            <a:lvl7pPr marL="2743200" indent="0" algn="ctr">
-              <a:buNone/>
-              <a:defRPr sz="1600"/>
+            <a:lvl7pPr marL="2057400" indent="0" algn="ctr">
+              <a:buNone/>
+              <a:defRPr sz="1200"/>
             </a:lvl7pPr>
-            <a:lvl8pPr marL="3200400" indent="0" algn="ctr">
-              <a:buNone/>
-              <a:defRPr sz="1600"/>
+            <a:lvl8pPr marL="2400300" indent="0" algn="ctr">
+              <a:buNone/>
+              <a:defRPr sz="1200"/>
             </a:lvl8pPr>
-            <a:lvl9pPr marL="3657600" indent="0" algn="ctr">
-              <a:buNone/>
-              <a:defRPr sz="1600"/>
+            <a:lvl9pPr marL="2743200" indent="0" algn="ctr">
+              <a:buNone/>
+              <a:defRPr sz="1200"/>
             </a:lvl9pPr>
           </a:lstStyle>
           <a:p>
@@ -236,19 +245,13 @@
               <a:rPr lang="en-US"/>
               <a:t>Click to edit Master subtitle style</a:t>
             </a:r>
-            <a:endParaRPr lang="en-SG"/>
-          </a:p>
-        </p:txBody>
-      </p:sp>
-      <p:sp>
-        <p:nvSpPr>
-          <p:cNvPr id="4" name="Date Placeholder 3">
-            <a:extLst>
-              <a:ext uri="{FF2B5EF4-FFF2-40B4-BE49-F238E27FC236}">
-                <a16:creationId xmlns:a16="http://schemas.microsoft.com/office/drawing/2014/main" id="{5A012E74-1C1F-51A7-E42F-790802B52B69}"/>
-              </a:ext>
-            </a:extLst>
-          </p:cNvPr>
+            <a:endParaRPr lang="en-US" dirty="0"/>
+          </a:p>
+        </p:txBody>
+      </p:sp>
+      <p:sp>
+        <p:nvSpPr>
+          <p:cNvPr id="4" name="Date Placeholder 3"/>
           <p:cNvSpPr>
             <a:spLocks noGrp="1"/>
           </p:cNvSpPr>
@@ -261,23 +264,17 @@
           <a:bodyPr/>
           <a:lstStyle/>
           <a:p>
-            <a:fld id="{9FF3E6ED-C832-4343-8B91-8E72B7796AC5}" type="datetimeFigureOut">
-              <a:rPr lang="en-SG" smtClean="0"/>
-              <a:t>18/9/2025</a:t>
+            <a:fld id="{5BCAD085-E8A6-8845-BD4E-CB4CCA059FC4}" type="datetimeFigureOut">
+              <a:rPr lang="en-US" smtClean="0"/>
+              <a:t>9/26/2025</a:t>
             </a:fld>
-            <a:endParaRPr lang="en-SG"/>
-          </a:p>
-        </p:txBody>
-      </p:sp>
-      <p:sp>
-        <p:nvSpPr>
-          <p:cNvPr id="5" name="Footer Placeholder 4">
-            <a:extLst>
-              <a:ext uri="{FF2B5EF4-FFF2-40B4-BE49-F238E27FC236}">
-                <a16:creationId xmlns:a16="http://schemas.microsoft.com/office/drawing/2014/main" id="{AF5E39AF-8058-4799-E394-418C996FD50F}"/>
-              </a:ext>
-            </a:extLst>
-          </p:cNvPr>
+            <a:endParaRPr lang="en-US"/>
+          </a:p>
+        </p:txBody>
+      </p:sp>
+      <p:sp>
+        <p:nvSpPr>
+          <p:cNvPr id="5" name="Footer Placeholder 4"/>
           <p:cNvSpPr>
             <a:spLocks noGrp="1"/>
           </p:cNvSpPr>
@@ -285,24 +282,23 @@
             <p:ph type="ftr" sz="quarter" idx="11"/>
           </p:nvPr>
         </p:nvSpPr>
-        <p:spPr/>
-        <p:txBody>
-          <a:bodyPr/>
-          <a:lstStyle/>
-          <a:p>
-            <a:endParaRPr lang="en-SG"/>
-          </a:p>
-        </p:txBody>
-      </p:sp>
-      <p:sp>
-        <p:nvSpPr>
-          <p:cNvPr id="6" name="Slide Number Placeholder 5">
-            <a:extLst>
-              <a:ext uri="{FF2B5EF4-FFF2-40B4-BE49-F238E27FC236}">
-                <a16:creationId xmlns:a16="http://schemas.microsoft.com/office/drawing/2014/main" id="{24E8D79B-DFC3-4414-6AB1-A986F5F00580}"/>
-              </a:ext>
-            </a:extLst>
-          </p:cNvPr>
+        <p:spPr>
+          <a:xfrm>
+            <a:off x="2396319" y="329308"/>
+            <a:ext cx="3086292" cy="309201"/>
+          </a:xfrm>
+        </p:spPr>
+        <p:txBody>
+          <a:bodyPr/>
+          <a:lstStyle/>
+          <a:p>
+            <a:endParaRPr lang="en-US"/>
+          </a:p>
+        </p:txBody>
+      </p:sp>
+      <p:sp>
+        <p:nvSpPr>
+          <p:cNvPr id="6" name="Slide Number Placeholder 5"/>
           <p:cNvSpPr>
             <a:spLocks noGrp="1"/>
           </p:cNvSpPr>
@@ -310,23 +306,59 @@
             <p:ph type="sldNum" sz="quarter" idx="12"/>
           </p:nvPr>
         </p:nvSpPr>
-        <p:spPr/>
-        <p:txBody>
-          <a:bodyPr/>
-          <a:lstStyle/>
-          <a:p>
-            <a:fld id="{10E188DE-64F0-4311-81FB-EC275E4C46D9}" type="slidenum">
-              <a:rPr lang="en-SG" smtClean="0"/>
+        <p:spPr>
+          <a:xfrm>
+            <a:off x="1434703" y="798973"/>
+            <a:ext cx="802005" cy="503578"/>
+          </a:xfrm>
+        </p:spPr>
+        <p:txBody>
+          <a:bodyPr/>
+          <a:lstStyle/>
+          <a:p>
+            <a:fld id="{C1FF6DA9-008F-8B48-92A6-B652298478BF}" type="slidenum">
+              <a:rPr lang="en-US" smtClean="0"/>
               <a:t>‹#›</a:t>
             </a:fld>
-            <a:endParaRPr lang="en-SG"/>
-          </a:p>
-        </p:txBody>
-      </p:sp>
+            <a:endParaRPr lang="en-US"/>
+          </a:p>
+        </p:txBody>
+      </p:sp>
+      <p:cxnSp>
+        <p:nvCxnSpPr>
+          <p:cNvPr id="15" name="Straight Connector 14"/>
+          <p:cNvCxnSpPr/>
+          <p:nvPr/>
+        </p:nvCxnSpPr>
+        <p:spPr>
+          <a:xfrm>
+            <a:off x="2396319" y="3528542"/>
+            <a:ext cx="5618515" cy="0"/>
+          </a:xfrm>
+          <a:prstGeom prst="line">
+            <a:avLst/>
+          </a:prstGeom>
+          <a:ln w="31750"/>
+        </p:spPr>
+        <p:style>
+          <a:lnRef idx="3">
+            <a:schemeClr val="accent1"/>
+          </a:lnRef>
+          <a:fillRef idx="0">
+            <a:schemeClr val="accent1"/>
+          </a:fillRef>
+          <a:effectRef idx="2">
+            <a:schemeClr val="accent1"/>
+          </a:effectRef>
+          <a:fontRef idx="minor">
+            <a:schemeClr val="tx1"/>
+          </a:fontRef>
+        </p:style>
+      </p:cxnSp>
     </p:spTree>
     <p:extLst>
       <p:ext uri="{BB962C8B-B14F-4D97-AF65-F5344CB8AC3E}">
-        <p14:creationId xmlns:p14="http://schemas.microsoft.com/office/powerpoint/2010/main" val="1571029469"/>
+        <p14:creationId xmlns:p14="http://schemas.microsoft.com/office/powerpoint/2010/main" val="807197543"/>
       </p:ext>
     </p:extLst>
   </p:cSld>
@@ -353,15 +385,40 @@
           <a:chExt cx="0" cy="0"/>
         </a:xfrm>
       </p:grpSpPr>
-      <p:sp>
-        <p:nvSpPr>
-          <p:cNvPr id="2" name="Title 1">
-            <a:extLst>
-              <a:ext uri="{FF2B5EF4-FFF2-40B4-BE49-F238E27FC236}">
-                <a16:creationId xmlns:a16="http://schemas.microsoft.com/office/drawing/2014/main" id="{0DE996DC-AC6F-ABD2-98EE-C45E65EDAE03}"/>
-              </a:ext>
-            </a:extLst>
-          </p:cNvPr>
+      <p:cxnSp>
+        <p:nvCxnSpPr>
+          <p:cNvPr id="33" name="Straight Connector 32"/>
+          <p:cNvCxnSpPr/>
+          <p:nvPr/>
+        </p:nvCxnSpPr>
+        <p:spPr>
+          <a:xfrm>
+            <a:off x="1443491" y="1847088"/>
+            <a:ext cx="6571343" cy="0"/>
+          </a:xfrm>
+          <a:prstGeom prst="line">
+            <a:avLst/>
+          </a:prstGeom>
+          <a:ln w="31750"/>
+        </p:spPr>
+        <p:style>
+          <a:lnRef idx="3">
+            <a:schemeClr val="accent1"/>
+          </a:lnRef>
+          <a:fillRef idx="0">
+            <a:schemeClr val="accent1"/>
+          </a:fillRef>
+          <a:effectRef idx="2">
+            <a:schemeClr val="accent1"/>
+          </a:effectRef>
+          <a:fontRef idx="minor">
+            <a:schemeClr val="tx1"/>
+          </a:fontRef>
+        </p:style>
+      </p:cxnSp>
+      <p:sp>
+        <p:nvSpPr>
+          <p:cNvPr id="2" name="Title 1"/>
           <p:cNvSpPr>
             <a:spLocks noGrp="1"/>
           </p:cNvSpPr>
@@ -378,19 +435,13 @@
               <a:rPr lang="en-US"/>
               <a:t>Click to edit Master title style</a:t>
             </a:r>
-            <a:endParaRPr lang="en-SG"/>
-          </a:p>
-        </p:txBody>
-      </p:sp>
-      <p:sp>
-        <p:nvSpPr>
-          <p:cNvPr id="3" name="Vertical Text Placeholder 2">
-            <a:extLst>
-              <a:ext uri="{FF2B5EF4-FFF2-40B4-BE49-F238E27FC236}">
-                <a16:creationId xmlns:a16="http://schemas.microsoft.com/office/drawing/2014/main" id="{1850BE40-D297-642C-A586-96CA092D1014}"/>
-              </a:ext>
-            </a:extLst>
-          </p:cNvPr>
+            <a:endParaRPr lang="en-US" dirty="0"/>
+          </a:p>
+        </p:txBody>
+      </p:sp>
+      <p:sp>
+        <p:nvSpPr>
+          <p:cNvPr id="3" name="Vertical Text Placeholder 2"/>
           <p:cNvSpPr>
             <a:spLocks noGrp="1"/>
           </p:cNvSpPr>
@@ -436,19 +487,13 @@
               <a:rPr lang="en-US"/>
               <a:t>Fifth level</a:t>
             </a:r>
-            <a:endParaRPr lang="en-SG"/>
-          </a:p>
-        </p:txBody>
-      </p:sp>
-      <p:sp>
-        <p:nvSpPr>
-          <p:cNvPr id="4" name="Date Placeholder 3">
-            <a:extLst>
-              <a:ext uri="{FF2B5EF4-FFF2-40B4-BE49-F238E27FC236}">
-                <a16:creationId xmlns:a16="http://schemas.microsoft.com/office/drawing/2014/main" id="{0F5D30D3-44D9-D6C4-3A8D-BE46CF5B221B}"/>
-              </a:ext>
-            </a:extLst>
-          </p:cNvPr>
+            <a:endParaRPr lang="en-US" dirty="0"/>
+          </a:p>
+        </p:txBody>
+      </p:sp>
+      <p:sp>
+        <p:nvSpPr>
+          <p:cNvPr id="4" name="Date Placeholder 3"/>
           <p:cNvSpPr>
             <a:spLocks noGrp="1"/>
           </p:cNvSpPr>
@@ -461,23 +506,17 @@
           <a:bodyPr/>
           <a:lstStyle/>
           <a:p>
-            <a:fld id="{9FF3E6ED-C832-4343-8B91-8E72B7796AC5}" type="datetimeFigureOut">
-              <a:rPr lang="en-SG" smtClean="0"/>
-              <a:t>18/9/2025</a:t>
+            <a:fld id="{5BCAD085-E8A6-8845-BD4E-CB4CCA059FC4}" type="datetimeFigureOut">
+              <a:rPr lang="en-US" smtClean="0"/>
+              <a:t>9/26/2025</a:t>
             </a:fld>
-            <a:endParaRPr lang="en-SG"/>
-          </a:p>
-        </p:txBody>
-      </p:sp>
-      <p:sp>
-        <p:nvSpPr>
-          <p:cNvPr id="5" name="Footer Placeholder 4">
-            <a:extLst>
-              <a:ext uri="{FF2B5EF4-FFF2-40B4-BE49-F238E27FC236}">
-                <a16:creationId xmlns:a16="http://schemas.microsoft.com/office/drawing/2014/main" id="{007DA5DF-710A-B3F8-4A70-9A999318FCA9}"/>
-              </a:ext>
-            </a:extLst>
-          </p:cNvPr>
+            <a:endParaRPr lang="en-US"/>
+          </a:p>
+        </p:txBody>
+      </p:sp>
+      <p:sp>
+        <p:nvSpPr>
+          <p:cNvPr id="5" name="Footer Placeholder 4"/>
           <p:cNvSpPr>
             <a:spLocks noGrp="1"/>
           </p:cNvSpPr>
@@ -490,19 +529,13 @@
           <a:bodyPr/>
           <a:lstStyle/>
           <a:p>
-            <a:endParaRPr lang="en-SG"/>
-          </a:p>
-        </p:txBody>
-      </p:sp>
-      <p:sp>
-        <p:nvSpPr>
-          <p:cNvPr id="6" name="Slide Number Placeholder 5">
-            <a:extLst>
-              <a:ext uri="{FF2B5EF4-FFF2-40B4-BE49-F238E27FC236}">
-                <a16:creationId xmlns:a16="http://schemas.microsoft.com/office/drawing/2014/main" id="{8C766813-D9F1-13E3-0318-0D8FDF9481FF}"/>
-              </a:ext>
-            </a:extLst>
-          </p:cNvPr>
+            <a:endParaRPr lang="en-US"/>
+          </a:p>
+        </p:txBody>
+      </p:sp>
+      <p:sp>
+        <p:nvSpPr>
+          <p:cNvPr id="6" name="Slide Number Placeholder 5"/>
           <p:cNvSpPr>
             <a:spLocks noGrp="1"/>
           </p:cNvSpPr>
@@ -515,18 +548,18 @@
           <a:bodyPr/>
           <a:lstStyle/>
           <a:p>
-            <a:fld id="{10E188DE-64F0-4311-81FB-EC275E4C46D9}" type="slidenum">
-              <a:rPr lang="en-SG" smtClean="0"/>
+            <a:fld id="{C1FF6DA9-008F-8B48-92A6-B652298478BF}" type="slidenum">
+              <a:rPr lang="en-US" smtClean="0"/>
               <a:t>‹#›</a:t>
             </a:fld>
-            <a:endParaRPr lang="en-SG"/>
+            <a:endParaRPr lang="en-US"/>
           </a:p>
         </p:txBody>
       </p:sp>
     </p:spTree>
     <p:extLst>
       <p:ext uri="{BB962C8B-B14F-4D97-AF65-F5344CB8AC3E}">
-        <p14:creationId xmlns:p14="http://schemas.microsoft.com/office/powerpoint/2010/main" val="215507968"/>
+        <p14:creationId xmlns:p14="http://schemas.microsoft.com/office/powerpoint/2010/main" val="2853556557"/>
       </p:ext>
     </p:extLst>
   </p:cSld>
@@ -555,13 +588,7 @@
       </p:grpSpPr>
       <p:sp>
         <p:nvSpPr>
-          <p:cNvPr id="2" name="Vertical Title 1">
-            <a:extLst>
-              <a:ext uri="{FF2B5EF4-FFF2-40B4-BE49-F238E27FC236}">
-                <a16:creationId xmlns:a16="http://schemas.microsoft.com/office/drawing/2014/main" id="{35335B64-2960-53CE-7E69-0041753B3D8C}"/>
-              </a:ext>
-            </a:extLst>
-          </p:cNvPr>
+          <p:cNvPr id="2" name="Vertical Title 1"/>
           <p:cNvSpPr>
             <a:spLocks noGrp="1"/>
           </p:cNvSpPr>
@@ -571,31 +598,29 @@
         </p:nvSpPr>
         <p:spPr>
           <a:xfrm>
-            <a:off x="8724900" y="365125"/>
-            <a:ext cx="2628900" cy="5811838"/>
+            <a:off x="6918028" y="798974"/>
+            <a:ext cx="1103027" cy="4659889"/>
           </a:xfrm>
         </p:spPr>
         <p:txBody>
           <a:bodyPr vert="eaVert"/>
-          <a:lstStyle/>
+          <a:lstStyle>
+            <a:lvl1pPr algn="l">
+              <a:defRPr/>
+            </a:lvl1pPr>
+          </a:lstStyle>
           <a:p>
             <a:r>
               <a:rPr lang="en-US"/>
               <a:t>Click to edit Master title style</a:t>
             </a:r>
-            <a:endParaRPr lang="en-SG"/>
-          </a:p>
-        </p:txBody>
-      </p:sp>
-      <p:sp>
-        <p:nvSpPr>
-          <p:cNvPr id="3" name="Vertical Text Placeholder 2">
-            <a:extLst>
-              <a:ext uri="{FF2B5EF4-FFF2-40B4-BE49-F238E27FC236}">
-                <a16:creationId xmlns:a16="http://schemas.microsoft.com/office/drawing/2014/main" id="{D5725D59-877D-41D9-33B8-1890AEA5E173}"/>
-              </a:ext>
-            </a:extLst>
-          </p:cNvPr>
+            <a:endParaRPr lang="en-US" dirty="0"/>
+          </a:p>
+        </p:txBody>
+      </p:sp>
+      <p:sp>
+        <p:nvSpPr>
+          <p:cNvPr id="3" name="Vertical Text Placeholder 2"/>
           <p:cNvSpPr>
             <a:spLocks noGrp="1"/>
           </p:cNvSpPr>
@@ -605,8 +630,8 @@
         </p:nvSpPr>
         <p:spPr>
           <a:xfrm>
-            <a:off x="838200" y="365125"/>
-            <a:ext cx="7734300" cy="5811838"/>
+            <a:off x="1443491" y="798974"/>
+            <a:ext cx="5301095" cy="4659889"/>
           </a:xfrm>
         </p:spPr>
         <p:txBody>
@@ -646,19 +671,13 @@
               <a:rPr lang="en-US"/>
               <a:t>Fifth level</a:t>
             </a:r>
-            <a:endParaRPr lang="en-SG"/>
-          </a:p>
-        </p:txBody>
-      </p:sp>
-      <p:sp>
-        <p:nvSpPr>
-          <p:cNvPr id="4" name="Date Placeholder 3">
-            <a:extLst>
-              <a:ext uri="{FF2B5EF4-FFF2-40B4-BE49-F238E27FC236}">
-                <a16:creationId xmlns:a16="http://schemas.microsoft.com/office/drawing/2014/main" id="{3E581814-4085-86CD-6C45-3843AFE11D06}"/>
-              </a:ext>
-            </a:extLst>
-          </p:cNvPr>
+            <a:endParaRPr lang="en-US" dirty="0"/>
+          </a:p>
+        </p:txBody>
+      </p:sp>
+      <p:sp>
+        <p:nvSpPr>
+          <p:cNvPr id="4" name="Date Placeholder 3"/>
           <p:cNvSpPr>
             <a:spLocks noGrp="1"/>
           </p:cNvSpPr>
@@ -671,23 +690,17 @@
           <a:bodyPr/>
           <a:lstStyle/>
           <a:p>
-            <a:fld id="{9FF3E6ED-C832-4343-8B91-8E72B7796AC5}" type="datetimeFigureOut">
-              <a:rPr lang="en-SG" smtClean="0"/>
-              <a:t>18/9/2025</a:t>
+            <a:fld id="{5BCAD085-E8A6-8845-BD4E-CB4CCA059FC4}" type="datetimeFigureOut">
+              <a:rPr lang="en-US" smtClean="0"/>
+              <a:t>9/26/2025</a:t>
             </a:fld>
-            <a:endParaRPr lang="en-SG"/>
-          </a:p>
-        </p:txBody>
-      </p:sp>
-      <p:sp>
-        <p:nvSpPr>
-          <p:cNvPr id="5" name="Footer Placeholder 4">
-            <a:extLst>
-              <a:ext uri="{FF2B5EF4-FFF2-40B4-BE49-F238E27FC236}">
-                <a16:creationId xmlns:a16="http://schemas.microsoft.com/office/drawing/2014/main" id="{55911F4B-75B6-3E59-2DE3-C5F3741CD2E6}"/>
-              </a:ext>
-            </a:extLst>
-          </p:cNvPr>
+            <a:endParaRPr lang="en-US"/>
+          </a:p>
+        </p:txBody>
+      </p:sp>
+      <p:sp>
+        <p:nvSpPr>
+          <p:cNvPr id="5" name="Footer Placeholder 4"/>
           <p:cNvSpPr>
             <a:spLocks noGrp="1"/>
           </p:cNvSpPr>
@@ -700,19 +713,13 @@
           <a:bodyPr/>
           <a:lstStyle/>
           <a:p>
-            <a:endParaRPr lang="en-SG"/>
-          </a:p>
-        </p:txBody>
-      </p:sp>
-      <p:sp>
-        <p:nvSpPr>
-          <p:cNvPr id="6" name="Slide Number Placeholder 5">
-            <a:extLst>
-              <a:ext uri="{FF2B5EF4-FFF2-40B4-BE49-F238E27FC236}">
-                <a16:creationId xmlns:a16="http://schemas.microsoft.com/office/drawing/2014/main" id="{16584D61-ACE9-4A7C-84F3-21169B186757}"/>
-              </a:ext>
-            </a:extLst>
-          </p:cNvPr>
+            <a:endParaRPr lang="en-US"/>
+          </a:p>
+        </p:txBody>
+      </p:sp>
+      <p:sp>
+        <p:nvSpPr>
+          <p:cNvPr id="6" name="Slide Number Placeholder 5"/>
           <p:cNvSpPr>
             <a:spLocks noGrp="1"/>
           </p:cNvSpPr>
@@ -725,18 +732,49 @@
           <a:bodyPr/>
           <a:lstStyle/>
           <a:p>
-            <a:fld id="{10E188DE-64F0-4311-81FB-EC275E4C46D9}" type="slidenum">
-              <a:rPr lang="en-SG" smtClean="0"/>
+            <a:fld id="{C1FF6DA9-008F-8B48-92A6-B652298478BF}" type="slidenum">
+              <a:rPr lang="en-US" smtClean="0"/>
               <a:t>‹#›</a:t>
             </a:fld>
-            <a:endParaRPr lang="en-SG"/>
-          </a:p>
-        </p:txBody>
-      </p:sp>
+            <a:endParaRPr lang="en-US"/>
+          </a:p>
+        </p:txBody>
+      </p:sp>
+      <p:cxnSp>
+        <p:nvCxnSpPr>
+          <p:cNvPr id="15" name="Straight Connector 14"/>
+          <p:cNvCxnSpPr/>
+          <p:nvPr/>
+        </p:nvCxnSpPr>
+        <p:spPr>
+          <a:xfrm>
+            <a:off x="6918028" y="798974"/>
+            <a:ext cx="0" cy="4659889"/>
+          </a:xfrm>
+          <a:prstGeom prst="line">
+            <a:avLst/>
+          </a:prstGeom>
+          <a:ln w="31750"/>
+        </p:spPr>
+        <p:style>
+          <a:lnRef idx="3">
+            <a:schemeClr val="accent1"/>
+          </a:lnRef>
+          <a:fillRef idx="0">
+            <a:schemeClr val="accent1"/>
+          </a:fillRef>
+          <a:effectRef idx="2">
+            <a:schemeClr val="accent1"/>
+          </a:effectRef>
+          <a:fontRef idx="minor">
+            <a:schemeClr val="tx1"/>
+          </a:fontRef>
+        </p:style>
+      </p:cxnSp>
     </p:spTree>
     <p:extLst>
       <p:ext uri="{BB962C8B-B14F-4D97-AF65-F5344CB8AC3E}">
-        <p14:creationId xmlns:p14="http://schemas.microsoft.com/office/powerpoint/2010/main" val="744698688"/>
+        <p14:creationId xmlns:p14="http://schemas.microsoft.com/office/powerpoint/2010/main" val="2089508149"/>
       </p:ext>
     </p:extLst>
   </p:cSld>
@@ -765,13 +803,7 @@
       </p:grpSpPr>
       <p:sp>
         <p:nvSpPr>
-          <p:cNvPr id="2" name="Title 1">
-            <a:extLst>
-              <a:ext uri="{FF2B5EF4-FFF2-40B4-BE49-F238E27FC236}">
-                <a16:creationId xmlns:a16="http://schemas.microsoft.com/office/drawing/2014/main" id="{8A48A177-22E1-FF0D-1D35-BD6C37A42F6A}"/>
-              </a:ext>
-            </a:extLst>
-          </p:cNvPr>
+          <p:cNvPr id="2" name="Title 1"/>
           <p:cNvSpPr>
             <a:spLocks noGrp="1"/>
           </p:cNvSpPr>
@@ -788,19 +820,13 @@
               <a:rPr lang="en-US"/>
               <a:t>Click to edit Master title style</a:t>
             </a:r>
-            <a:endParaRPr lang="en-SG"/>
-          </a:p>
-        </p:txBody>
-      </p:sp>
-      <p:sp>
-        <p:nvSpPr>
-          <p:cNvPr id="3" name="Content Placeholder 2">
-            <a:extLst>
-              <a:ext uri="{FF2B5EF4-FFF2-40B4-BE49-F238E27FC236}">
-                <a16:creationId xmlns:a16="http://schemas.microsoft.com/office/drawing/2014/main" id="{9CBBD72B-DDDE-00AD-B50E-C985017E09EF}"/>
-              </a:ext>
-            </a:extLst>
-          </p:cNvPr>
+            <a:endParaRPr lang="en-US" dirty="0"/>
+          </a:p>
+        </p:txBody>
+      </p:sp>
+      <p:sp>
+        <p:nvSpPr>
+          <p:cNvPr id="3" name="Content Placeholder 2"/>
           <p:cNvSpPr>
             <a:spLocks noGrp="1"/>
           </p:cNvSpPr>
@@ -810,7 +836,7 @@
         </p:nvSpPr>
         <p:spPr/>
         <p:txBody>
-          <a:bodyPr/>
+          <a:bodyPr anchor="t"/>
           <a:lstStyle/>
           <a:p>
             <a:pPr lvl="0"/>
@@ -846,19 +872,13 @@
               <a:rPr lang="en-US"/>
               <a:t>Fifth level</a:t>
             </a:r>
-            <a:endParaRPr lang="en-SG"/>
-          </a:p>
-        </p:txBody>
-      </p:sp>
-      <p:sp>
-        <p:nvSpPr>
-          <p:cNvPr id="4" name="Date Placeholder 3">
-            <a:extLst>
-              <a:ext uri="{FF2B5EF4-FFF2-40B4-BE49-F238E27FC236}">
-                <a16:creationId xmlns:a16="http://schemas.microsoft.com/office/drawing/2014/main" id="{A9587573-E772-7961-B1D3-F5429B9C4076}"/>
-              </a:ext>
-            </a:extLst>
-          </p:cNvPr>
+            <a:endParaRPr lang="en-US" dirty="0"/>
+          </a:p>
+        </p:txBody>
+      </p:sp>
+      <p:sp>
+        <p:nvSpPr>
+          <p:cNvPr id="4" name="Date Placeholder 3"/>
           <p:cNvSpPr>
             <a:spLocks noGrp="1"/>
           </p:cNvSpPr>
@@ -871,23 +891,17 @@
           <a:bodyPr/>
           <a:lstStyle/>
           <a:p>
-            <a:fld id="{9FF3E6ED-C832-4343-8B91-8E72B7796AC5}" type="datetimeFigureOut">
-              <a:rPr lang="en-SG" smtClean="0"/>
-              <a:t>18/9/2025</a:t>
+            <a:fld id="{5BCAD085-E8A6-8845-BD4E-CB4CCA059FC4}" type="datetimeFigureOut">
+              <a:rPr lang="en-US" smtClean="0"/>
+              <a:t>9/26/2025</a:t>
             </a:fld>
-            <a:endParaRPr lang="en-SG"/>
-          </a:p>
-        </p:txBody>
-      </p:sp>
-      <p:sp>
-        <p:nvSpPr>
-          <p:cNvPr id="5" name="Footer Placeholder 4">
-            <a:extLst>
-              <a:ext uri="{FF2B5EF4-FFF2-40B4-BE49-F238E27FC236}">
-                <a16:creationId xmlns:a16="http://schemas.microsoft.com/office/drawing/2014/main" id="{97001175-9F93-E6FF-64E2-01BBC003A2E9}"/>
-              </a:ext>
-            </a:extLst>
-          </p:cNvPr>
+            <a:endParaRPr lang="en-US"/>
+          </a:p>
+        </p:txBody>
+      </p:sp>
+      <p:sp>
+        <p:nvSpPr>
+          <p:cNvPr id="5" name="Footer Placeholder 4"/>
           <p:cNvSpPr>
             <a:spLocks noGrp="1"/>
           </p:cNvSpPr>
@@ -900,19 +914,13 @@
           <a:bodyPr/>
           <a:lstStyle/>
           <a:p>
-            <a:endParaRPr lang="en-SG"/>
-          </a:p>
-        </p:txBody>
-      </p:sp>
-      <p:sp>
-        <p:nvSpPr>
-          <p:cNvPr id="6" name="Slide Number Placeholder 5">
-            <a:extLst>
-              <a:ext uri="{FF2B5EF4-FFF2-40B4-BE49-F238E27FC236}">
-                <a16:creationId xmlns:a16="http://schemas.microsoft.com/office/drawing/2014/main" id="{82902AB4-AD52-72E5-36B2-349C4E1F25C0}"/>
-              </a:ext>
-            </a:extLst>
-          </p:cNvPr>
+            <a:endParaRPr lang="en-US"/>
+          </a:p>
+        </p:txBody>
+      </p:sp>
+      <p:sp>
+        <p:nvSpPr>
+          <p:cNvPr id="6" name="Slide Number Placeholder 5"/>
           <p:cNvSpPr>
             <a:spLocks noGrp="1"/>
           </p:cNvSpPr>
@@ -925,18 +933,49 @@
           <a:bodyPr/>
           <a:lstStyle/>
           <a:p>
-            <a:fld id="{10E188DE-64F0-4311-81FB-EC275E4C46D9}" type="slidenum">
-              <a:rPr lang="en-SG" smtClean="0"/>
+            <a:fld id="{C1FF6DA9-008F-8B48-92A6-B652298478BF}" type="slidenum">
+              <a:rPr lang="en-US" smtClean="0"/>
               <a:t>‹#›</a:t>
             </a:fld>
-            <a:endParaRPr lang="en-SG"/>
-          </a:p>
-        </p:txBody>
-      </p:sp>
+            <a:endParaRPr lang="en-US"/>
+          </a:p>
+        </p:txBody>
+      </p:sp>
+      <p:cxnSp>
+        <p:nvCxnSpPr>
+          <p:cNvPr id="33" name="Straight Connector 32"/>
+          <p:cNvCxnSpPr/>
+          <p:nvPr/>
+        </p:nvCxnSpPr>
+        <p:spPr>
+          <a:xfrm>
+            <a:off x="1443491" y="1847088"/>
+            <a:ext cx="6571343" cy="0"/>
+          </a:xfrm>
+          <a:prstGeom prst="line">
+            <a:avLst/>
+          </a:prstGeom>
+          <a:ln w="31750"/>
+        </p:spPr>
+        <p:style>
+          <a:lnRef idx="3">
+            <a:schemeClr val="accent1"/>
+          </a:lnRef>
+          <a:fillRef idx="0">
+            <a:schemeClr val="accent1"/>
+          </a:fillRef>
+          <a:effectRef idx="2">
+            <a:schemeClr val="accent1"/>
+          </a:effectRef>
+          <a:fontRef idx="minor">
+            <a:schemeClr val="tx1"/>
+          </a:fontRef>
+        </p:style>
+      </p:cxnSp>
     </p:spTree>
     <p:extLst>
       <p:ext uri="{BB962C8B-B14F-4D97-AF65-F5344CB8AC3E}">
-        <p14:creationId xmlns:p14="http://schemas.microsoft.com/office/powerpoint/2010/main" val="461674375"/>
+        <p14:creationId xmlns:p14="http://schemas.microsoft.com/office/powerpoint/2010/main" val="4218163895"/>
       </p:ext>
     </p:extLst>
   </p:cSld>
@@ -965,13 +1004,7 @@
       </p:grpSpPr>
       <p:sp>
         <p:nvSpPr>
-          <p:cNvPr id="2" name="Title 1">
-            <a:extLst>
-              <a:ext uri="{FF2B5EF4-FFF2-40B4-BE49-F238E27FC236}">
-                <a16:creationId xmlns:a16="http://schemas.microsoft.com/office/drawing/2014/main" id="{AA8A29F2-9AAC-10CE-56F3-4F43E7120F58}"/>
-              </a:ext>
-            </a:extLst>
-          </p:cNvPr>
+          <p:cNvPr id="2" name="Title 1"/>
           <p:cNvSpPr>
             <a:spLocks noGrp="1"/>
           </p:cNvSpPr>
@@ -981,15 +1014,17 @@
         </p:nvSpPr>
         <p:spPr>
           <a:xfrm>
-            <a:off x="831850" y="1709738"/>
-            <a:ext cx="10515600" cy="2852737"/>
+            <a:off x="1443491" y="1756130"/>
+            <a:ext cx="5617002" cy="1887950"/>
           </a:xfrm>
         </p:spPr>
         <p:txBody>
-          <a:bodyPr anchor="b"/>
+          <a:bodyPr anchor="b">
+            <a:normAutofit/>
+          </a:bodyPr>
           <a:lstStyle>
-            <a:lvl1pPr>
-              <a:defRPr sz="6000"/>
+            <a:lvl1pPr algn="l">
+              <a:defRPr sz="3200"/>
             </a:lvl1pPr>
           </a:lstStyle>
           <a:p>
@@ -997,19 +1032,13 @@
               <a:rPr lang="en-US"/>
               <a:t>Click to edit Master title style</a:t>
             </a:r>
-            <a:endParaRPr lang="en-SG"/>
-          </a:p>
-        </p:txBody>
-      </p:sp>
-      <p:sp>
-        <p:nvSpPr>
-          <p:cNvPr id="3" name="Text Placeholder 2">
-            <a:extLst>
-              <a:ext uri="{FF2B5EF4-FFF2-40B4-BE49-F238E27FC236}">
-                <a16:creationId xmlns:a16="http://schemas.microsoft.com/office/drawing/2014/main" id="{6F5E0627-D212-3401-A37E-0BA0BEC436AB}"/>
-              </a:ext>
-            </a:extLst>
-          </p:cNvPr>
+            <a:endParaRPr lang="en-US" dirty="0"/>
+          </a:p>
+        </p:txBody>
+      </p:sp>
+      <p:sp>
+        <p:nvSpPr>
+          <p:cNvPr id="3" name="Text Placeholder 2"/>
           <p:cNvSpPr>
             <a:spLocks noGrp="1"/>
           </p:cNvSpPr>
@@ -1019,99 +1048,99 @@
         </p:nvSpPr>
         <p:spPr>
           <a:xfrm>
-            <a:off x="831850" y="4589463"/>
-            <a:ext cx="10515600" cy="1500187"/>
+            <a:off x="1443492" y="3806196"/>
+            <a:ext cx="5617002" cy="1012929"/>
           </a:xfrm>
         </p:spPr>
         <p:txBody>
-          <a:bodyPr/>
+          <a:bodyPr tIns="91440">
+            <a:normAutofit/>
+          </a:bodyPr>
           <a:lstStyle>
-            <a:lvl1pPr marL="0" indent="0">
-              <a:buNone/>
-              <a:defRPr sz="2400">
+            <a:lvl1pPr marL="0" indent="0" algn="l">
+              <a:buNone/>
+              <a:defRPr sz="1800">
                 <a:solidFill>
-                  <a:schemeClr val="tx1">
-                    <a:tint val="82000"/>
-                  </a:schemeClr>
+                  <a:schemeClr val="tx1"/>
                 </a:solidFill>
               </a:defRPr>
             </a:lvl1pPr>
-            <a:lvl2pPr marL="457200" indent="0">
-              <a:buNone/>
-              <a:defRPr sz="2000">
+            <a:lvl2pPr marL="342900" indent="0">
+              <a:buNone/>
+              <a:defRPr sz="1500">
                 <a:solidFill>
                   <a:schemeClr val="tx1">
-                    <a:tint val="82000"/>
+                    <a:tint val="75000"/>
                   </a:schemeClr>
                 </a:solidFill>
               </a:defRPr>
             </a:lvl2pPr>
-            <a:lvl3pPr marL="914400" indent="0">
-              <a:buNone/>
-              <a:defRPr sz="1800">
+            <a:lvl3pPr marL="685800" indent="0">
+              <a:buNone/>
+              <a:defRPr sz="1350">
                 <a:solidFill>
                   <a:schemeClr val="tx1">
-                    <a:tint val="82000"/>
+                    <a:tint val="75000"/>
                   </a:schemeClr>
                 </a:solidFill>
               </a:defRPr>
             </a:lvl3pPr>
-            <a:lvl4pPr marL="1371600" indent="0">
-              <a:buNone/>
-              <a:defRPr sz="1600">
+            <a:lvl4pPr marL="1028700" indent="0">
+              <a:buNone/>
+              <a:defRPr sz="1200">
                 <a:solidFill>
                   <a:schemeClr val="tx1">
-                    <a:tint val="82000"/>
+                    <a:tint val="75000"/>
                   </a:schemeClr>
                 </a:solidFill>
               </a:defRPr>
             </a:lvl4pPr>
-            <a:lvl5pPr marL="1828800" indent="0">
-              <a:buNone/>
-              <a:defRPr sz="1600">
+            <a:lvl5pPr marL="1371600" indent="0">
+              <a:buNone/>
+              <a:defRPr sz="1200">
                 <a:solidFill>
                   <a:schemeClr val="tx1">
-                    <a:tint val="82000"/>
+                    <a:tint val="75000"/>
                   </a:schemeClr>
                 </a:solidFill>
               </a:defRPr>
             </a:lvl5pPr>
-            <a:lvl6pPr marL="2286000" indent="0">
-              <a:buNone/>
-              <a:defRPr sz="1600">
+            <a:lvl6pPr marL="1714500" indent="0">
+              <a:buNone/>
+              <a:defRPr sz="1200">
                 <a:solidFill>
                   <a:schemeClr val="tx1">
-                    <a:tint val="82000"/>
+                    <a:tint val="75000"/>
                   </a:schemeClr>
                 </a:solidFill>
               </a:defRPr>
             </a:lvl6pPr>
-            <a:lvl7pPr marL="2743200" indent="0">
-              <a:buNone/>
-              <a:defRPr sz="1600">
+            <a:lvl7pPr marL="2057400" indent="0">
+              <a:buNone/>
+              <a:defRPr sz="1200">
                 <a:solidFill>
                   <a:schemeClr val="tx1">
-                    <a:tint val="82000"/>
+                    <a:tint val="75000"/>
                   </a:schemeClr>
                 </a:solidFill>
               </a:defRPr>
             </a:lvl7pPr>
-            <a:lvl8pPr marL="3200400" indent="0">
-              <a:buNone/>
-              <a:defRPr sz="1600">
+            <a:lvl8pPr marL="2400300" indent="0">
+              <a:buNone/>
+              <a:defRPr sz="1200">
                 <a:solidFill>
                   <a:schemeClr val="tx1">
-                    <a:tint val="82000"/>
+                    <a:tint val="75000"/>
                   </a:schemeClr>
                 </a:solidFill>
               </a:defRPr>
             </a:lvl8pPr>
-            <a:lvl9pPr marL="3657600" indent="0">
-              <a:buNone/>
-              <a:defRPr sz="1600">
+            <a:lvl9pPr marL="2743200" indent="0">
+              <a:buNone/>
+              <a:defRPr sz="1200">
                 <a:solidFill>
                   <a:schemeClr val="tx1">
-                    <a:tint val="82000"/>
+                    <a:tint val="75000"/>
                   </a:schemeClr>
                 </a:solidFill>
               </a:defRPr>
@@ -1128,13 +1157,7 @@
       </p:sp>
       <p:sp>
         <p:nvSpPr>
-          <p:cNvPr id="4" name="Date Placeholder 3">
-            <a:extLst>
-              <a:ext uri="{FF2B5EF4-FFF2-40B4-BE49-F238E27FC236}">
-                <a16:creationId xmlns:a16="http://schemas.microsoft.com/office/drawing/2014/main" id="{11A7D6FE-83DB-E514-DB95-C1789B75D9AD}"/>
-              </a:ext>
-            </a:extLst>
-          </p:cNvPr>
+          <p:cNvPr id="4" name="Date Placeholder 3"/>
           <p:cNvSpPr>
             <a:spLocks noGrp="1"/>
           </p:cNvSpPr>
@@ -1147,23 +1170,17 @@
           <a:bodyPr/>
           <a:lstStyle/>
           <a:p>
-            <a:fld id="{9FF3E6ED-C832-4343-8B91-8E72B7796AC5}" type="datetimeFigureOut">
-              <a:rPr lang="en-SG" smtClean="0"/>
-              <a:t>18/9/2025</a:t>
+            <a:fld id="{5BCAD085-E8A6-8845-BD4E-CB4CCA059FC4}" type="datetimeFigureOut">
+              <a:rPr lang="en-US" smtClean="0"/>
+              <a:t>9/26/2025</a:t>
             </a:fld>
-            <a:endParaRPr lang="en-SG"/>
-          </a:p>
-        </p:txBody>
-      </p:sp>
-      <p:sp>
-        <p:nvSpPr>
-          <p:cNvPr id="5" name="Footer Placeholder 4">
-            <a:extLst>
-              <a:ext uri="{FF2B5EF4-FFF2-40B4-BE49-F238E27FC236}">
-                <a16:creationId xmlns:a16="http://schemas.microsoft.com/office/drawing/2014/main" id="{8DA1DC91-41AA-D2F2-59B4-F0D9BBC33F72}"/>
-              </a:ext>
-            </a:extLst>
-          </p:cNvPr>
+            <a:endParaRPr lang="en-US"/>
+          </a:p>
+        </p:txBody>
+      </p:sp>
+      <p:sp>
+        <p:nvSpPr>
+          <p:cNvPr id="5" name="Footer Placeholder 4"/>
           <p:cNvSpPr>
             <a:spLocks noGrp="1"/>
           </p:cNvSpPr>
@@ -1176,19 +1193,13 @@
           <a:bodyPr/>
           <a:lstStyle/>
           <a:p>
-            <a:endParaRPr lang="en-SG"/>
-          </a:p>
-        </p:txBody>
-      </p:sp>
-      <p:sp>
-        <p:nvSpPr>
-          <p:cNvPr id="6" name="Slide Number Placeholder 5">
-            <a:extLst>
-              <a:ext uri="{FF2B5EF4-FFF2-40B4-BE49-F238E27FC236}">
-                <a16:creationId xmlns:a16="http://schemas.microsoft.com/office/drawing/2014/main" id="{EA0C843E-028A-5795-E0C7-5B9C8DD55096}"/>
-              </a:ext>
-            </a:extLst>
-          </p:cNvPr>
+            <a:endParaRPr lang="en-US"/>
+          </a:p>
+        </p:txBody>
+      </p:sp>
+      <p:sp>
+        <p:nvSpPr>
+          <p:cNvPr id="6" name="Slide Number Placeholder 5"/>
           <p:cNvSpPr>
             <a:spLocks noGrp="1"/>
           </p:cNvSpPr>
@@ -1201,18 +1212,49 @@
           <a:bodyPr/>
           <a:lstStyle/>
           <a:p>
-            <a:fld id="{10E188DE-64F0-4311-81FB-EC275E4C46D9}" type="slidenum">
-              <a:rPr lang="en-SG" smtClean="0"/>
+            <a:fld id="{C1FF6DA9-008F-8B48-92A6-B652298478BF}" type="slidenum">
+              <a:rPr lang="en-US" smtClean="0"/>
               <a:t>‹#›</a:t>
             </a:fld>
-            <a:endParaRPr lang="en-SG"/>
-          </a:p>
-        </p:txBody>
-      </p:sp>
+            <a:endParaRPr lang="en-US"/>
+          </a:p>
+        </p:txBody>
+      </p:sp>
+      <p:cxnSp>
+        <p:nvCxnSpPr>
+          <p:cNvPr id="15" name="Straight Connector 14"/>
+          <p:cNvCxnSpPr/>
+          <p:nvPr/>
+        </p:nvCxnSpPr>
+        <p:spPr>
+          <a:xfrm>
+            <a:off x="1443491" y="3804985"/>
+            <a:ext cx="5617002" cy="0"/>
+          </a:xfrm>
+          <a:prstGeom prst="line">
+            <a:avLst/>
+          </a:prstGeom>
+          <a:ln w="31750"/>
+        </p:spPr>
+        <p:style>
+          <a:lnRef idx="3">
+            <a:schemeClr val="accent1"/>
+          </a:lnRef>
+          <a:fillRef idx="0">
+            <a:schemeClr val="accent1"/>
+          </a:fillRef>
+          <a:effectRef idx="2">
+            <a:schemeClr val="accent1"/>
+          </a:effectRef>
+          <a:fontRef idx="minor">
+            <a:schemeClr val="tx1"/>
+          </a:fontRef>
+        </p:style>
+      </p:cxnSp>
     </p:spTree>
     <p:extLst>
       <p:ext uri="{BB962C8B-B14F-4D97-AF65-F5344CB8AC3E}">
-        <p14:creationId xmlns:p14="http://schemas.microsoft.com/office/powerpoint/2010/main" val="1033804278"/>
+        <p14:creationId xmlns:p14="http://schemas.microsoft.com/office/powerpoint/2010/main" val="1062874799"/>
       </p:ext>
     </p:extLst>
   </p:cSld>
@@ -1241,116 +1283,46 @@
       </p:grpSpPr>
       <p:sp>
         <p:nvSpPr>
-          <p:cNvPr id="2" name="Title 1">
-            <a:extLst>
-              <a:ext uri="{FF2B5EF4-FFF2-40B4-BE49-F238E27FC236}">
-                <a16:creationId xmlns:a16="http://schemas.microsoft.com/office/drawing/2014/main" id="{635A2461-1747-4DBA-8BAA-5853AAF510A3}"/>
-              </a:ext>
-            </a:extLst>
-          </p:cNvPr>
+          <p:cNvPr id="2" name="Title 1"/>
           <p:cNvSpPr>
             <a:spLocks noGrp="1"/>
           </p:cNvSpPr>
           <p:nvPr>
             <p:ph type="title"/>
-          </p:nvPr>
-        </p:nvSpPr>
-        <p:spPr/>
-        <p:txBody>
-          <a:bodyPr/>
-          <a:lstStyle/>
-          <a:p>
-            <a:r>
-              <a:rPr lang="en-US"/>
-              <a:t>Click to edit Master title style</a:t>
-            </a:r>
-            <a:endParaRPr lang="en-SG"/>
-          </a:p>
-        </p:txBody>
-      </p:sp>
-      <p:sp>
-        <p:nvSpPr>
-          <p:cNvPr id="3" name="Content Placeholder 2">
-            <a:extLst>
-              <a:ext uri="{FF2B5EF4-FFF2-40B4-BE49-F238E27FC236}">
-                <a16:creationId xmlns:a16="http://schemas.microsoft.com/office/drawing/2014/main" id="{6BA3614F-D52D-091D-662F-55BF551D15DA}"/>
-              </a:ext>
-            </a:extLst>
-          </p:cNvPr>
-          <p:cNvSpPr>
-            <a:spLocks noGrp="1"/>
-          </p:cNvSpPr>
-          <p:nvPr>
-            <p:ph sz="half" idx="1"/>
           </p:nvPr>
         </p:nvSpPr>
         <p:spPr>
           <a:xfrm>
-            <a:off x="838200" y="1825625"/>
-            <a:ext cx="5181600" cy="4351338"/>
+            <a:off x="1443491" y="804890"/>
+            <a:ext cx="6571343" cy="1059305"/>
           </a:xfrm>
         </p:spPr>
         <p:txBody>
           <a:bodyPr/>
           <a:lstStyle/>
           <a:p>
-            <a:pPr lvl="0"/>
-            <a:r>
-              <a:rPr lang="en-US"/>
-              <a:t>Click to edit Master text styles</a:t>
-            </a:r>
-          </a:p>
-          <a:p>
-            <a:pPr lvl="1"/>
-            <a:r>
-              <a:rPr lang="en-US"/>
-              <a:t>Second level</a:t>
-            </a:r>
-          </a:p>
-          <a:p>
-            <a:pPr lvl="2"/>
-            <a:r>
-              <a:rPr lang="en-US"/>
-              <a:t>Third level</a:t>
-            </a:r>
-          </a:p>
-          <a:p>
-            <a:pPr lvl="3"/>
-            <a:r>
-              <a:rPr lang="en-US"/>
-              <a:t>Fourth level</a:t>
-            </a:r>
-          </a:p>
-          <a:p>
-            <a:pPr lvl="4"/>
-            <a:r>
-              <a:rPr lang="en-US"/>
-              <a:t>Fifth level</a:t>
-            </a:r>
-            <a:endParaRPr lang="en-SG"/>
-          </a:p>
-        </p:txBody>
-      </p:sp>
-      <p:sp>
-        <p:nvSpPr>
-          <p:cNvPr id="4" name="Content Placeholder 3">
-            <a:extLst>
-              <a:ext uri="{FF2B5EF4-FFF2-40B4-BE49-F238E27FC236}">
-                <a16:creationId xmlns:a16="http://schemas.microsoft.com/office/drawing/2014/main" id="{15B57080-22DD-49C1-0D90-80BDD22E89B8}"/>
-              </a:ext>
-            </a:extLst>
-          </p:cNvPr>
-          <p:cNvSpPr>
-            <a:spLocks noGrp="1"/>
-          </p:cNvSpPr>
-          <p:nvPr>
-            <p:ph sz="half" idx="2"/>
+            <a:r>
+              <a:rPr lang="en-US"/>
+              <a:t>Click to edit Master title style</a:t>
+            </a:r>
+            <a:endParaRPr lang="en-US" dirty="0"/>
+          </a:p>
+        </p:txBody>
+      </p:sp>
+      <p:sp>
+        <p:nvSpPr>
+          <p:cNvPr id="3" name="Content Placeholder 2"/>
+          <p:cNvSpPr>
+            <a:spLocks noGrp="1"/>
+          </p:cNvSpPr>
+          <p:nvPr>
+            <p:ph sz="half" idx="1"/>
           </p:nvPr>
         </p:nvSpPr>
         <p:spPr>
           <a:xfrm>
-            <a:off x="6172200" y="1825625"/>
-            <a:ext cx="5181600" cy="4351338"/>
+            <a:off x="1443490" y="2013936"/>
+            <a:ext cx="3125871" cy="3437560"/>
           </a:xfrm>
         </p:spPr>
         <p:txBody>
@@ -1390,19 +1362,70 @@
               <a:rPr lang="en-US"/>
               <a:t>Fifth level</a:t>
             </a:r>
-            <a:endParaRPr lang="en-SG"/>
-          </a:p>
-        </p:txBody>
-      </p:sp>
-      <p:sp>
-        <p:nvSpPr>
-          <p:cNvPr id="5" name="Date Placeholder 4">
-            <a:extLst>
-              <a:ext uri="{FF2B5EF4-FFF2-40B4-BE49-F238E27FC236}">
-                <a16:creationId xmlns:a16="http://schemas.microsoft.com/office/drawing/2014/main" id="{6A00D0B6-FC2B-56FF-1156-C33C874756F4}"/>
-              </a:ext>
-            </a:extLst>
-          </p:cNvPr>
+            <a:endParaRPr lang="en-US" dirty="0"/>
+          </a:p>
+        </p:txBody>
+      </p:sp>
+      <p:sp>
+        <p:nvSpPr>
+          <p:cNvPr id="4" name="Content Placeholder 3"/>
+          <p:cNvSpPr>
+            <a:spLocks noGrp="1"/>
+          </p:cNvSpPr>
+          <p:nvPr>
+            <p:ph sz="half" idx="2"/>
+          </p:nvPr>
+        </p:nvSpPr>
+        <p:spPr>
+          <a:xfrm>
+            <a:off x="4889182" y="2013936"/>
+            <a:ext cx="3125652" cy="3437559"/>
+          </a:xfrm>
+        </p:spPr>
+        <p:txBody>
+          <a:bodyPr/>
+          <a:lstStyle/>
+          <a:p>
+            <a:pPr lvl="0"/>
+            <a:r>
+              <a:rPr lang="en-US"/>
+              <a:t>Click to edit Master text styles</a:t>
+            </a:r>
+          </a:p>
+          <a:p>
+            <a:pPr lvl="1"/>
+            <a:r>
+              <a:rPr lang="en-US"/>
+              <a:t>Second level</a:t>
+            </a:r>
+          </a:p>
+          <a:p>
+            <a:pPr lvl="2"/>
+            <a:r>
+              <a:rPr lang="en-US"/>
+              <a:t>Third level</a:t>
+            </a:r>
+          </a:p>
+          <a:p>
+            <a:pPr lvl="3"/>
+            <a:r>
+              <a:rPr lang="en-US"/>
+              <a:t>Fourth level</a:t>
+            </a:r>
+          </a:p>
+          <a:p>
+            <a:pPr lvl="4"/>
+            <a:r>
+              <a:rPr lang="en-US"/>
+              <a:t>Fifth level</a:t>
+            </a:r>
+            <a:endParaRPr lang="en-US" dirty="0"/>
+          </a:p>
+        </p:txBody>
+      </p:sp>
+      <p:sp>
+        <p:nvSpPr>
+          <p:cNvPr id="5" name="Date Placeholder 4"/>
           <p:cNvSpPr>
             <a:spLocks noGrp="1"/>
           </p:cNvSpPr>
@@ -1415,23 +1438,17 @@
           <a:bodyPr/>
           <a:lstStyle/>
           <a:p>
-            <a:fld id="{9FF3E6ED-C832-4343-8B91-8E72B7796AC5}" type="datetimeFigureOut">
-              <a:rPr lang="en-SG" smtClean="0"/>
-              <a:t>18/9/2025</a:t>
+            <a:fld id="{5BCAD085-E8A6-8845-BD4E-CB4CCA059FC4}" type="datetimeFigureOut">
+              <a:rPr lang="en-US" smtClean="0"/>
+              <a:t>9/26/2025</a:t>
             </a:fld>
-            <a:endParaRPr lang="en-SG"/>
-          </a:p>
-        </p:txBody>
-      </p:sp>
-      <p:sp>
-        <p:nvSpPr>
-          <p:cNvPr id="6" name="Footer Placeholder 5">
-            <a:extLst>
-              <a:ext uri="{FF2B5EF4-FFF2-40B4-BE49-F238E27FC236}">
-                <a16:creationId xmlns:a16="http://schemas.microsoft.com/office/drawing/2014/main" id="{3B271C6A-73D5-2AAB-8F20-A97A777FC28C}"/>
-              </a:ext>
-            </a:extLst>
-          </p:cNvPr>
+            <a:endParaRPr lang="en-US"/>
+          </a:p>
+        </p:txBody>
+      </p:sp>
+      <p:sp>
+        <p:nvSpPr>
+          <p:cNvPr id="6" name="Footer Placeholder 5"/>
           <p:cNvSpPr>
             <a:spLocks noGrp="1"/>
           </p:cNvSpPr>
@@ -1444,19 +1461,13 @@
           <a:bodyPr/>
           <a:lstStyle/>
           <a:p>
-            <a:endParaRPr lang="en-SG"/>
-          </a:p>
-        </p:txBody>
-      </p:sp>
-      <p:sp>
-        <p:nvSpPr>
-          <p:cNvPr id="7" name="Slide Number Placeholder 6">
-            <a:extLst>
-              <a:ext uri="{FF2B5EF4-FFF2-40B4-BE49-F238E27FC236}">
-                <a16:creationId xmlns:a16="http://schemas.microsoft.com/office/drawing/2014/main" id="{FCDC31D2-4D44-BC6E-00DE-DB31C5E00EE7}"/>
-              </a:ext>
-            </a:extLst>
-          </p:cNvPr>
+            <a:endParaRPr lang="en-US"/>
+          </a:p>
+        </p:txBody>
+      </p:sp>
+      <p:sp>
+        <p:nvSpPr>
+          <p:cNvPr id="7" name="Slide Number Placeholder 6"/>
           <p:cNvSpPr>
             <a:spLocks noGrp="1"/>
           </p:cNvSpPr>
@@ -1469,18 +1480,49 @@
           <a:bodyPr/>
           <a:lstStyle/>
           <a:p>
-            <a:fld id="{10E188DE-64F0-4311-81FB-EC275E4C46D9}" type="slidenum">
-              <a:rPr lang="en-SG" smtClean="0"/>
+            <a:fld id="{C1FF6DA9-008F-8B48-92A6-B652298478BF}" type="slidenum">
+              <a:rPr lang="en-US" smtClean="0"/>
               <a:t>‹#›</a:t>
             </a:fld>
-            <a:endParaRPr lang="en-SG"/>
-          </a:p>
-        </p:txBody>
-      </p:sp>
+            <a:endParaRPr lang="en-US"/>
+          </a:p>
+        </p:txBody>
+      </p:sp>
+      <p:cxnSp>
+        <p:nvCxnSpPr>
+          <p:cNvPr id="33" name="Straight Connector 32"/>
+          <p:cNvCxnSpPr/>
+          <p:nvPr/>
+        </p:nvCxnSpPr>
+        <p:spPr>
+          <a:xfrm>
+            <a:off x="1443491" y="1847088"/>
+            <a:ext cx="6571343" cy="0"/>
+          </a:xfrm>
+          <a:prstGeom prst="line">
+            <a:avLst/>
+          </a:prstGeom>
+          <a:ln w="31750"/>
+        </p:spPr>
+        <p:style>
+          <a:lnRef idx="3">
+            <a:schemeClr val="accent1"/>
+          </a:lnRef>
+          <a:fillRef idx="0">
+            <a:schemeClr val="accent1"/>
+          </a:fillRef>
+          <a:effectRef idx="2">
+            <a:schemeClr val="accent1"/>
+          </a:effectRef>
+          <a:fontRef idx="minor">
+            <a:schemeClr val="tx1"/>
+          </a:fontRef>
+        </p:style>
+      </p:cxnSp>
     </p:spTree>
     <p:extLst>
       <p:ext uri="{BB962C8B-B14F-4D97-AF65-F5344CB8AC3E}">
-        <p14:creationId xmlns:p14="http://schemas.microsoft.com/office/powerpoint/2010/main" val="4120019503"/>
+        <p14:creationId xmlns:p14="http://schemas.microsoft.com/office/powerpoint/2010/main" val="2948991840"/>
       </p:ext>
     </p:extLst>
   </p:cSld>
@@ -1507,26 +1549,51 @@
           <a:chExt cx="0" cy="0"/>
         </a:xfrm>
       </p:grpSpPr>
-      <p:sp>
-        <p:nvSpPr>
-          <p:cNvPr id="2" name="Title 1">
-            <a:extLst>
-              <a:ext uri="{FF2B5EF4-FFF2-40B4-BE49-F238E27FC236}">
-                <a16:creationId xmlns:a16="http://schemas.microsoft.com/office/drawing/2014/main" id="{ADDBF3F2-4E6E-8EA7-BD86-1C82A8B96570}"/>
-              </a:ext>
-            </a:extLst>
-          </p:cNvPr>
-          <p:cNvSpPr>
-            <a:spLocks noGrp="1"/>
-          </p:cNvSpPr>
-          <p:nvPr>
-            <p:ph type="title"/>
-          </p:nvPr>
-        </p:nvSpPr>
+      <p:cxnSp>
+        <p:nvCxnSpPr>
+          <p:cNvPr id="36" name="Straight Connector 35"/>
+          <p:cNvCxnSpPr/>
+          <p:nvPr/>
+        </p:nvCxnSpPr>
         <p:spPr>
           <a:xfrm>
-            <a:off x="839788" y="365125"/>
-            <a:ext cx="10515600" cy="1325563"/>
+            <a:off x="1443491" y="1847088"/>
+            <a:ext cx="6571343" cy="0"/>
+          </a:xfrm>
+          <a:prstGeom prst="line">
+            <a:avLst/>
+          </a:prstGeom>
+          <a:ln w="31750"/>
+        </p:spPr>
+        <p:style>
+          <a:lnRef idx="3">
+            <a:schemeClr val="accent1"/>
+          </a:lnRef>
+          <a:fillRef idx="0">
+            <a:schemeClr val="accent1"/>
+          </a:fillRef>
+          <a:effectRef idx="2">
+            <a:schemeClr val="accent1"/>
+          </a:effectRef>
+          <a:fontRef idx="minor">
+            <a:schemeClr val="tx1"/>
+          </a:fontRef>
+        </p:style>
+      </p:cxnSp>
+      <p:sp>
+        <p:nvSpPr>
+          <p:cNvPr id="2" name="Title 1"/>
+          <p:cNvSpPr>
+            <a:spLocks noGrp="1"/>
+          </p:cNvSpPr>
+          <p:nvPr>
+            <p:ph type="title"/>
+          </p:nvPr>
+        </p:nvSpPr>
+        <p:spPr>
+          <a:xfrm>
+            <a:off x="1443491" y="804164"/>
+            <a:ext cx="6571344" cy="1056319"/>
           </a:xfrm>
         </p:spPr>
         <p:txBody>
@@ -1537,19 +1604,13 @@
               <a:rPr lang="en-US"/>
               <a:t>Click to edit Master title style</a:t>
             </a:r>
-            <a:endParaRPr lang="en-SG"/>
-          </a:p>
-        </p:txBody>
-      </p:sp>
-      <p:sp>
-        <p:nvSpPr>
-          <p:cNvPr id="3" name="Text Placeholder 2">
-            <a:extLst>
-              <a:ext uri="{FF2B5EF4-FFF2-40B4-BE49-F238E27FC236}">
-                <a16:creationId xmlns:a16="http://schemas.microsoft.com/office/drawing/2014/main" id="{319A84AA-0470-435D-198C-29628507850A}"/>
-              </a:ext>
-            </a:extLst>
-          </p:cNvPr>
+            <a:endParaRPr lang="en-US" dirty="0"/>
+          </a:p>
+        </p:txBody>
+      </p:sp>
+      <p:sp>
+        <p:nvSpPr>
+          <p:cNvPr id="3" name="Text Placeholder 2"/>
           <p:cNvSpPr>
             <a:spLocks noGrp="1"/>
           </p:cNvSpPr>
@@ -1559,48 +1620,57 @@
         </p:nvSpPr>
         <p:spPr>
           <a:xfrm>
-            <a:off x="839788" y="1681163"/>
-            <a:ext cx="5157787" cy="823912"/>
+            <a:off x="1443491" y="2019550"/>
+            <a:ext cx="3125766" cy="801943"/>
           </a:xfrm>
         </p:spPr>
         <p:txBody>
-          <a:bodyPr anchor="b"/>
+          <a:bodyPr anchor="b">
+            <a:normAutofit/>
+          </a:bodyPr>
           <a:lstStyle>
             <a:lvl1pPr marL="0" indent="0">
-              <a:buNone/>
-              <a:defRPr sz="2400" b="1"/>
+              <a:lnSpc>
+                <a:spcPct val="100000"/>
+              </a:lnSpc>
+              <a:buNone/>
+              <a:defRPr sz="2200" b="0" cap="all" baseline="0">
+                <a:solidFill>
+                  <a:schemeClr val="accent1"/>
+                </a:solidFill>
+              </a:defRPr>
             </a:lvl1pPr>
-            <a:lvl2pPr marL="457200" indent="0">
-              <a:buNone/>
-              <a:defRPr sz="2000" b="1"/>
+            <a:lvl2pPr marL="342900" indent="0">
+              <a:buNone/>
+              <a:defRPr sz="1500" b="1"/>
             </a:lvl2pPr>
-            <a:lvl3pPr marL="914400" indent="0">
-              <a:buNone/>
-              <a:defRPr sz="1800" b="1"/>
+            <a:lvl3pPr marL="685800" indent="0">
+              <a:buNone/>
+              <a:defRPr sz="1350" b="1"/>
             </a:lvl3pPr>
-            <a:lvl4pPr marL="1371600" indent="0">
-              <a:buNone/>
-              <a:defRPr sz="1600" b="1"/>
+            <a:lvl4pPr marL="1028700" indent="0">
+              <a:buNone/>
+              <a:defRPr sz="1200" b="1"/>
             </a:lvl4pPr>
-            <a:lvl5pPr marL="1828800" indent="0">
-              <a:buNone/>
-              <a:defRPr sz="1600" b="1"/>
+            <a:lvl5pPr marL="1371600" indent="0">
+              <a:buNone/>
+              <a:defRPr sz="1200" b="1"/>
             </a:lvl5pPr>
-            <a:lvl6pPr marL="2286000" indent="0">
-              <a:buNone/>
-              <a:defRPr sz="1600" b="1"/>
+            <a:lvl6pPr marL="1714500" indent="0">
+              <a:buNone/>
+              <a:defRPr sz="1200" b="1"/>
             </a:lvl6pPr>
-            <a:lvl7pPr marL="2743200" indent="0">
-              <a:buNone/>
-              <a:defRPr sz="1600" b="1"/>
+            <a:lvl7pPr marL="2057400" indent="0">
+              <a:buNone/>
+              <a:defRPr sz="1200" b="1"/>
             </a:lvl7pPr>
-            <a:lvl8pPr marL="3200400" indent="0">
-              <a:buNone/>
-              <a:defRPr sz="1600" b="1"/>
+            <a:lvl8pPr marL="2400300" indent="0">
+              <a:buNone/>
+              <a:defRPr sz="1200" b="1"/>
             </a:lvl8pPr>
-            <a:lvl9pPr marL="3657600" indent="0">
-              <a:buNone/>
-              <a:defRPr sz="1600" b="1"/>
+            <a:lvl9pPr marL="2743200" indent="0">
+              <a:buNone/>
+              <a:defRPr sz="1200" b="1"/>
             </a:lvl9pPr>
           </a:lstStyle>
           <a:p>
@@ -1614,13 +1684,7 @@
       </p:sp>
       <p:sp>
         <p:nvSpPr>
-          <p:cNvPr id="4" name="Content Placeholder 3">
-            <a:extLst>
-              <a:ext uri="{FF2B5EF4-FFF2-40B4-BE49-F238E27FC236}">
-                <a16:creationId xmlns:a16="http://schemas.microsoft.com/office/drawing/2014/main" id="{D585D72C-B530-E33E-9B6F-2957EE5B5C2F}"/>
-              </a:ext>
-            </a:extLst>
-          </p:cNvPr>
+          <p:cNvPr id="4" name="Content Placeholder 3"/>
           <p:cNvSpPr>
             <a:spLocks noGrp="1"/>
           </p:cNvSpPr>
@@ -1630,8 +1694,8 @@
         </p:nvSpPr>
         <p:spPr>
           <a:xfrm>
-            <a:off x="839788" y="2505075"/>
-            <a:ext cx="5157787" cy="3684588"/>
+            <a:off x="1443491" y="2824270"/>
+            <a:ext cx="3125766" cy="2644457"/>
           </a:xfrm>
         </p:spPr>
         <p:txBody>
@@ -1671,19 +1735,13 @@
               <a:rPr lang="en-US"/>
               <a:t>Fifth level</a:t>
             </a:r>
-            <a:endParaRPr lang="en-SG"/>
-          </a:p>
-        </p:txBody>
-      </p:sp>
-      <p:sp>
-        <p:nvSpPr>
-          <p:cNvPr id="5" name="Text Placeholder 4">
-            <a:extLst>
-              <a:ext uri="{FF2B5EF4-FFF2-40B4-BE49-F238E27FC236}">
-                <a16:creationId xmlns:a16="http://schemas.microsoft.com/office/drawing/2014/main" id="{0AAB3041-DED9-91DD-2AC8-DF28ED26A45C}"/>
-              </a:ext>
-            </a:extLst>
-          </p:cNvPr>
+            <a:endParaRPr lang="en-US" dirty="0"/>
+          </a:p>
+        </p:txBody>
+      </p:sp>
+      <p:sp>
+        <p:nvSpPr>
+          <p:cNvPr id="5" name="Text Placeholder 4"/>
           <p:cNvSpPr>
             <a:spLocks noGrp="1"/>
           </p:cNvSpPr>
@@ -1693,48 +1751,57 @@
         </p:nvSpPr>
         <p:spPr>
           <a:xfrm>
-            <a:off x="6172200" y="1681163"/>
-            <a:ext cx="5183188" cy="823912"/>
+            <a:off x="4889182" y="2023004"/>
+            <a:ext cx="3125652" cy="802237"/>
           </a:xfrm>
         </p:spPr>
         <p:txBody>
-          <a:bodyPr anchor="b"/>
+          <a:bodyPr anchor="b">
+            <a:normAutofit/>
+          </a:bodyPr>
           <a:lstStyle>
             <a:lvl1pPr marL="0" indent="0">
-              <a:buNone/>
-              <a:defRPr sz="2400" b="1"/>
+              <a:lnSpc>
+                <a:spcPct val="100000"/>
+              </a:lnSpc>
+              <a:buNone/>
+              <a:defRPr sz="2200" b="0" cap="all" baseline="0">
+                <a:solidFill>
+                  <a:schemeClr val="accent1"/>
+                </a:solidFill>
+              </a:defRPr>
             </a:lvl1pPr>
-            <a:lvl2pPr marL="457200" indent="0">
-              <a:buNone/>
-              <a:defRPr sz="2000" b="1"/>
+            <a:lvl2pPr marL="342900" indent="0">
+              <a:buNone/>
+              <a:defRPr sz="1500" b="1"/>
             </a:lvl2pPr>
-            <a:lvl3pPr marL="914400" indent="0">
-              <a:buNone/>
-              <a:defRPr sz="1800" b="1"/>
+            <a:lvl3pPr marL="685800" indent="0">
+              <a:buNone/>
+              <a:defRPr sz="1350" b="1"/>
             </a:lvl3pPr>
-            <a:lvl4pPr marL="1371600" indent="0">
-              <a:buNone/>
-              <a:defRPr sz="1600" b="1"/>
+            <a:lvl4pPr marL="1028700" indent="0">
+              <a:buNone/>
+              <a:defRPr sz="1200" b="1"/>
             </a:lvl4pPr>
-            <a:lvl5pPr marL="1828800" indent="0">
-              <a:buNone/>
-              <a:defRPr sz="1600" b="1"/>
+            <a:lvl5pPr marL="1371600" indent="0">
+              <a:buNone/>
+              <a:defRPr sz="1200" b="1"/>
             </a:lvl5pPr>
-            <a:lvl6pPr marL="2286000" indent="0">
-              <a:buNone/>
-              <a:defRPr sz="1600" b="1"/>
+            <a:lvl6pPr marL="1714500" indent="0">
+              <a:buNone/>
+              <a:defRPr sz="1200" b="1"/>
             </a:lvl6pPr>
-            <a:lvl7pPr marL="2743200" indent="0">
-              <a:buNone/>
-              <a:defRPr sz="1600" b="1"/>
+            <a:lvl7pPr marL="2057400" indent="0">
+              <a:buNone/>
+              <a:defRPr sz="1200" b="1"/>
             </a:lvl7pPr>
-            <a:lvl8pPr marL="3200400" indent="0">
-              <a:buNone/>
-              <a:defRPr sz="1600" b="1"/>
+            <a:lvl8pPr marL="2400300" indent="0">
+              <a:buNone/>
+              <a:defRPr sz="1200" b="1"/>
             </a:lvl8pPr>
-            <a:lvl9pPr marL="3657600" indent="0">
-              <a:buNone/>
-              <a:defRPr sz="1600" b="1"/>
+            <a:lvl9pPr marL="2743200" indent="0">
+              <a:buNone/>
+              <a:defRPr sz="1200" b="1"/>
             </a:lvl9pPr>
           </a:lstStyle>
           <a:p>
@@ -1748,13 +1815,7 @@
       </p:sp>
       <p:sp>
         <p:nvSpPr>
-          <p:cNvPr id="6" name="Content Placeholder 5">
-            <a:extLst>
-              <a:ext uri="{FF2B5EF4-FFF2-40B4-BE49-F238E27FC236}">
-                <a16:creationId xmlns:a16="http://schemas.microsoft.com/office/drawing/2014/main" id="{C09D37E6-23AA-D742-555F-EBB769D2B899}"/>
-              </a:ext>
-            </a:extLst>
-          </p:cNvPr>
+          <p:cNvPr id="6" name="Content Placeholder 5"/>
           <p:cNvSpPr>
             <a:spLocks noGrp="1"/>
           </p:cNvSpPr>
@@ -1764,8 +1825,8 @@
         </p:nvSpPr>
         <p:spPr>
           <a:xfrm>
-            <a:off x="6172200" y="2505075"/>
-            <a:ext cx="5183188" cy="3684588"/>
+            <a:off x="4889182" y="2821491"/>
+            <a:ext cx="3125652" cy="2637371"/>
           </a:xfrm>
         </p:spPr>
         <p:txBody>
@@ -1805,19 +1866,13 @@
               <a:rPr lang="en-US"/>
               <a:t>Fifth level</a:t>
             </a:r>
-            <a:endParaRPr lang="en-SG"/>
-          </a:p>
-        </p:txBody>
-      </p:sp>
-      <p:sp>
-        <p:nvSpPr>
-          <p:cNvPr id="7" name="Date Placeholder 6">
-            <a:extLst>
-              <a:ext uri="{FF2B5EF4-FFF2-40B4-BE49-F238E27FC236}">
-                <a16:creationId xmlns:a16="http://schemas.microsoft.com/office/drawing/2014/main" id="{A65EAB5D-F3B6-8EAD-5E4E-08772E3211ED}"/>
-              </a:ext>
-            </a:extLst>
-          </p:cNvPr>
+            <a:endParaRPr lang="en-US" dirty="0"/>
+          </a:p>
+        </p:txBody>
+      </p:sp>
+      <p:sp>
+        <p:nvSpPr>
+          <p:cNvPr id="7" name="Date Placeholder 6"/>
           <p:cNvSpPr>
             <a:spLocks noGrp="1"/>
           </p:cNvSpPr>
@@ -1830,23 +1885,17 @@
           <a:bodyPr/>
           <a:lstStyle/>
           <a:p>
-            <a:fld id="{9FF3E6ED-C832-4343-8B91-8E72B7796AC5}" type="datetimeFigureOut">
-              <a:rPr lang="en-SG" smtClean="0"/>
-              <a:t>18/9/2025</a:t>
+            <a:fld id="{5BCAD085-E8A6-8845-BD4E-CB4CCA059FC4}" type="datetimeFigureOut">
+              <a:rPr lang="en-US" smtClean="0"/>
+              <a:t>9/26/2025</a:t>
             </a:fld>
-            <a:endParaRPr lang="en-SG"/>
-          </a:p>
-        </p:txBody>
-      </p:sp>
-      <p:sp>
-        <p:nvSpPr>
-          <p:cNvPr id="8" name="Footer Placeholder 7">
-            <a:extLst>
-              <a:ext uri="{FF2B5EF4-FFF2-40B4-BE49-F238E27FC236}">
-                <a16:creationId xmlns:a16="http://schemas.microsoft.com/office/drawing/2014/main" id="{91D89270-46B4-858A-3767-A473780AC220}"/>
-              </a:ext>
-            </a:extLst>
-          </p:cNvPr>
+            <a:endParaRPr lang="en-US"/>
+          </a:p>
+        </p:txBody>
+      </p:sp>
+      <p:sp>
+        <p:nvSpPr>
+          <p:cNvPr id="8" name="Footer Placeholder 7"/>
           <p:cNvSpPr>
             <a:spLocks noGrp="1"/>
           </p:cNvSpPr>
@@ -1859,19 +1908,13 @@
           <a:bodyPr/>
           <a:lstStyle/>
           <a:p>
-            <a:endParaRPr lang="en-SG"/>
-          </a:p>
-        </p:txBody>
-      </p:sp>
-      <p:sp>
-        <p:nvSpPr>
-          <p:cNvPr id="9" name="Slide Number Placeholder 8">
-            <a:extLst>
-              <a:ext uri="{FF2B5EF4-FFF2-40B4-BE49-F238E27FC236}">
-                <a16:creationId xmlns:a16="http://schemas.microsoft.com/office/drawing/2014/main" id="{921CC4A0-6924-A311-D2E3-5E2F2CA708A1}"/>
-              </a:ext>
-            </a:extLst>
-          </p:cNvPr>
+            <a:endParaRPr lang="en-US"/>
+          </a:p>
+        </p:txBody>
+      </p:sp>
+      <p:sp>
+        <p:nvSpPr>
+          <p:cNvPr id="9" name="Slide Number Placeholder 8"/>
           <p:cNvSpPr>
             <a:spLocks noGrp="1"/>
           </p:cNvSpPr>
@@ -1884,18 +1927,18 @@
           <a:bodyPr/>
           <a:lstStyle/>
           <a:p>
-            <a:fld id="{10E188DE-64F0-4311-81FB-EC275E4C46D9}" type="slidenum">
-              <a:rPr lang="en-SG" smtClean="0"/>
+            <a:fld id="{C1FF6DA9-008F-8B48-92A6-B652298478BF}" type="slidenum">
+              <a:rPr lang="en-US" smtClean="0"/>
               <a:t>‹#›</a:t>
             </a:fld>
-            <a:endParaRPr lang="en-SG"/>
+            <a:endParaRPr lang="en-US"/>
           </a:p>
         </p:txBody>
       </p:sp>
     </p:spTree>
     <p:extLst>
       <p:ext uri="{BB962C8B-B14F-4D97-AF65-F5344CB8AC3E}">
-        <p14:creationId xmlns:p14="http://schemas.microsoft.com/office/powerpoint/2010/main" val="2036352683"/>
+        <p14:creationId xmlns:p14="http://schemas.microsoft.com/office/powerpoint/2010/main" val="3082928722"/>
       </p:ext>
     </p:extLst>
   </p:cSld>
@@ -1922,15 +1965,40 @@
           <a:chExt cx="0" cy="0"/>
         </a:xfrm>
       </p:grpSpPr>
-      <p:sp>
-        <p:nvSpPr>
-          <p:cNvPr id="2" name="Title 1">
-            <a:extLst>
-              <a:ext uri="{FF2B5EF4-FFF2-40B4-BE49-F238E27FC236}">
-                <a16:creationId xmlns:a16="http://schemas.microsoft.com/office/drawing/2014/main" id="{2CFA05E7-4271-5EA4-129A-84D704A50B15}"/>
-              </a:ext>
-            </a:extLst>
-          </p:cNvPr>
+      <p:cxnSp>
+        <p:nvCxnSpPr>
+          <p:cNvPr id="32" name="Straight Connector 31"/>
+          <p:cNvCxnSpPr/>
+          <p:nvPr/>
+        </p:nvCxnSpPr>
+        <p:spPr>
+          <a:xfrm>
+            <a:off x="1443491" y="1847088"/>
+            <a:ext cx="6571343" cy="0"/>
+          </a:xfrm>
+          <a:prstGeom prst="line">
+            <a:avLst/>
+          </a:prstGeom>
+          <a:ln w="31750"/>
+        </p:spPr>
+        <p:style>
+          <a:lnRef idx="3">
+            <a:schemeClr val="accent1"/>
+          </a:lnRef>
+          <a:fillRef idx="0">
+            <a:schemeClr val="accent1"/>
+          </a:fillRef>
+          <a:effectRef idx="2">
+            <a:schemeClr val="accent1"/>
+          </a:effectRef>
+          <a:fontRef idx="minor">
+            <a:schemeClr val="tx1"/>
+          </a:fontRef>
+        </p:style>
+      </p:cxnSp>
+      <p:sp>
+        <p:nvSpPr>
+          <p:cNvPr id="2" name="Title 1"/>
           <p:cNvSpPr>
             <a:spLocks noGrp="1"/>
           </p:cNvSpPr>
@@ -1947,19 +2015,13 @@
               <a:rPr lang="en-US"/>
               <a:t>Click to edit Master title style</a:t>
             </a:r>
-            <a:endParaRPr lang="en-SG"/>
-          </a:p>
-        </p:txBody>
-      </p:sp>
-      <p:sp>
-        <p:nvSpPr>
-          <p:cNvPr id="3" name="Date Placeholder 2">
-            <a:extLst>
-              <a:ext uri="{FF2B5EF4-FFF2-40B4-BE49-F238E27FC236}">
-                <a16:creationId xmlns:a16="http://schemas.microsoft.com/office/drawing/2014/main" id="{9305BE19-EDB1-8736-E541-8BFD12933DE8}"/>
-              </a:ext>
-            </a:extLst>
-          </p:cNvPr>
+            <a:endParaRPr lang="en-US" dirty="0"/>
+          </a:p>
+        </p:txBody>
+      </p:sp>
+      <p:sp>
+        <p:nvSpPr>
+          <p:cNvPr id="3" name="Date Placeholder 2"/>
           <p:cNvSpPr>
             <a:spLocks noGrp="1"/>
           </p:cNvSpPr>
@@ -1972,23 +2034,17 @@
           <a:bodyPr/>
           <a:lstStyle/>
           <a:p>
-            <a:fld id="{9FF3E6ED-C832-4343-8B91-8E72B7796AC5}" type="datetimeFigureOut">
-              <a:rPr lang="en-SG" smtClean="0"/>
-              <a:t>18/9/2025</a:t>
+            <a:fld id="{5BCAD085-E8A6-8845-BD4E-CB4CCA059FC4}" type="datetimeFigureOut">
+              <a:rPr lang="en-US" smtClean="0"/>
+              <a:t>9/26/2025</a:t>
             </a:fld>
-            <a:endParaRPr lang="en-SG"/>
-          </a:p>
-        </p:txBody>
-      </p:sp>
-      <p:sp>
-        <p:nvSpPr>
-          <p:cNvPr id="4" name="Footer Placeholder 3">
-            <a:extLst>
-              <a:ext uri="{FF2B5EF4-FFF2-40B4-BE49-F238E27FC236}">
-                <a16:creationId xmlns:a16="http://schemas.microsoft.com/office/drawing/2014/main" id="{7D8069DD-9619-77FF-DF95-35B758B3583C}"/>
-              </a:ext>
-            </a:extLst>
-          </p:cNvPr>
+            <a:endParaRPr lang="en-US"/>
+          </a:p>
+        </p:txBody>
+      </p:sp>
+      <p:sp>
+        <p:nvSpPr>
+          <p:cNvPr id="4" name="Footer Placeholder 3"/>
           <p:cNvSpPr>
             <a:spLocks noGrp="1"/>
           </p:cNvSpPr>
@@ -2001,19 +2057,13 @@
           <a:bodyPr/>
           <a:lstStyle/>
           <a:p>
-            <a:endParaRPr lang="en-SG"/>
-          </a:p>
-        </p:txBody>
-      </p:sp>
-      <p:sp>
-        <p:nvSpPr>
-          <p:cNvPr id="5" name="Slide Number Placeholder 4">
-            <a:extLst>
-              <a:ext uri="{FF2B5EF4-FFF2-40B4-BE49-F238E27FC236}">
-                <a16:creationId xmlns:a16="http://schemas.microsoft.com/office/drawing/2014/main" id="{EE47F465-A07E-F376-7B55-D0ACF4DFC6C2}"/>
-              </a:ext>
-            </a:extLst>
-          </p:cNvPr>
+            <a:endParaRPr lang="en-US"/>
+          </a:p>
+        </p:txBody>
+      </p:sp>
+      <p:sp>
+        <p:nvSpPr>
+          <p:cNvPr id="5" name="Slide Number Placeholder 4"/>
           <p:cNvSpPr>
             <a:spLocks noGrp="1"/>
           </p:cNvSpPr>
@@ -2026,18 +2076,18 @@
           <a:bodyPr/>
           <a:lstStyle/>
           <a:p>
-            <a:fld id="{10E188DE-64F0-4311-81FB-EC275E4C46D9}" type="slidenum">
-              <a:rPr lang="en-SG" smtClean="0"/>
+            <a:fld id="{C1FF6DA9-008F-8B48-92A6-B652298478BF}" type="slidenum">
+              <a:rPr lang="en-US" smtClean="0"/>
               <a:t>‹#›</a:t>
             </a:fld>
-            <a:endParaRPr lang="en-SG"/>
+            <a:endParaRPr lang="en-US"/>
           </a:p>
         </p:txBody>
       </p:sp>
     </p:spTree>
     <p:extLst>
       <p:ext uri="{BB962C8B-B14F-4D97-AF65-F5344CB8AC3E}">
-        <p14:creationId xmlns:p14="http://schemas.microsoft.com/office/powerpoint/2010/main" val="18714658"/>
+        <p14:creationId xmlns:p14="http://schemas.microsoft.com/office/powerpoint/2010/main" val="1742647191"/>
       </p:ext>
     </p:extLst>
   </p:cSld>
@@ -2066,13 +2116,7 @@
       </p:grpSpPr>
       <p:sp>
         <p:nvSpPr>
-          <p:cNvPr id="2" name="Date Placeholder 1">
-            <a:extLst>
-              <a:ext uri="{FF2B5EF4-FFF2-40B4-BE49-F238E27FC236}">
-                <a16:creationId xmlns:a16="http://schemas.microsoft.com/office/drawing/2014/main" id="{C44C7557-5BF7-4C91-850F-112AFB1EC644}"/>
-              </a:ext>
-            </a:extLst>
-          </p:cNvPr>
+          <p:cNvPr id="2" name="Date Placeholder 1"/>
           <p:cNvSpPr>
             <a:spLocks noGrp="1"/>
           </p:cNvSpPr>
@@ -2085,23 +2129,17 @@
           <a:bodyPr/>
           <a:lstStyle/>
           <a:p>
-            <a:fld id="{9FF3E6ED-C832-4343-8B91-8E72B7796AC5}" type="datetimeFigureOut">
-              <a:rPr lang="en-SG" smtClean="0"/>
-              <a:t>18/9/2025</a:t>
+            <a:fld id="{5BCAD085-E8A6-8845-BD4E-CB4CCA059FC4}" type="datetimeFigureOut">
+              <a:rPr lang="en-US" smtClean="0"/>
+              <a:t>9/26/2025</a:t>
             </a:fld>
-            <a:endParaRPr lang="en-SG"/>
-          </a:p>
-        </p:txBody>
-      </p:sp>
-      <p:sp>
-        <p:nvSpPr>
-          <p:cNvPr id="3" name="Footer Placeholder 2">
-            <a:extLst>
-              <a:ext uri="{FF2B5EF4-FFF2-40B4-BE49-F238E27FC236}">
-                <a16:creationId xmlns:a16="http://schemas.microsoft.com/office/drawing/2014/main" id="{EC713724-C0F6-D9EB-11A9-CC6FC1AEF54E}"/>
-              </a:ext>
-            </a:extLst>
-          </p:cNvPr>
+            <a:endParaRPr lang="en-US"/>
+          </a:p>
+        </p:txBody>
+      </p:sp>
+      <p:sp>
+        <p:nvSpPr>
+          <p:cNvPr id="3" name="Footer Placeholder 2"/>
           <p:cNvSpPr>
             <a:spLocks noGrp="1"/>
           </p:cNvSpPr>
@@ -2114,19 +2152,13 @@
           <a:bodyPr/>
           <a:lstStyle/>
           <a:p>
-            <a:endParaRPr lang="en-SG"/>
-          </a:p>
-        </p:txBody>
-      </p:sp>
-      <p:sp>
-        <p:nvSpPr>
-          <p:cNvPr id="4" name="Slide Number Placeholder 3">
-            <a:extLst>
-              <a:ext uri="{FF2B5EF4-FFF2-40B4-BE49-F238E27FC236}">
-                <a16:creationId xmlns:a16="http://schemas.microsoft.com/office/drawing/2014/main" id="{088E7114-B780-57E8-7F6E-157D8A247149}"/>
-              </a:ext>
-            </a:extLst>
-          </p:cNvPr>
+            <a:endParaRPr lang="en-US"/>
+          </a:p>
+        </p:txBody>
+      </p:sp>
+      <p:sp>
+        <p:nvSpPr>
+          <p:cNvPr id="4" name="Slide Number Placeholder 3"/>
           <p:cNvSpPr>
             <a:spLocks noGrp="1"/>
           </p:cNvSpPr>
@@ -2139,18 +2171,18 @@
           <a:bodyPr/>
           <a:lstStyle/>
           <a:p>
-            <a:fld id="{10E188DE-64F0-4311-81FB-EC275E4C46D9}" type="slidenum">
-              <a:rPr lang="en-SG" smtClean="0"/>
+            <a:fld id="{C1FF6DA9-008F-8B48-92A6-B652298478BF}" type="slidenum">
+              <a:rPr lang="en-US" smtClean="0"/>
               <a:t>‹#›</a:t>
             </a:fld>
-            <a:endParaRPr lang="en-SG"/>
+            <a:endParaRPr lang="en-US"/>
           </a:p>
         </p:txBody>
       </p:sp>
     </p:spTree>
     <p:extLst>
       <p:ext uri="{BB962C8B-B14F-4D97-AF65-F5344CB8AC3E}">
-        <p14:creationId xmlns:p14="http://schemas.microsoft.com/office/powerpoint/2010/main" val="59112222"/>
+        <p14:creationId xmlns:p14="http://schemas.microsoft.com/office/powerpoint/2010/main" val="956296218"/>
       </p:ext>
     </p:extLst>
   </p:cSld>
@@ -2179,13 +2211,7 @@
       </p:grpSpPr>
       <p:sp>
         <p:nvSpPr>
-          <p:cNvPr id="2" name="Title 1">
-            <a:extLst>
-              <a:ext uri="{FF2B5EF4-FFF2-40B4-BE49-F238E27FC236}">
-                <a16:creationId xmlns:a16="http://schemas.microsoft.com/office/drawing/2014/main" id="{16A5A224-CD7B-7437-2D97-BD7C0B3D1BB4}"/>
-              </a:ext>
-            </a:extLst>
-          </p:cNvPr>
+          <p:cNvPr id="2" name="Title 1"/>
           <p:cNvSpPr>
             <a:spLocks noGrp="1"/>
           </p:cNvSpPr>
@@ -2195,15 +2221,17 @@
         </p:nvSpPr>
         <p:spPr>
           <a:xfrm>
-            <a:off x="839788" y="457200"/>
-            <a:ext cx="3932237" cy="1600200"/>
+            <a:off x="1439042" y="798973"/>
+            <a:ext cx="2425950" cy="2247117"/>
           </a:xfrm>
         </p:spPr>
         <p:txBody>
-          <a:bodyPr anchor="b"/>
+          <a:bodyPr anchor="b">
+            <a:normAutofit/>
+          </a:bodyPr>
           <a:lstStyle>
-            <a:lvl1pPr>
-              <a:defRPr sz="3200"/>
+            <a:lvl1pPr algn="l">
+              <a:defRPr sz="2400"/>
             </a:lvl1pPr>
           </a:lstStyle>
           <a:p>
@@ -2211,19 +2239,13 @@
               <a:rPr lang="en-US"/>
               <a:t>Click to edit Master title style</a:t>
             </a:r>
-            <a:endParaRPr lang="en-SG"/>
-          </a:p>
-        </p:txBody>
-      </p:sp>
-      <p:sp>
-        <p:nvSpPr>
-          <p:cNvPr id="3" name="Content Placeholder 2">
-            <a:extLst>
-              <a:ext uri="{FF2B5EF4-FFF2-40B4-BE49-F238E27FC236}">
-                <a16:creationId xmlns:a16="http://schemas.microsoft.com/office/drawing/2014/main" id="{E117B0FC-763A-2CBF-DC28-5B8EE0E3418B}"/>
-              </a:ext>
-            </a:extLst>
-          </p:cNvPr>
+            <a:endParaRPr lang="en-US" dirty="0"/>
+          </a:p>
+        </p:txBody>
+      </p:sp>
+      <p:sp>
+        <p:nvSpPr>
+          <p:cNvPr id="3" name="Content Placeholder 2"/>
           <p:cNvSpPr>
             <a:spLocks noGrp="1"/>
           </p:cNvSpPr>
@@ -2233,39 +2255,107 @@
         </p:nvSpPr>
         <p:spPr>
           <a:xfrm>
-            <a:off x="5183188" y="987425"/>
-            <a:ext cx="6172200" cy="4873625"/>
+            <a:off x="4186656" y="798974"/>
+            <a:ext cx="3828178" cy="4658826"/>
           </a:xfrm>
         </p:spPr>
         <p:txBody>
-          <a:bodyPr/>
+          <a:bodyPr anchor="ctr"/>
+          <a:lstStyle/>
+          <a:p>
+            <a:pPr lvl="0"/>
+            <a:r>
+              <a:rPr lang="en-US"/>
+              <a:t>Click to edit Master text styles</a:t>
+            </a:r>
+          </a:p>
+          <a:p>
+            <a:pPr lvl="1"/>
+            <a:r>
+              <a:rPr lang="en-US"/>
+              <a:t>Second level</a:t>
+            </a:r>
+          </a:p>
+          <a:p>
+            <a:pPr lvl="2"/>
+            <a:r>
+              <a:rPr lang="en-US"/>
+              <a:t>Third level</a:t>
+            </a:r>
+          </a:p>
+          <a:p>
+            <a:pPr lvl="3"/>
+            <a:r>
+              <a:rPr lang="en-US"/>
+              <a:t>Fourth level</a:t>
+            </a:r>
+          </a:p>
+          <a:p>
+            <a:pPr lvl="4"/>
+            <a:r>
+              <a:rPr lang="en-US"/>
+              <a:t>Fifth level</a:t>
+            </a:r>
+            <a:endParaRPr lang="en-US" dirty="0"/>
+          </a:p>
+        </p:txBody>
+      </p:sp>
+      <p:sp>
+        <p:nvSpPr>
+          <p:cNvPr id="4" name="Text Placeholder 3"/>
+          <p:cNvSpPr>
+            <a:spLocks noGrp="1"/>
+          </p:cNvSpPr>
+          <p:nvPr>
+            <p:ph type="body" sz="half" idx="2"/>
+          </p:nvPr>
+        </p:nvSpPr>
+        <p:spPr>
+          <a:xfrm>
+            <a:off x="1439042" y="3205492"/>
+            <a:ext cx="2427369" cy="2248181"/>
+          </a:xfrm>
+        </p:spPr>
+        <p:txBody>
+          <a:bodyPr>
+            <a:normAutofit/>
+          </a:bodyPr>
           <a:lstStyle>
-            <a:lvl1pPr>
-              <a:defRPr sz="3200"/>
+            <a:lvl1pPr marL="0" indent="0" algn="l">
+              <a:buNone/>
+              <a:defRPr sz="1600"/>
             </a:lvl1pPr>
-            <a:lvl2pPr>
-              <a:defRPr sz="2800"/>
+            <a:lvl2pPr marL="342900" indent="0">
+              <a:buNone/>
+              <a:defRPr sz="1050"/>
             </a:lvl2pPr>
-            <a:lvl3pPr>
-              <a:defRPr sz="2400"/>
+            <a:lvl3pPr marL="685800" indent="0">
+              <a:buNone/>
+              <a:defRPr sz="900"/>
             </a:lvl3pPr>
-            <a:lvl4pPr>
-              <a:defRPr sz="2000"/>
+            <a:lvl4pPr marL="1028700" indent="0">
+              <a:buNone/>
+              <a:defRPr sz="750"/>
             </a:lvl4pPr>
-            <a:lvl5pPr>
-              <a:defRPr sz="2000"/>
+            <a:lvl5pPr marL="1371600" indent="0">
+              <a:buNone/>
+              <a:defRPr sz="750"/>
             </a:lvl5pPr>
-            <a:lvl6pPr>
-              <a:defRPr sz="2000"/>
+            <a:lvl6pPr marL="1714500" indent="0">
+              <a:buNone/>
+              <a:defRPr sz="750"/>
             </a:lvl6pPr>
-            <a:lvl7pPr>
-              <a:defRPr sz="2000"/>
+            <a:lvl7pPr marL="2057400" indent="0">
+              <a:buNone/>
+              <a:defRPr sz="750"/>
             </a:lvl7pPr>
-            <a:lvl8pPr>
-              <a:defRPr sz="2000"/>
+            <a:lvl8pPr marL="2400300" indent="0">
+              <a:buNone/>
+              <a:defRPr sz="750"/>
             </a:lvl8pPr>
-            <a:lvl9pPr>
-              <a:defRPr sz="2000"/>
+            <a:lvl9pPr marL="2743200" indent="0">
+              <a:buNone/>
+              <a:defRPr sz="750"/>
             </a:lvl9pPr>
           </a:lstStyle>
           <a:p>
@@ -2275,195 +2365,108 @@
               <a:t>Click to edit Master text styles</a:t>
             </a:r>
           </a:p>
-          <a:p>
-            <a:pPr lvl="1"/>
-            <a:r>
-              <a:rPr lang="en-US"/>
-              <a:t>Second level</a:t>
-            </a:r>
-          </a:p>
-          <a:p>
-            <a:pPr lvl="2"/>
-            <a:r>
-              <a:rPr lang="en-US"/>
-              <a:t>Third level</a:t>
-            </a:r>
-          </a:p>
-          <a:p>
-            <a:pPr lvl="3"/>
-            <a:r>
-              <a:rPr lang="en-US"/>
-              <a:t>Fourth level</a:t>
-            </a:r>
-          </a:p>
-          <a:p>
-            <a:pPr lvl="4"/>
-            <a:r>
-              <a:rPr lang="en-US"/>
-              <a:t>Fifth level</a:t>
-            </a:r>
-            <a:endParaRPr lang="en-SG"/>
-          </a:p>
-        </p:txBody>
-      </p:sp>
-      <p:sp>
-        <p:nvSpPr>
-          <p:cNvPr id="4" name="Text Placeholder 3">
-            <a:extLst>
-              <a:ext uri="{FF2B5EF4-FFF2-40B4-BE49-F238E27FC236}">
-                <a16:creationId xmlns:a16="http://schemas.microsoft.com/office/drawing/2014/main" id="{73B01638-8D31-D34B-F4B6-F6F570D320D4}"/>
-              </a:ext>
-            </a:extLst>
-          </p:cNvPr>
-          <p:cNvSpPr>
-            <a:spLocks noGrp="1"/>
-          </p:cNvSpPr>
-          <p:nvPr>
-            <p:ph type="body" sz="half" idx="2"/>
-          </p:nvPr>
-        </p:nvSpPr>
+        </p:txBody>
+      </p:sp>
+      <p:sp>
+        <p:nvSpPr>
+          <p:cNvPr id="5" name="Date Placeholder 4"/>
+          <p:cNvSpPr>
+            <a:spLocks noGrp="1"/>
+          </p:cNvSpPr>
+          <p:nvPr>
+            <p:ph type="dt" sz="half" idx="10"/>
+          </p:nvPr>
+        </p:nvSpPr>
+        <p:spPr/>
+        <p:txBody>
+          <a:bodyPr/>
+          <a:lstStyle/>
+          <a:p>
+            <a:fld id="{5BCAD085-E8A6-8845-BD4E-CB4CCA059FC4}" type="datetimeFigureOut">
+              <a:rPr lang="en-US" smtClean="0"/>
+              <a:t>9/26/2025</a:t>
+            </a:fld>
+            <a:endParaRPr lang="en-US"/>
+          </a:p>
+        </p:txBody>
+      </p:sp>
+      <p:sp>
+        <p:nvSpPr>
+          <p:cNvPr id="6" name="Footer Placeholder 5"/>
+          <p:cNvSpPr>
+            <a:spLocks noGrp="1"/>
+          </p:cNvSpPr>
+          <p:nvPr>
+            <p:ph type="ftr" sz="quarter" idx="11"/>
+          </p:nvPr>
+        </p:nvSpPr>
+        <p:spPr/>
+        <p:txBody>
+          <a:bodyPr/>
+          <a:lstStyle/>
+          <a:p>
+            <a:endParaRPr lang="en-US"/>
+          </a:p>
+        </p:txBody>
+      </p:sp>
+      <p:sp>
+        <p:nvSpPr>
+          <p:cNvPr id="7" name="Slide Number Placeholder 6"/>
+          <p:cNvSpPr>
+            <a:spLocks noGrp="1"/>
+          </p:cNvSpPr>
+          <p:nvPr>
+            <p:ph type="sldNum" sz="quarter" idx="12"/>
+          </p:nvPr>
+        </p:nvSpPr>
+        <p:spPr/>
+        <p:txBody>
+          <a:bodyPr/>
+          <a:lstStyle/>
+          <a:p>
+            <a:fld id="{C1FF6DA9-008F-8B48-92A6-B652298478BF}" type="slidenum">
+              <a:rPr lang="en-US" smtClean="0"/>
+              <a:t>‹#›</a:t>
+            </a:fld>
+            <a:endParaRPr lang="en-US"/>
+          </a:p>
+        </p:txBody>
+      </p:sp>
+      <p:cxnSp>
+        <p:nvCxnSpPr>
+          <p:cNvPr id="17" name="Straight Connector 16"/>
+          <p:cNvCxnSpPr/>
+          <p:nvPr/>
+        </p:nvCxnSpPr>
         <p:spPr>
           <a:xfrm>
-            <a:off x="839788" y="2057400"/>
-            <a:ext cx="3932237" cy="3811588"/>
+            <a:off x="1441748" y="3205491"/>
+            <a:ext cx="2423276" cy="0"/>
           </a:xfrm>
+          <a:prstGeom prst="line">
+            <a:avLst/>
+          </a:prstGeom>
+          <a:ln w="31750"/>
         </p:spPr>
-        <p:txBody>
-          <a:bodyPr/>
-          <a:lstStyle>
-            <a:lvl1pPr marL="0" indent="0">
-              <a:buNone/>
-              <a:defRPr sz="1600"/>
-            </a:lvl1pPr>
-            <a:lvl2pPr marL="457200" indent="0">
-              <a:buNone/>
-              <a:defRPr sz="1400"/>
-            </a:lvl2pPr>
-            <a:lvl3pPr marL="914400" indent="0">
-              <a:buNone/>
-              <a:defRPr sz="1200"/>
-            </a:lvl3pPr>
-            <a:lvl4pPr marL="1371600" indent="0">
-              <a:buNone/>
-              <a:defRPr sz="1000"/>
-            </a:lvl4pPr>
-            <a:lvl5pPr marL="1828800" indent="0">
-              <a:buNone/>
-              <a:defRPr sz="1000"/>
-            </a:lvl5pPr>
-            <a:lvl6pPr marL="2286000" indent="0">
-              <a:buNone/>
-              <a:defRPr sz="1000"/>
-            </a:lvl6pPr>
-            <a:lvl7pPr marL="2743200" indent="0">
-              <a:buNone/>
-              <a:defRPr sz="1000"/>
-            </a:lvl7pPr>
-            <a:lvl8pPr marL="3200400" indent="0">
-              <a:buNone/>
-              <a:defRPr sz="1000"/>
-            </a:lvl8pPr>
-            <a:lvl9pPr marL="3657600" indent="0">
-              <a:buNone/>
-              <a:defRPr sz="1000"/>
-            </a:lvl9pPr>
-          </a:lstStyle>
-          <a:p>
-            <a:pPr lvl="0"/>
-            <a:r>
-              <a:rPr lang="en-US"/>
-              <a:t>Click to edit Master text styles</a:t>
-            </a:r>
-          </a:p>
-        </p:txBody>
-      </p:sp>
-      <p:sp>
-        <p:nvSpPr>
-          <p:cNvPr id="5" name="Date Placeholder 4">
-            <a:extLst>
-              <a:ext uri="{FF2B5EF4-FFF2-40B4-BE49-F238E27FC236}">
-                <a16:creationId xmlns:a16="http://schemas.microsoft.com/office/drawing/2014/main" id="{B6109311-B932-7F2D-394A-6EF329320CE9}"/>
-              </a:ext>
-            </a:extLst>
-          </p:cNvPr>
-          <p:cNvSpPr>
-            <a:spLocks noGrp="1"/>
-          </p:cNvSpPr>
-          <p:nvPr>
-            <p:ph type="dt" sz="half" idx="10"/>
-          </p:nvPr>
-        </p:nvSpPr>
-        <p:spPr/>
-        <p:txBody>
-          <a:bodyPr/>
-          <a:lstStyle/>
-          <a:p>
-            <a:fld id="{9FF3E6ED-C832-4343-8B91-8E72B7796AC5}" type="datetimeFigureOut">
-              <a:rPr lang="en-SG" smtClean="0"/>
-              <a:t>18/9/2025</a:t>
-            </a:fld>
-            <a:endParaRPr lang="en-SG"/>
-          </a:p>
-        </p:txBody>
-      </p:sp>
-      <p:sp>
-        <p:nvSpPr>
-          <p:cNvPr id="6" name="Footer Placeholder 5">
-            <a:extLst>
-              <a:ext uri="{FF2B5EF4-FFF2-40B4-BE49-F238E27FC236}">
-                <a16:creationId xmlns:a16="http://schemas.microsoft.com/office/drawing/2014/main" id="{A2454ABA-2944-EC5A-A75A-AB4A73C3F494}"/>
-              </a:ext>
-            </a:extLst>
-          </p:cNvPr>
-          <p:cNvSpPr>
-            <a:spLocks noGrp="1"/>
-          </p:cNvSpPr>
-          <p:nvPr>
-            <p:ph type="ftr" sz="quarter" idx="11"/>
-          </p:nvPr>
-        </p:nvSpPr>
-        <p:spPr/>
-        <p:txBody>
-          <a:bodyPr/>
-          <a:lstStyle/>
-          <a:p>
-            <a:endParaRPr lang="en-SG"/>
-          </a:p>
-        </p:txBody>
-      </p:sp>
-      <p:sp>
-        <p:nvSpPr>
-          <p:cNvPr id="7" name="Slide Number Placeholder 6">
-            <a:extLst>
-              <a:ext uri="{FF2B5EF4-FFF2-40B4-BE49-F238E27FC236}">
-                <a16:creationId xmlns:a16="http://schemas.microsoft.com/office/drawing/2014/main" id="{F5CDA7EC-EA77-56BB-2EE8-18B33C8F089B}"/>
-              </a:ext>
-            </a:extLst>
-          </p:cNvPr>
-          <p:cNvSpPr>
-            <a:spLocks noGrp="1"/>
-          </p:cNvSpPr>
-          <p:nvPr>
-            <p:ph type="sldNum" sz="quarter" idx="12"/>
-          </p:nvPr>
-        </p:nvSpPr>
-        <p:spPr/>
-        <p:txBody>
-          <a:bodyPr/>
-          <a:lstStyle/>
-          <a:p>
-            <a:fld id="{10E188DE-64F0-4311-81FB-EC275E4C46D9}" type="slidenum">
-              <a:rPr lang="en-SG" smtClean="0"/>
-              <a:t>‹#›</a:t>
-            </a:fld>
-            <a:endParaRPr lang="en-SG"/>
-          </a:p>
-        </p:txBody>
-      </p:sp>
+        <p:style>
+          <a:lnRef idx="3">
+            <a:schemeClr val="accent1"/>
+          </a:lnRef>
+          <a:fillRef idx="0">
+            <a:schemeClr val="accent1"/>
+          </a:fillRef>
+          <a:effectRef idx="2">
+            <a:schemeClr val="accent1"/>
+          </a:effectRef>
+          <a:fontRef idx="minor">
+            <a:schemeClr val="tx1"/>
+          </a:fontRef>
+        </p:style>
+      </p:cxnSp>
     </p:spTree>
     <p:extLst>
       <p:ext uri="{BB962C8B-B14F-4D97-AF65-F5344CB8AC3E}">
-        <p14:creationId xmlns:p14="http://schemas.microsoft.com/office/powerpoint/2010/main" val="3392969480"/>
+        <p14:creationId xmlns:p14="http://schemas.microsoft.com/office/powerpoint/2010/main" val="794717645"/>
       </p:ext>
     </p:extLst>
   </p:cSld>
@@ -2490,15 +2493,143 @@
           <a:chExt cx="0" cy="0"/>
         </a:xfrm>
       </p:grpSpPr>
-      <p:sp>
-        <p:nvSpPr>
-          <p:cNvPr id="2" name="Title 1">
-            <a:extLst>
-              <a:ext uri="{FF2B5EF4-FFF2-40B4-BE49-F238E27FC236}">
-                <a16:creationId xmlns:a16="http://schemas.microsoft.com/office/drawing/2014/main" id="{B0F5E548-A9FF-B5F0-7B58-010C2FAA4240}"/>
-              </a:ext>
-            </a:extLst>
-          </p:cNvPr>
+      <p:grpSp>
+        <p:nvGrpSpPr>
+          <p:cNvPr id="13" name="Group 12"/>
+          <p:cNvGrpSpPr/>
+          <p:nvPr/>
+        </p:nvGrpSpPr>
+        <p:grpSpPr>
+          <a:xfrm>
+            <a:off x="4996501" y="482171"/>
+            <a:ext cx="3511387" cy="5149101"/>
+            <a:chOff x="6852919" y="583365"/>
+            <a:chExt cx="4681849" cy="5181928"/>
+          </a:xfrm>
+        </p:grpSpPr>
+        <p:sp>
+          <p:nvSpPr>
+            <p:cNvPr id="14" name="Rectangle 13"/>
+            <p:cNvSpPr/>
+            <p:nvPr/>
+          </p:nvSpPr>
+          <p:spPr>
+            <a:xfrm>
+              <a:off x="6852919" y="583365"/>
+              <a:ext cx="4681849" cy="5181928"/>
+            </a:xfrm>
+            <a:prstGeom prst="rect">
+              <a:avLst/>
+            </a:prstGeom>
+            <a:gradFill>
+              <a:gsLst>
+                <a:gs pos="0">
+                  <a:srgbClr val="000001"/>
+                </a:gs>
+                <a:gs pos="100000">
+                  <a:srgbClr val="191919"/>
+                </a:gs>
+              </a:gsLst>
+            </a:gradFill>
+            <a:ln w="76200" cmpd="sng">
+              <a:noFill/>
+              <a:miter lim="800000"/>
+            </a:ln>
+            <a:effectLst>
+              <a:outerShdw blurRad="127000" dist="228600" dir="4740000" sx="98000" sy="98000" algn="tl" rotWithShape="0">
+                <a:srgbClr val="000000">
+                  <a:alpha val="34000"/>
+                </a:srgbClr>
+              </a:outerShdw>
+            </a:effectLst>
+            <a:scene3d>
+              <a:camera prst="orthographicFront"/>
+              <a:lightRig rig="threePt" dir="t"/>
+            </a:scene3d>
+            <a:sp3d>
+              <a:bevelT w="152400" h="50800" prst="softRound"/>
+            </a:sp3d>
+          </p:spPr>
+          <p:style>
+            <a:lnRef idx="1">
+              <a:schemeClr val="accent1"/>
+            </a:lnRef>
+            <a:fillRef idx="3">
+              <a:schemeClr val="accent1"/>
+            </a:fillRef>
+            <a:effectRef idx="2">
+              <a:schemeClr val="accent1"/>
+            </a:effectRef>
+            <a:fontRef idx="minor">
+              <a:schemeClr val="lt1"/>
+            </a:fontRef>
+          </p:style>
+        </p:sp>
+        <p:sp>
+          <p:nvSpPr>
+            <p:cNvPr id="15" name="Rectangle 14"/>
+            <p:cNvSpPr/>
+            <p:nvPr/>
+          </p:nvSpPr>
+          <p:spPr>
+            <a:xfrm>
+              <a:off x="7273787" y="915806"/>
+              <a:ext cx="3844017" cy="4507918"/>
+            </a:xfrm>
+            <a:prstGeom prst="rect">
+              <a:avLst/>
+            </a:prstGeom>
+            <a:gradFill>
+              <a:gsLst>
+                <a:gs pos="0">
+                  <a:srgbClr val="DADADA"/>
+                </a:gs>
+                <a:gs pos="100000">
+                  <a:srgbClr val="FFFFFE"/>
+                </a:gs>
+              </a:gsLst>
+              <a:lin ang="16200000" scaled="0"/>
+            </a:gradFill>
+            <a:ln w="50800" cmpd="sng">
+              <a:solidFill>
+                <a:srgbClr val="191919"/>
+              </a:solidFill>
+              <a:miter lim="800000"/>
+            </a:ln>
+            <a:effectLst>
+              <a:innerShdw blurRad="63500" dist="88900" dir="14100000">
+                <a:srgbClr val="000000">
+                  <a:alpha val="30000"/>
+                </a:srgbClr>
+              </a:innerShdw>
+            </a:effectLst>
+            <a:scene3d>
+              <a:camera prst="orthographicFront"/>
+              <a:lightRig rig="threePt" dir="t"/>
+            </a:scene3d>
+            <a:sp3d>
+              <a:bevelT prst="relaxedInset"/>
+            </a:sp3d>
+          </p:spPr>
+          <p:style>
+            <a:lnRef idx="1">
+              <a:schemeClr val="accent1"/>
+            </a:lnRef>
+            <a:fillRef idx="3">
+              <a:schemeClr val="accent1"/>
+            </a:fillRef>
+            <a:effectRef idx="2">
+              <a:schemeClr val="accent1"/>
+            </a:effectRef>
+            <a:fontRef idx="minor">
+              <a:schemeClr val="lt1"/>
+            </a:fontRef>
+          </p:style>
+        </p:sp>
+      </p:grpSp>
+      <p:sp>
+        <p:nvSpPr>
+          <p:cNvPr id="2" name="Title 1"/>
           <p:cNvSpPr>
             <a:spLocks noGrp="1"/>
           </p:cNvSpPr>
@@ -2508,12 +2639,14 @@
         </p:nvSpPr>
         <p:spPr>
           <a:xfrm>
-            <a:off x="839788" y="457200"/>
-            <a:ext cx="3932237" cy="1600200"/>
+            <a:off x="1444148" y="1129513"/>
+            <a:ext cx="3244935" cy="1830584"/>
           </a:xfrm>
         </p:spPr>
         <p:txBody>
-          <a:bodyPr anchor="b"/>
+          <a:bodyPr anchor="b">
+            <a:normAutofit/>
+          </a:bodyPr>
           <a:lstStyle>
             <a:lvl1pPr>
               <a:defRPr sz="3200"/>
@@ -2524,21 +2657,15 @@
               <a:rPr lang="en-US"/>
               <a:t>Click to edit Master title style</a:t>
             </a:r>
-            <a:endParaRPr lang="en-SG"/>
-          </a:p>
-        </p:txBody>
-      </p:sp>
-      <p:sp>
-        <p:nvSpPr>
-          <p:cNvPr id="3" name="Picture Placeholder 2">
-            <a:extLst>
-              <a:ext uri="{FF2B5EF4-FFF2-40B4-BE49-F238E27FC236}">
-                <a16:creationId xmlns:a16="http://schemas.microsoft.com/office/drawing/2014/main" id="{972BACD0-B4B2-4DD7-DD51-60545AF36599}"/>
-              </a:ext>
-            </a:extLst>
-          </p:cNvPr>
-          <p:cNvSpPr>
-            <a:spLocks noGrp="1"/>
+            <a:endParaRPr lang="en-US" dirty="0"/>
+          </a:p>
+        </p:txBody>
+      </p:sp>
+      <p:sp>
+        <p:nvSpPr>
+          <p:cNvPr id="3" name="Picture Placeholder 2"/>
+          <p:cNvSpPr>
+            <a:spLocks noGrp="1" noChangeAspect="1"/>
           </p:cNvSpPr>
           <p:nvPr>
             <p:ph type="pic" idx="1"/>
@@ -2546,140 +2673,200 @@
         </p:nvSpPr>
         <p:spPr>
           <a:xfrm>
-            <a:off x="5183188" y="987425"/>
-            <a:ext cx="6172200" cy="4873625"/>
+            <a:off x="5640128" y="1122543"/>
+            <a:ext cx="2234998" cy="3866327"/>
+          </a:xfrm>
+          <a:solidFill>
+            <a:schemeClr val="bg1">
+              <a:lumMod val="85000"/>
+            </a:schemeClr>
+          </a:solidFill>
+          <a:ln w="9525" cap="sq">
+            <a:noFill/>
+            <a:miter lim="800000"/>
+          </a:ln>
+          <a:effectLst/>
+        </p:spPr>
+        <p:txBody>
+          <a:bodyPr anchor="t"/>
+          <a:lstStyle>
+            <a:lvl1pPr marL="0" indent="0" algn="ctr">
+              <a:buNone/>
+              <a:defRPr sz="2400"/>
+            </a:lvl1pPr>
+            <a:lvl2pPr marL="342900" indent="0">
+              <a:buNone/>
+              <a:defRPr sz="2100"/>
+            </a:lvl2pPr>
+            <a:lvl3pPr marL="685800" indent="0">
+              <a:buNone/>
+              <a:defRPr sz="1800"/>
+            </a:lvl3pPr>
+            <a:lvl4pPr marL="1028700" indent="0">
+              <a:buNone/>
+              <a:defRPr sz="1500"/>
+            </a:lvl4pPr>
+            <a:lvl5pPr marL="1371600" indent="0">
+              <a:buNone/>
+              <a:defRPr sz="1500"/>
+            </a:lvl5pPr>
+            <a:lvl6pPr marL="1714500" indent="0">
+              <a:buNone/>
+              <a:defRPr sz="1500"/>
+            </a:lvl6pPr>
+            <a:lvl7pPr marL="2057400" indent="0">
+              <a:buNone/>
+              <a:defRPr sz="1500"/>
+            </a:lvl7pPr>
+            <a:lvl8pPr marL="2400300" indent="0">
+              <a:buNone/>
+              <a:defRPr sz="1500"/>
+            </a:lvl8pPr>
+            <a:lvl9pPr marL="2743200" indent="0">
+              <a:buNone/>
+              <a:defRPr sz="1500"/>
+            </a:lvl9pPr>
+          </a:lstStyle>
+          <a:p>
+            <a:r>
+              <a:rPr lang="en-US"/>
+              <a:t>Click icon to add picture</a:t>
+            </a:r>
+            <a:endParaRPr lang="en-US" dirty="0"/>
+          </a:p>
+        </p:txBody>
+      </p:sp>
+      <p:sp>
+        <p:nvSpPr>
+          <p:cNvPr id="4" name="Text Placeholder 3"/>
+          <p:cNvSpPr>
+            <a:spLocks noGrp="1"/>
+          </p:cNvSpPr>
+          <p:nvPr>
+            <p:ph type="body" sz="half" idx="2"/>
+          </p:nvPr>
+        </p:nvSpPr>
+        <p:spPr>
+          <a:xfrm>
+            <a:off x="1443492" y="3145992"/>
+            <a:ext cx="3240286" cy="2003742"/>
           </a:xfrm>
         </p:spPr>
         <p:txBody>
-          <a:bodyPr/>
+          <a:bodyPr>
+            <a:normAutofit/>
+          </a:bodyPr>
           <a:lstStyle>
-            <a:lvl1pPr marL="0" indent="0">
-              <a:buNone/>
-              <a:defRPr sz="3200"/>
+            <a:lvl1pPr marL="0" indent="0" algn="l">
+              <a:buNone/>
+              <a:defRPr sz="1800"/>
             </a:lvl1pPr>
-            <a:lvl2pPr marL="457200" indent="0">
-              <a:buNone/>
-              <a:defRPr sz="2800"/>
+            <a:lvl2pPr marL="342900" indent="0">
+              <a:buNone/>
+              <a:defRPr sz="1050"/>
             </a:lvl2pPr>
-            <a:lvl3pPr marL="914400" indent="0">
-              <a:buNone/>
-              <a:defRPr sz="2400"/>
+            <a:lvl3pPr marL="685800" indent="0">
+              <a:buNone/>
+              <a:defRPr sz="900"/>
             </a:lvl3pPr>
-            <a:lvl4pPr marL="1371600" indent="0">
-              <a:buNone/>
-              <a:defRPr sz="2000"/>
+            <a:lvl4pPr marL="1028700" indent="0">
+              <a:buNone/>
+              <a:defRPr sz="750"/>
             </a:lvl4pPr>
-            <a:lvl5pPr marL="1828800" indent="0">
-              <a:buNone/>
-              <a:defRPr sz="2000"/>
+            <a:lvl5pPr marL="1371600" indent="0">
+              <a:buNone/>
+              <a:defRPr sz="750"/>
             </a:lvl5pPr>
-            <a:lvl6pPr marL="2286000" indent="0">
-              <a:buNone/>
-              <a:defRPr sz="2000"/>
+            <a:lvl6pPr marL="1714500" indent="0">
+              <a:buNone/>
+              <a:defRPr sz="750"/>
             </a:lvl6pPr>
-            <a:lvl7pPr marL="2743200" indent="0">
-              <a:buNone/>
-              <a:defRPr sz="2000"/>
+            <a:lvl7pPr marL="2057400" indent="0">
+              <a:buNone/>
+              <a:defRPr sz="750"/>
             </a:lvl7pPr>
-            <a:lvl8pPr marL="3200400" indent="0">
-              <a:buNone/>
-              <a:defRPr sz="2000"/>
+            <a:lvl8pPr marL="2400300" indent="0">
+              <a:buNone/>
+              <a:defRPr sz="750"/>
             </a:lvl8pPr>
-            <a:lvl9pPr marL="3657600" indent="0">
-              <a:buNone/>
-              <a:defRPr sz="2000"/>
+            <a:lvl9pPr marL="2743200" indent="0">
+              <a:buNone/>
+              <a:defRPr sz="750"/>
             </a:lvl9pPr>
           </a:lstStyle>
           <a:p>
-            <a:endParaRPr lang="en-SG"/>
-          </a:p>
-        </p:txBody>
-      </p:sp>
-      <p:sp>
-        <p:nvSpPr>
-          <p:cNvPr id="4" name="Text Placeholder 3">
-            <a:extLst>
-              <a:ext uri="{FF2B5EF4-FFF2-40B4-BE49-F238E27FC236}">
-                <a16:creationId xmlns:a16="http://schemas.microsoft.com/office/drawing/2014/main" id="{5506C860-798D-383D-D0A0-4CA91E0705C5}"/>
-              </a:ext>
-            </a:extLst>
-          </p:cNvPr>
-          <p:cNvSpPr>
-            <a:spLocks noGrp="1"/>
-          </p:cNvSpPr>
-          <p:nvPr>
-            <p:ph type="body" sz="half" idx="2"/>
+            <a:pPr lvl="0"/>
+            <a:r>
+              <a:rPr lang="en-US"/>
+              <a:t>Click to edit Master text styles</a:t>
+            </a:r>
+          </a:p>
+        </p:txBody>
+      </p:sp>
+      <p:sp>
+        <p:nvSpPr>
+          <p:cNvPr id="5" name="Date Placeholder 4"/>
+          <p:cNvSpPr>
+            <a:spLocks noGrp="1"/>
+          </p:cNvSpPr>
+          <p:nvPr>
+            <p:ph type="dt" sz="half" idx="10"/>
           </p:nvPr>
         </p:nvSpPr>
         <p:spPr>
           <a:xfrm>
-            <a:off x="839788" y="2057400"/>
-            <a:ext cx="3932237" cy="3811588"/>
+            <a:off x="1436664" y="5469857"/>
+            <a:ext cx="3252420" cy="320123"/>
           </a:xfrm>
         </p:spPr>
         <p:txBody>
           <a:bodyPr/>
           <a:lstStyle>
-            <a:lvl1pPr marL="0" indent="0">
-              <a:buNone/>
-              <a:defRPr sz="1600"/>
+            <a:lvl1pPr algn="l">
+              <a:defRPr/>
             </a:lvl1pPr>
-            <a:lvl2pPr marL="457200" indent="0">
-              <a:buNone/>
-              <a:defRPr sz="1400"/>
-            </a:lvl2pPr>
-            <a:lvl3pPr marL="914400" indent="0">
-              <a:buNone/>
-              <a:defRPr sz="1200"/>
-            </a:lvl3pPr>
-            <a:lvl4pPr marL="1371600" indent="0">
-              <a:buNone/>
-              <a:defRPr sz="1000"/>
-            </a:lvl4pPr>
-            <a:lvl5pPr marL="1828800" indent="0">
-              <a:buNone/>
-              <a:defRPr sz="1000"/>
-            </a:lvl5pPr>
-            <a:lvl6pPr marL="2286000" indent="0">
-              <a:buNone/>
-              <a:defRPr sz="1000"/>
-            </a:lvl6pPr>
-            <a:lvl7pPr marL="2743200" indent="0">
-              <a:buNone/>
-              <a:defRPr sz="1000"/>
-            </a:lvl7pPr>
-            <a:lvl8pPr marL="3200400" indent="0">
-              <a:buNone/>
-              <a:defRPr sz="1000"/>
-            </a:lvl8pPr>
-            <a:lvl9pPr marL="3657600" indent="0">
-              <a:buNone/>
-              <a:defRPr sz="1000"/>
-            </a:lvl9pPr>
           </a:lstStyle>
           <a:p>
-            <a:pPr lvl="0"/>
-            <a:r>
-              <a:rPr lang="en-US"/>
-              <a:t>Click to edit Master text styles</a:t>
-            </a:r>
-          </a:p>
-        </p:txBody>
-      </p:sp>
-      <p:sp>
-        <p:nvSpPr>
-          <p:cNvPr id="5" name="Date Placeholder 4">
-            <a:extLst>
-              <a:ext uri="{FF2B5EF4-FFF2-40B4-BE49-F238E27FC236}">
-                <a16:creationId xmlns:a16="http://schemas.microsoft.com/office/drawing/2014/main" id="{35158818-AAA2-FBDD-C8F2-265C5C7C51E1}"/>
-              </a:ext>
-            </a:extLst>
-          </p:cNvPr>
-          <p:cNvSpPr>
-            <a:spLocks noGrp="1"/>
-          </p:cNvSpPr>
-          <p:nvPr>
-            <p:ph type="dt" sz="half" idx="10"/>
+            <a:fld id="{5BCAD085-E8A6-8845-BD4E-CB4CCA059FC4}" type="datetimeFigureOut">
+              <a:rPr lang="en-US" smtClean="0"/>
+              <a:t>9/26/2025</a:t>
+            </a:fld>
+            <a:endParaRPr lang="en-US"/>
+          </a:p>
+        </p:txBody>
+      </p:sp>
+      <p:sp>
+        <p:nvSpPr>
+          <p:cNvPr id="6" name="Footer Placeholder 5"/>
+          <p:cNvSpPr>
+            <a:spLocks noGrp="1"/>
+          </p:cNvSpPr>
+          <p:nvPr>
+            <p:ph type="ftr" sz="quarter" idx="11"/>
+          </p:nvPr>
+        </p:nvSpPr>
+        <p:spPr>
+          <a:xfrm>
+            <a:off x="1437530" y="318641"/>
+            <a:ext cx="3251553" cy="320931"/>
+          </a:xfrm>
+        </p:spPr>
+        <p:txBody>
+          <a:bodyPr/>
+          <a:lstStyle/>
+          <a:p>
+            <a:endParaRPr lang="en-US"/>
+          </a:p>
+        </p:txBody>
+      </p:sp>
+      <p:sp>
+        <p:nvSpPr>
+          <p:cNvPr id="7" name="Slide Number Placeholder 6"/>
+          <p:cNvSpPr>
+            <a:spLocks noGrp="1"/>
+          </p:cNvSpPr>
+          <p:nvPr>
+            <p:ph type="sldNum" sz="quarter" idx="12"/>
           </p:nvPr>
         </p:nvSpPr>
         <p:spPr/>
@@ -2687,72 +2874,49 @@
           <a:bodyPr/>
           <a:lstStyle/>
           <a:p>
-            <a:fld id="{9FF3E6ED-C832-4343-8B91-8E72B7796AC5}" type="datetimeFigureOut">
-              <a:rPr lang="en-SG" smtClean="0"/>
-              <a:t>18/9/2025</a:t>
-            </a:fld>
-            <a:endParaRPr lang="en-SG"/>
-          </a:p>
-        </p:txBody>
-      </p:sp>
-      <p:sp>
-        <p:nvSpPr>
-          <p:cNvPr id="6" name="Footer Placeholder 5">
-            <a:extLst>
-              <a:ext uri="{FF2B5EF4-FFF2-40B4-BE49-F238E27FC236}">
-                <a16:creationId xmlns:a16="http://schemas.microsoft.com/office/drawing/2014/main" id="{B5C3BF39-10DF-400F-9402-8CE2D682EE7A}"/>
-              </a:ext>
-            </a:extLst>
-          </p:cNvPr>
-          <p:cNvSpPr>
-            <a:spLocks noGrp="1"/>
-          </p:cNvSpPr>
-          <p:nvPr>
-            <p:ph type="ftr" sz="quarter" idx="11"/>
-          </p:nvPr>
-        </p:nvSpPr>
-        <p:spPr/>
-        <p:txBody>
-          <a:bodyPr/>
-          <a:lstStyle/>
-          <a:p>
-            <a:endParaRPr lang="en-SG"/>
-          </a:p>
-        </p:txBody>
-      </p:sp>
-      <p:sp>
-        <p:nvSpPr>
-          <p:cNvPr id="7" name="Slide Number Placeholder 6">
-            <a:extLst>
-              <a:ext uri="{FF2B5EF4-FFF2-40B4-BE49-F238E27FC236}">
-                <a16:creationId xmlns:a16="http://schemas.microsoft.com/office/drawing/2014/main" id="{24DCDD43-5FBE-2E45-4336-00C7BFCA18D9}"/>
-              </a:ext>
-            </a:extLst>
-          </p:cNvPr>
-          <p:cNvSpPr>
-            <a:spLocks noGrp="1"/>
-          </p:cNvSpPr>
-          <p:nvPr>
-            <p:ph type="sldNum" sz="quarter" idx="12"/>
-          </p:nvPr>
-        </p:nvSpPr>
-        <p:spPr/>
-        <p:txBody>
-          <a:bodyPr/>
-          <a:lstStyle/>
-          <a:p>
-            <a:fld id="{10E188DE-64F0-4311-81FB-EC275E4C46D9}" type="slidenum">
-              <a:rPr lang="en-SG" smtClean="0"/>
+            <a:fld id="{C1FF6DA9-008F-8B48-92A6-B652298478BF}" type="slidenum">
+              <a:rPr lang="en-US" smtClean="0"/>
               <a:t>‹#›</a:t>
             </a:fld>
-            <a:endParaRPr lang="en-SG"/>
-          </a:p>
-        </p:txBody>
-      </p:sp>
+            <a:endParaRPr lang="en-US"/>
+          </a:p>
+        </p:txBody>
+      </p:sp>
+      <p:cxnSp>
+        <p:nvCxnSpPr>
+          <p:cNvPr id="31" name="Straight Connector 30"/>
+          <p:cNvCxnSpPr/>
+          <p:nvPr/>
+        </p:nvCxnSpPr>
+        <p:spPr>
+          <a:xfrm>
+            <a:off x="1441281" y="3143605"/>
+            <a:ext cx="3242014" cy="0"/>
+          </a:xfrm>
+          <a:prstGeom prst="line">
+            <a:avLst/>
+          </a:prstGeom>
+          <a:ln w="31750"/>
+        </p:spPr>
+        <p:style>
+          <a:lnRef idx="3">
+            <a:schemeClr val="accent1"/>
+          </a:lnRef>
+          <a:fillRef idx="0">
+            <a:schemeClr val="accent1"/>
+          </a:fillRef>
+          <a:effectRef idx="2">
+            <a:schemeClr val="accent1"/>
+          </a:effectRef>
+          <a:fontRef idx="minor">
+            <a:schemeClr val="tx1"/>
+          </a:fontRef>
+        </p:style>
+      </p:cxnSp>
     </p:spTree>
     <p:extLst>
       <p:ext uri="{BB962C8B-B14F-4D97-AF65-F5344CB8AC3E}">
-        <p14:creationId xmlns:p14="http://schemas.microsoft.com/office/powerpoint/2010/main" val="1451471949"/>
+        <p14:creationId xmlns:p14="http://schemas.microsoft.com/office/powerpoint/2010/main" val="2816729844"/>
       </p:ext>
     </p:extLst>
   </p:cSld>
@@ -2766,8 +2930,8 @@
 <p:sldMaster xmlns:a="http://schemas.openxmlformats.org/drawingml/2006/main" xmlns:r="http://schemas.openxmlformats.org/officeDocument/2006/relationships" xmlns:p="http://schemas.openxmlformats.org/presentationml/2006/main">
   <p:cSld>
     <p:bg>
-      <p:bgRef idx="1001">
-        <a:schemeClr val="bg1"/>
+      <p:bgRef idx="1003">
+        <a:schemeClr val="bg2"/>
       </p:bgRef>
     </p:bg>
     <p:spTree>
@@ -2786,167 +2950,258 @@
       </p:grpSpPr>
       <p:sp>
         <p:nvSpPr>
-          <p:cNvPr id="2" name="Title Placeholder 1">
+          <p:cNvPr id="10" name="Rectangle 9"/>
+          <p:cNvSpPr/>
+          <p:nvPr/>
+        </p:nvSpPr>
+        <p:spPr>
+          <a:xfrm>
+            <a:off x="0" y="2015734"/>
+            <a:ext cx="9144000" cy="4079520"/>
+          </a:xfrm>
+          <a:prstGeom prst="rect">
+            <a:avLst/>
+          </a:prstGeom>
+          <a:gradFill flip="none" rotWithShape="1">
+            <a:gsLst>
+              <a:gs pos="0">
+                <a:schemeClr val="bg2">
+                  <a:alpha val="0"/>
+                </a:schemeClr>
+              </a:gs>
+              <a:gs pos="100000">
+                <a:schemeClr val="bg2"/>
+              </a:gs>
+            </a:gsLst>
+            <a:lin ang="5400000" scaled="0"/>
+            <a:tileRect/>
+          </a:gradFill>
+          <a:ln>
+            <a:noFill/>
+          </a:ln>
+        </p:spPr>
+        <p:style>
+          <a:lnRef idx="2">
+            <a:schemeClr val="accent1">
+              <a:shade val="50000"/>
+            </a:schemeClr>
+          </a:lnRef>
+          <a:fillRef idx="1">
+            <a:schemeClr val="accent1"/>
+          </a:fillRef>
+          <a:effectRef idx="0">
+            <a:schemeClr val="accent1"/>
+          </a:effectRef>
+          <a:fontRef idx="minor">
+            <a:schemeClr val="lt1"/>
+          </a:fontRef>
+        </p:style>
+      </p:sp>
+      <p:pic>
+        <p:nvPicPr>
+          <p:cNvPr id="12" name="Picture 11"/>
+          <p:cNvPicPr>
+            <a:picLocks noChangeAspect="1"/>
+          </p:cNvPicPr>
+          <p:nvPr/>
+        </p:nvPicPr>
+        <p:blipFill rotWithShape="1">
+          <a:blip r:embed="rId13">
             <a:extLst>
-              <a:ext uri="{FF2B5EF4-FFF2-40B4-BE49-F238E27FC236}">
-                <a16:creationId xmlns:a16="http://schemas.microsoft.com/office/drawing/2014/main" id="{1A7220FF-C70D-4E39-B222-8715A4559049}"/>
+              <a:ext uri="{28A0092B-C50C-407E-A947-70E740481C1C}">
+                <a14:useLocalDpi xmlns:a14="http://schemas.microsoft.com/office/drawing/2010/main" val="0"/>
               </a:ext>
             </a:extLst>
-          </p:cNvPr>
-          <p:cNvSpPr>
-            <a:spLocks noGrp="1"/>
-          </p:cNvSpPr>
-          <p:nvPr>
-            <p:ph type="title"/>
-          </p:nvPr>
-        </p:nvSpPr>
+          </a:blip>
+          <a:srcRect l="12500" t="1538" r="12500" b="-1538"/>
+          <a:stretch/>
+        </p:blipFill>
         <p:spPr>
           <a:xfrm>
-            <a:off x="838200" y="365125"/>
-            <a:ext cx="10515600" cy="1325563"/>
+            <a:off x="-1" y="6095253"/>
+            <a:ext cx="9144001" cy="774727"/>
           </a:xfrm>
           <a:prstGeom prst="rect">
             <a:avLst/>
           </a:prstGeom>
         </p:spPr>
-        <p:txBody>
-          <a:bodyPr vert="horz" lIns="91440" tIns="45720" rIns="91440" bIns="45720" rtlCol="0" anchor="ctr">
-            <a:normAutofit/>
-          </a:bodyPr>
-          <a:lstStyle/>
-          <a:p>
-            <a:r>
-              <a:rPr lang="en-US"/>
-              <a:t>Click to edit Master title style</a:t>
-            </a:r>
-            <a:endParaRPr lang="en-SG"/>
-          </a:p>
-        </p:txBody>
-      </p:sp>
-      <p:sp>
-        <p:nvSpPr>
-          <p:cNvPr id="3" name="Text Placeholder 2">
-            <a:extLst>
-              <a:ext uri="{FF2B5EF4-FFF2-40B4-BE49-F238E27FC236}">
-                <a16:creationId xmlns:a16="http://schemas.microsoft.com/office/drawing/2014/main" id="{2CDF391B-FFF2-70EB-EF57-A4BA4FFEEC61}"/>
-              </a:ext>
-            </a:extLst>
-          </p:cNvPr>
-          <p:cNvSpPr>
-            <a:spLocks noGrp="1"/>
-          </p:cNvSpPr>
-          <p:nvPr>
-            <p:ph type="body" idx="1"/>
-          </p:nvPr>
-        </p:nvSpPr>
+      </p:pic>
+      <p:cxnSp>
+        <p:nvCxnSpPr>
+          <p:cNvPr id="13" name="Straight Connector 12"/>
+          <p:cNvCxnSpPr/>
+          <p:nvPr/>
+        </p:nvCxnSpPr>
         <p:spPr>
           <a:xfrm>
-            <a:off x="838200" y="1825625"/>
-            <a:ext cx="10515600" cy="4351338"/>
+            <a:off x="0" y="6101127"/>
+            <a:ext cx="9144000" cy="0"/>
+          </a:xfrm>
+          <a:prstGeom prst="line">
+            <a:avLst/>
+          </a:prstGeom>
+          <a:ln w="12700">
+            <a:solidFill>
+              <a:srgbClr val="000001">
+                <a:alpha val="20000"/>
+              </a:srgbClr>
+            </a:solidFill>
+          </a:ln>
+        </p:spPr>
+        <p:style>
+          <a:lnRef idx="1">
+            <a:schemeClr val="accent1"/>
+          </a:lnRef>
+          <a:fillRef idx="0">
+            <a:schemeClr val="accent1"/>
+          </a:fillRef>
+          <a:effectRef idx="0">
+            <a:schemeClr val="accent1"/>
+          </a:effectRef>
+          <a:fontRef idx="minor">
+            <a:schemeClr val="tx1"/>
+          </a:fontRef>
+        </p:style>
+      </p:cxnSp>
+      <p:sp>
+        <p:nvSpPr>
+          <p:cNvPr id="2" name="Title Placeholder 1"/>
+          <p:cNvSpPr>
+            <a:spLocks noGrp="1"/>
+          </p:cNvSpPr>
+          <p:nvPr>
+            <p:ph type="title"/>
+          </p:nvPr>
+        </p:nvSpPr>
+        <p:spPr>
+          <a:xfrm>
+            <a:off x="1443491" y="804520"/>
+            <a:ext cx="6571343" cy="1049235"/>
           </a:xfrm>
           <a:prstGeom prst="rect">
             <a:avLst/>
           </a:prstGeom>
         </p:spPr>
         <p:txBody>
-          <a:bodyPr vert="horz" lIns="91440" tIns="45720" rIns="91440" bIns="45720" rtlCol="0">
+          <a:bodyPr vert="horz" lIns="91440" tIns="45720" rIns="91440" bIns="45720" rtlCol="0" anchor="t">
             <a:normAutofit/>
           </a:bodyPr>
           <a:lstStyle/>
           <a:p>
-            <a:pPr lvl="0"/>
-            <a:r>
-              <a:rPr lang="en-US"/>
-              <a:t>Click to edit Master text styles</a:t>
-            </a:r>
-          </a:p>
-          <a:p>
-            <a:pPr lvl="1"/>
-            <a:r>
-              <a:rPr lang="en-US"/>
-              <a:t>Second level</a:t>
-            </a:r>
-          </a:p>
-          <a:p>
-            <a:pPr lvl="2"/>
-            <a:r>
-              <a:rPr lang="en-US"/>
-              <a:t>Third level</a:t>
-            </a:r>
-          </a:p>
-          <a:p>
-            <a:pPr lvl="3"/>
-            <a:r>
-              <a:rPr lang="en-US"/>
-              <a:t>Fourth level</a:t>
-            </a:r>
-          </a:p>
-          <a:p>
-            <a:pPr lvl="4"/>
-            <a:r>
-              <a:rPr lang="en-US"/>
-              <a:t>Fifth level</a:t>
-            </a:r>
-            <a:endParaRPr lang="en-SG"/>
-          </a:p>
-        </p:txBody>
-      </p:sp>
-      <p:sp>
-        <p:nvSpPr>
-          <p:cNvPr id="4" name="Date Placeholder 3">
-            <a:extLst>
-              <a:ext uri="{FF2B5EF4-FFF2-40B4-BE49-F238E27FC236}">
-                <a16:creationId xmlns:a16="http://schemas.microsoft.com/office/drawing/2014/main" id="{D31A39EA-94F4-6D1C-ABB2-9D8FB0FD8047}"/>
-              </a:ext>
-            </a:extLst>
-          </p:cNvPr>
-          <p:cNvSpPr>
-            <a:spLocks noGrp="1"/>
-          </p:cNvSpPr>
-          <p:nvPr>
-            <p:ph type="dt" sz="half" idx="2"/>
+            <a:r>
+              <a:rPr lang="en-US"/>
+              <a:t>Click to edit Master title style</a:t>
+            </a:r>
+            <a:endParaRPr lang="en-US" dirty="0"/>
+          </a:p>
+        </p:txBody>
+      </p:sp>
+      <p:sp>
+        <p:nvSpPr>
+          <p:cNvPr id="3" name="Text Placeholder 2"/>
+          <p:cNvSpPr>
+            <a:spLocks noGrp="1"/>
+          </p:cNvSpPr>
+          <p:nvPr>
+            <p:ph type="body" idx="1"/>
           </p:nvPr>
         </p:nvSpPr>
         <p:spPr>
           <a:xfrm>
-            <a:off x="838200" y="6356350"/>
-            <a:ext cx="2743200" cy="365125"/>
+            <a:off x="1443491" y="2015733"/>
+            <a:ext cx="6571343" cy="3450613"/>
           </a:xfrm>
           <a:prstGeom prst="rect">
             <a:avLst/>
           </a:prstGeom>
         </p:spPr>
         <p:txBody>
+          <a:bodyPr vert="horz" lIns="91440" tIns="45720" rIns="91440" bIns="45720" rtlCol="0">
+            <a:normAutofit/>
+          </a:bodyPr>
+          <a:lstStyle/>
+          <a:p>
+            <a:pPr lvl="0"/>
+            <a:r>
+              <a:rPr lang="en-US"/>
+              <a:t>Click to edit Master text styles</a:t>
+            </a:r>
+          </a:p>
+          <a:p>
+            <a:pPr lvl="1"/>
+            <a:r>
+              <a:rPr lang="en-US"/>
+              <a:t>Second level</a:t>
+            </a:r>
+          </a:p>
+          <a:p>
+            <a:pPr lvl="2"/>
+            <a:r>
+              <a:rPr lang="en-US"/>
+              <a:t>Third level</a:t>
+            </a:r>
+          </a:p>
+          <a:p>
+            <a:pPr lvl="3"/>
+            <a:r>
+              <a:rPr lang="en-US"/>
+              <a:t>Fourth level</a:t>
+            </a:r>
+          </a:p>
+          <a:p>
+            <a:pPr lvl="4"/>
+            <a:r>
+              <a:rPr lang="en-US"/>
+              <a:t>Fifth level</a:t>
+            </a:r>
+            <a:endParaRPr lang="en-US" dirty="0"/>
+          </a:p>
+        </p:txBody>
+      </p:sp>
+      <p:sp>
+        <p:nvSpPr>
+          <p:cNvPr id="4" name="Date Placeholder 3"/>
+          <p:cNvSpPr>
+            <a:spLocks noGrp="1"/>
+          </p:cNvSpPr>
+          <p:nvPr>
+            <p:ph type="dt" sz="half" idx="2"/>
+          </p:nvPr>
+        </p:nvSpPr>
+        <p:spPr>
+          <a:xfrm>
+            <a:off x="5646542" y="330370"/>
+            <a:ext cx="2368292" cy="309201"/>
+          </a:xfrm>
+          <a:prstGeom prst="rect">
+            <a:avLst/>
+          </a:prstGeom>
+        </p:spPr>
+        <p:txBody>
           <a:bodyPr vert="horz" lIns="91440" tIns="45720" rIns="91440" bIns="45720" rtlCol="0" anchor="ctr"/>
           <a:lstStyle>
-            <a:lvl1pPr algn="l">
-              <a:defRPr sz="1200">
+            <a:lvl1pPr algn="r">
+              <a:defRPr sz="1000">
                 <a:solidFill>
                   <a:schemeClr val="tx1">
-                    <a:tint val="82000"/>
+                    <a:tint val="75000"/>
                   </a:schemeClr>
                 </a:solidFill>
               </a:defRPr>
             </a:lvl1pPr>
           </a:lstStyle>
           <a:p>
-            <a:fld id="{9FF3E6ED-C832-4343-8B91-8E72B7796AC5}" type="datetimeFigureOut">
-              <a:rPr lang="en-SG" smtClean="0"/>
-              <a:t>18/9/2025</a:t>
+            <a:fld id="{5BCAD085-E8A6-8845-BD4E-CB4CCA059FC4}" type="datetimeFigureOut">
+              <a:rPr lang="en-US" smtClean="0"/>
+              <a:t>9/26/2025</a:t>
             </a:fld>
-            <a:endParaRPr lang="en-SG"/>
-          </a:p>
-        </p:txBody>
-      </p:sp>
-      <p:sp>
-        <p:nvSpPr>
-          <p:cNvPr id="5" name="Footer Placeholder 4">
-            <a:extLst>
-              <a:ext uri="{FF2B5EF4-FFF2-40B4-BE49-F238E27FC236}">
-                <a16:creationId xmlns:a16="http://schemas.microsoft.com/office/drawing/2014/main" id="{33A2A9ED-06C5-2607-8B21-F881774E9F42}"/>
-              </a:ext>
-            </a:extLst>
-          </p:cNvPr>
+            <a:endParaRPr lang="en-US"/>
+          </a:p>
+        </p:txBody>
+      </p:sp>
+      <p:sp>
+        <p:nvSpPr>
+          <p:cNvPr id="5" name="Footer Placeholder 4"/>
           <p:cNvSpPr>
             <a:spLocks noGrp="1"/>
           </p:cNvSpPr>
@@ -2956,8 +3211,8 @@
         </p:nvSpPr>
         <p:spPr>
           <a:xfrm>
-            <a:off x="4038600" y="6356350"/>
-            <a:ext cx="4114800" cy="365125"/>
+            <a:off x="1443491" y="329308"/>
+            <a:ext cx="4034004" cy="309201"/>
           </a:xfrm>
           <a:prstGeom prst="rect">
             <a:avLst/>
@@ -2966,30 +3221,24 @@
         <p:txBody>
           <a:bodyPr vert="horz" lIns="91440" tIns="45720" rIns="91440" bIns="45720" rtlCol="0" anchor="ctr"/>
           <a:lstStyle>
-            <a:lvl1pPr algn="ctr">
-              <a:defRPr sz="1200">
+            <a:lvl1pPr algn="l">
+              <a:defRPr sz="1000">
                 <a:solidFill>
                   <a:schemeClr val="tx1">
-                    <a:tint val="82000"/>
+                    <a:tint val="75000"/>
                   </a:schemeClr>
                 </a:solidFill>
               </a:defRPr>
             </a:lvl1pPr>
           </a:lstStyle>
           <a:p>
-            <a:endParaRPr lang="en-SG"/>
-          </a:p>
-        </p:txBody>
-      </p:sp>
-      <p:sp>
-        <p:nvSpPr>
-          <p:cNvPr id="6" name="Slide Number Placeholder 5">
-            <a:extLst>
-              <a:ext uri="{FF2B5EF4-FFF2-40B4-BE49-F238E27FC236}">
-                <a16:creationId xmlns:a16="http://schemas.microsoft.com/office/drawing/2014/main" id="{639B6752-CB27-CE73-1ECD-E6DB05357E57}"/>
-              </a:ext>
-            </a:extLst>
-          </p:cNvPr>
+            <a:endParaRPr lang="en-US"/>
+          </a:p>
+        </p:txBody>
+      </p:sp>
+      <p:sp>
+        <p:nvSpPr>
+          <p:cNvPr id="6" name="Slide Number Placeholder 5"/>
           <p:cNvSpPr>
             <a:spLocks noGrp="1"/>
           </p:cNvSpPr>
@@ -2999,59 +3248,57 @@
         </p:nvSpPr>
         <p:spPr>
           <a:xfrm>
-            <a:off x="8610600" y="6356350"/>
-            <a:ext cx="2743200" cy="365125"/>
+            <a:off x="487725" y="798973"/>
+            <a:ext cx="795746" cy="503578"/>
           </a:xfrm>
           <a:prstGeom prst="rect">
             <a:avLst/>
           </a:prstGeom>
         </p:spPr>
         <p:txBody>
-          <a:bodyPr vert="horz" lIns="91440" tIns="45720" rIns="91440" bIns="45720" rtlCol="0" anchor="ctr"/>
+          <a:bodyPr vert="horz" lIns="91440" tIns="45720" rIns="91440" bIns="45720" rtlCol="0" anchor="t"/>
           <a:lstStyle>
             <a:lvl1pPr algn="r">
-              <a:defRPr sz="1200">
+              <a:defRPr sz="2800">
                 <a:solidFill>
-                  <a:schemeClr val="tx1">
-                    <a:tint val="82000"/>
-                  </a:schemeClr>
+                  <a:schemeClr val="accent1"/>
                 </a:solidFill>
               </a:defRPr>
             </a:lvl1pPr>
           </a:lstStyle>
           <a:p>
-            <a:fld id="{10E188DE-64F0-4311-81FB-EC275E4C46D9}" type="slidenum">
-              <a:rPr lang="en-SG" smtClean="0"/>
+            <a:fld id="{C1FF6DA9-008F-8B48-92A6-B652298478BF}" type="slidenum">
+              <a:rPr lang="en-US" smtClean="0"/>
               <a:t>‹#›</a:t>
             </a:fld>
-            <a:endParaRPr lang="en-SG"/>
+            <a:endParaRPr lang="en-US"/>
           </a:p>
         </p:txBody>
       </p:sp>
     </p:spTree>
     <p:extLst>
       <p:ext uri="{BB962C8B-B14F-4D97-AF65-F5344CB8AC3E}">
-        <p14:creationId xmlns:p14="http://schemas.microsoft.com/office/powerpoint/2010/main" val="3077803528"/>
+        <p14:creationId xmlns:p14="http://schemas.microsoft.com/office/powerpoint/2010/main" val="3059913128"/>
       </p:ext>
     </p:extLst>
   </p:cSld>
   <p:clrMap bg1="lt1" tx1="dk1" bg2="lt2" tx2="dk2" accent1="accent1" accent2="accent2" accent3="accent3" accent4="accent4" accent5="accent5" accent6="accent6" hlink="hlink" folHlink="folHlink"/>
   <p:sldLayoutIdLst>
-    <p:sldLayoutId id="2147483649" r:id="rId1"/>
-    <p:sldLayoutId id="2147483650" r:id="rId2"/>
-    <p:sldLayoutId id="2147483651" r:id="rId3"/>
-    <p:sldLayoutId id="2147483652" r:id="rId4"/>
-    <p:sldLayoutId id="2147483653" r:id="rId5"/>
-    <p:sldLayoutId id="2147483654" r:id="rId6"/>
-    <p:sldLayoutId id="2147483655" r:id="rId7"/>
-    <p:sldLayoutId id="2147483656" r:id="rId8"/>
-    <p:sldLayoutId id="2147483657" r:id="rId9"/>
-    <p:sldLayoutId id="2147483658" r:id="rId10"/>
-    <p:sldLayoutId id="2147483659" r:id="rId11"/>
+    <p:sldLayoutId id="2147483697" r:id="rId1"/>
+    <p:sldLayoutId id="2147483698" r:id="rId2"/>
+    <p:sldLayoutId id="2147483699" r:id="rId3"/>
+    <p:sldLayoutId id="2147483700" r:id="rId4"/>
+    <p:sldLayoutId id="2147483701" r:id="rId5"/>
+    <p:sldLayoutId id="2147483702" r:id="rId6"/>
+    <p:sldLayoutId id="2147483703" r:id="rId7"/>
+    <p:sldLayoutId id="2147483704" r:id="rId8"/>
+    <p:sldLayoutId id="2147483705" r:id="rId9"/>
+    <p:sldLayoutId id="2147483706" r:id="rId10"/>
+    <p:sldLayoutId id="2147483707" r:id="rId11"/>
   </p:sldLayoutIdLst>
   <p:txStyles>
     <p:titleStyle>
-      <a:lvl1pPr algn="l" defTabSz="914400" rtl="0" eaLnBrk="1" latinLnBrk="0" hangingPunct="1">
+      <a:lvl1pPr algn="l" defTabSz="685800" rtl="0" eaLnBrk="1" latinLnBrk="0" hangingPunct="1">
         <a:lnSpc>
           <a:spcPct val="90000"/>
         </a:lnSpc>
@@ -3059,10 +3306,11 @@
           <a:spcPct val="0"/>
         </a:spcBef>
         <a:buNone/>
-        <a:defRPr sz="4400" kern="1200">
+        <a:defRPr sz="3200" b="0" i="0" kern="1200" cap="all">
           <a:solidFill>
             <a:schemeClr val="tx1"/>
           </a:solidFill>
+          <a:effectLst/>
           <a:latin typeface="+mj-lt"/>
           <a:ea typeface="+mj-ea"/>
           <a:cs typeface="+mj-cs"/>
@@ -3070,91 +3318,116 @@
       </a:lvl1pPr>
     </p:titleStyle>
     <p:bodyStyle>
-      <a:lvl1pPr marL="228600" indent="-228600" algn="l" defTabSz="914400" rtl="0" eaLnBrk="1" latinLnBrk="0" hangingPunct="1">
+      <a:lvl1pPr marL="228600" indent="-228600" algn="l" defTabSz="685800" rtl="0" eaLnBrk="1" latinLnBrk="0" hangingPunct="1">
         <a:lnSpc>
-          <a:spcPct val="90000"/>
+          <a:spcPct val="120000"/>
         </a:lnSpc>
         <a:spcBef>
           <a:spcPts val="1000"/>
         </a:spcBef>
+        <a:buClr>
+          <a:schemeClr val="accent1"/>
+        </a:buClr>
+        <a:buSzPct val="100000"/>
         <a:buFont typeface="Arial" panose="020B0604020202020204" pitchFamily="34" charset="0"/>
         <a:buChar char="•"/>
-        <a:defRPr sz="2800" kern="1200">
+        <a:defRPr sz="2000" kern="1200" cap="none">
           <a:solidFill>
             <a:schemeClr val="tx1"/>
           </a:solidFill>
+          <a:effectLst/>
           <a:latin typeface="+mn-lt"/>
           <a:ea typeface="+mn-ea"/>
           <a:cs typeface="+mn-cs"/>
         </a:defRPr>
       </a:lvl1pPr>
-      <a:lvl2pPr marL="685800" indent="-228600" algn="l" defTabSz="914400" rtl="0" eaLnBrk="1" latinLnBrk="0" hangingPunct="1">
+      <a:lvl2pPr marL="685800" indent="-228600" algn="l" defTabSz="685800" rtl="0" eaLnBrk="1" latinLnBrk="0" hangingPunct="1">
         <a:lnSpc>
-          <a:spcPct val="90000"/>
+          <a:spcPct val="120000"/>
         </a:lnSpc>
         <a:spcBef>
           <a:spcPts val="500"/>
         </a:spcBef>
+        <a:buClr>
+          <a:schemeClr val="accent1"/>
+        </a:buClr>
+        <a:buSzPct val="100000"/>
         <a:buFont typeface="Arial" panose="020B0604020202020204" pitchFamily="34" charset="0"/>
         <a:buChar char="•"/>
-        <a:defRPr sz="2400" kern="1200">
+        <a:defRPr sz="1600" kern="1200" cap="none" baseline="0">
           <a:solidFill>
             <a:schemeClr val="tx1"/>
           </a:solidFill>
+          <a:effectLst/>
           <a:latin typeface="+mn-lt"/>
           <a:ea typeface="+mn-ea"/>
           <a:cs typeface="+mn-cs"/>
         </a:defRPr>
       </a:lvl2pPr>
-      <a:lvl3pPr marL="1143000" indent="-228600" algn="l" defTabSz="914400" rtl="0" eaLnBrk="1" latinLnBrk="0" hangingPunct="1">
+      <a:lvl3pPr marL="1143000" indent="-228600" algn="l" defTabSz="685800" rtl="0" eaLnBrk="1" latinLnBrk="0" hangingPunct="1">
         <a:lnSpc>
-          <a:spcPct val="90000"/>
+          <a:spcPct val="120000"/>
         </a:lnSpc>
         <a:spcBef>
           <a:spcPts val="500"/>
         </a:spcBef>
+        <a:buClr>
+          <a:schemeClr val="accent1"/>
+        </a:buClr>
+        <a:buSzPct val="100000"/>
         <a:buFont typeface="Arial" panose="020B0604020202020204" pitchFamily="34" charset="0"/>
         <a:buChar char="•"/>
-        <a:defRPr sz="2000" kern="1200">
+        <a:defRPr sz="1600" kern="1200" cap="none">
           <a:solidFill>
             <a:schemeClr val="tx1"/>
           </a:solidFill>
+          <a:effectLst/>
           <a:latin typeface="+mn-lt"/>
           <a:ea typeface="+mn-ea"/>
           <a:cs typeface="+mn-cs"/>
         </a:defRPr>
       </a:lvl3pPr>
-      <a:lvl4pPr marL="1600200" indent="-228600" algn="l" defTabSz="914400" rtl="0" eaLnBrk="1" latinLnBrk="0" hangingPunct="1">
+      <a:lvl4pPr marL="1600200" indent="-228600" algn="l" defTabSz="685800" rtl="0" eaLnBrk="1" latinLnBrk="0" hangingPunct="1">
         <a:lnSpc>
-          <a:spcPct val="90000"/>
+          <a:spcPct val="120000"/>
         </a:lnSpc>
         <a:spcBef>
           <a:spcPts val="500"/>
         </a:spcBef>
+        <a:buClr>
+          <a:schemeClr val="accent1"/>
+        </a:buClr>
+        <a:buSzPct val="100000"/>
         <a:buFont typeface="Arial" panose="020B0604020202020204" pitchFamily="34" charset="0"/>
         <a:buChar char="•"/>
-        <a:defRPr sz="1800" kern="1200">
+        <a:defRPr sz="1400" kern="1200" cap="none" baseline="0">
           <a:solidFill>
             <a:schemeClr val="tx1"/>
           </a:solidFill>
+          <a:effectLst/>
           <a:latin typeface="+mn-lt"/>
           <a:ea typeface="+mn-ea"/>
           <a:cs typeface="+mn-cs"/>
         </a:defRPr>
       </a:lvl4pPr>
-      <a:lvl5pPr marL="2057400" indent="-228600" algn="l" defTabSz="914400" rtl="0" eaLnBrk="1" latinLnBrk="0" hangingPunct="1">
+      <a:lvl5pPr marL="2057400" indent="-228600" algn="l" defTabSz="685800" rtl="0" eaLnBrk="1" latinLnBrk="0" hangingPunct="1">
         <a:lnSpc>
-          <a:spcPct val="90000"/>
+          <a:spcPct val="120000"/>
         </a:lnSpc>
         <a:spcBef>
           <a:spcPts val="500"/>
         </a:spcBef>
+        <a:buClr>
+          <a:schemeClr val="accent1"/>
+        </a:buClr>
+        <a:buSzPct val="100000"/>
         <a:buFont typeface="Arial" panose="020B0604020202020204" pitchFamily="34" charset="0"/>
         <a:buChar char="•"/>
-        <a:defRPr sz="1800" kern="1200">
+        <a:defRPr sz="1200" kern="1200" cap="none">
           <a:solidFill>
             <a:schemeClr val="tx1"/>
           </a:solidFill>
+          <a:effectLst/>
           <a:latin typeface="+mn-lt"/>
           <a:ea typeface="+mn-ea"/>
           <a:cs typeface="+mn-cs"/>
@@ -3162,17 +3435,22 @@
       </a:lvl5pPr>
       <a:lvl6pPr marL="2514600" indent="-228600" algn="l" defTabSz="914400" rtl="0" eaLnBrk="1" latinLnBrk="0" hangingPunct="1">
         <a:lnSpc>
-          <a:spcPct val="90000"/>
+          <a:spcPct val="120000"/>
         </a:lnSpc>
         <a:spcBef>
           <a:spcPts val="500"/>
         </a:spcBef>
+        <a:buClr>
+          <a:schemeClr val="accent1"/>
+        </a:buClr>
+        <a:buSzPct val="100000"/>
         <a:buFont typeface="Arial" panose="020B0604020202020204" pitchFamily="34" charset="0"/>
         <a:buChar char="•"/>
-        <a:defRPr sz="1800" kern="1200">
+        <a:defRPr sz="1200" kern="1200">
           <a:solidFill>
             <a:schemeClr val="tx1"/>
           </a:solidFill>
+          <a:effectLst/>
           <a:latin typeface="+mn-lt"/>
           <a:ea typeface="+mn-ea"/>
           <a:cs typeface="+mn-cs"/>
@@ -3180,17 +3458,22 @@
       </a:lvl6pPr>
       <a:lvl7pPr marL="2971800" indent="-228600" algn="l" defTabSz="914400" rtl="0" eaLnBrk="1" latinLnBrk="0" hangingPunct="1">
         <a:lnSpc>
-          <a:spcPct val="90000"/>
+          <a:spcPct val="120000"/>
         </a:lnSpc>
         <a:spcBef>
           <a:spcPts val="500"/>
         </a:spcBef>
+        <a:buClr>
+          <a:schemeClr val="accent1"/>
+        </a:buClr>
+        <a:buSzPct val="100000"/>
         <a:buFont typeface="Arial" panose="020B0604020202020204" pitchFamily="34" charset="0"/>
         <a:buChar char="•"/>
-        <a:defRPr sz="1800" kern="1200">
+        <a:defRPr sz="1200" kern="1200">
           <a:solidFill>
             <a:schemeClr val="tx1"/>
           </a:solidFill>
+          <a:effectLst/>
           <a:latin typeface="+mn-lt"/>
           <a:ea typeface="+mn-ea"/>
           <a:cs typeface="+mn-cs"/>
@@ -3198,17 +3481,22 @@
       </a:lvl7pPr>
       <a:lvl8pPr marL="3429000" indent="-228600" algn="l" defTabSz="914400" rtl="0" eaLnBrk="1" latinLnBrk="0" hangingPunct="1">
         <a:lnSpc>
-          <a:spcPct val="90000"/>
+          <a:spcPct val="120000"/>
         </a:lnSpc>
         <a:spcBef>
           <a:spcPts val="500"/>
         </a:spcBef>
+        <a:buClr>
+          <a:schemeClr val="accent1"/>
+        </a:buClr>
+        <a:buSzPct val="100000"/>
         <a:buFont typeface="Arial" panose="020B0604020202020204" pitchFamily="34" charset="0"/>
         <a:buChar char="•"/>
-        <a:defRPr sz="1800" kern="1200">
+        <a:defRPr sz="1200" kern="1200" baseline="0">
           <a:solidFill>
             <a:schemeClr val="tx1"/>
           </a:solidFill>
+          <a:effectLst/>
           <a:latin typeface="+mn-lt"/>
           <a:ea typeface="+mn-ea"/>
           <a:cs typeface="+mn-cs"/>
@@ -3216,17 +3504,22 @@
       </a:lvl8pPr>
       <a:lvl9pPr marL="3886200" indent="-228600" algn="l" defTabSz="914400" rtl="0" eaLnBrk="1" latinLnBrk="0" hangingPunct="1">
         <a:lnSpc>
-          <a:spcPct val="90000"/>
+          <a:spcPct val="120000"/>
         </a:lnSpc>
         <a:spcBef>
           <a:spcPts val="500"/>
         </a:spcBef>
+        <a:buClr>
+          <a:schemeClr val="accent1"/>
+        </a:buClr>
+        <a:buSzPct val="100000"/>
         <a:buFont typeface="Arial" panose="020B0604020202020204" pitchFamily="34" charset="0"/>
         <a:buChar char="•"/>
-        <a:defRPr sz="1800" kern="1200">
+        <a:defRPr sz="1200" kern="1200" baseline="0">
           <a:solidFill>
             <a:schemeClr val="tx1"/>
           </a:solidFill>
+          <a:effectLst/>
           <a:latin typeface="+mn-lt"/>
           <a:ea typeface="+mn-ea"/>
           <a:cs typeface="+mn-cs"/>
@@ -3237,8 +3530,8 @@
       <a:defPPr>
         <a:defRPr lang="en-US"/>
       </a:defPPr>
-      <a:lvl1pPr marL="0" algn="l" defTabSz="914400" rtl="0" eaLnBrk="1" latinLnBrk="0" hangingPunct="1">
-        <a:defRPr sz="1800" kern="1200">
+      <a:lvl1pPr marL="0" algn="l" defTabSz="685800" rtl="0" eaLnBrk="1" latinLnBrk="0" hangingPunct="1">
+        <a:defRPr sz="1350" kern="1200">
           <a:solidFill>
             <a:schemeClr val="tx1"/>
           </a:solidFill>
@@ -3247,8 +3540,8 @@
           <a:cs typeface="+mn-cs"/>
         </a:defRPr>
       </a:lvl1pPr>
-      <a:lvl2pPr marL="457200" algn="l" defTabSz="914400" rtl="0" eaLnBrk="1" latinLnBrk="0" hangingPunct="1">
-        <a:defRPr sz="1800" kern="1200">
+      <a:lvl2pPr marL="342900" algn="l" defTabSz="685800" rtl="0" eaLnBrk="1" latinLnBrk="0" hangingPunct="1">
+        <a:defRPr sz="1350" kern="1200">
           <a:solidFill>
             <a:schemeClr val="tx1"/>
           </a:solidFill>
@@ -3257,8 +3550,8 @@
           <a:cs typeface="+mn-cs"/>
         </a:defRPr>
       </a:lvl2pPr>
-      <a:lvl3pPr marL="914400" algn="l" defTabSz="914400" rtl="0" eaLnBrk="1" latinLnBrk="0" hangingPunct="1">
-        <a:defRPr sz="1800" kern="1200">
+      <a:lvl3pPr marL="685800" algn="l" defTabSz="685800" rtl="0" eaLnBrk="1" latinLnBrk="0" hangingPunct="1">
+        <a:defRPr sz="1350" kern="1200">
           <a:solidFill>
             <a:schemeClr val="tx1"/>
           </a:solidFill>
@@ -3267,8 +3560,8 @@
           <a:cs typeface="+mn-cs"/>
         </a:defRPr>
       </a:lvl3pPr>
-      <a:lvl4pPr marL="1371600" algn="l" defTabSz="914400" rtl="0" eaLnBrk="1" latinLnBrk="0" hangingPunct="1">
-        <a:defRPr sz="1800" kern="1200">
+      <a:lvl4pPr marL="1028700" algn="l" defTabSz="685800" rtl="0" eaLnBrk="1" latinLnBrk="0" hangingPunct="1">
+        <a:defRPr sz="1350" kern="1200">
           <a:solidFill>
             <a:schemeClr val="tx1"/>
           </a:solidFill>
@@ -3277,8 +3570,8 @@
           <a:cs typeface="+mn-cs"/>
         </a:defRPr>
       </a:lvl4pPr>
-      <a:lvl5pPr marL="1828800" algn="l" defTabSz="914400" rtl="0" eaLnBrk="1" latinLnBrk="0" hangingPunct="1">
-        <a:defRPr sz="1800" kern="1200">
+      <a:lvl5pPr marL="1371600" algn="l" defTabSz="685800" rtl="0" eaLnBrk="1" latinLnBrk="0" hangingPunct="1">
+        <a:defRPr sz="1350" kern="1200">
           <a:solidFill>
             <a:schemeClr val="tx1"/>
           </a:solidFill>
@@ -3287,8 +3580,8 @@
           <a:cs typeface="+mn-cs"/>
         </a:defRPr>
       </a:lvl5pPr>
-      <a:lvl6pPr marL="2286000" algn="l" defTabSz="914400" rtl="0" eaLnBrk="1" latinLnBrk="0" hangingPunct="1">
-        <a:defRPr sz="1800" kern="1200">
+      <a:lvl6pPr marL="1714500" algn="l" defTabSz="685800" rtl="0" eaLnBrk="1" latinLnBrk="0" hangingPunct="1">
+        <a:defRPr sz="1350" kern="1200">
           <a:solidFill>
             <a:schemeClr val="tx1"/>
           </a:solidFill>
@@ -3297,8 +3590,8 @@
           <a:cs typeface="+mn-cs"/>
         </a:defRPr>
       </a:lvl6pPr>
-      <a:lvl7pPr marL="2743200" algn="l" defTabSz="914400" rtl="0" eaLnBrk="1" latinLnBrk="0" hangingPunct="1">
-        <a:defRPr sz="1800" kern="1200">
+      <a:lvl7pPr marL="2057400" algn="l" defTabSz="685800" rtl="0" eaLnBrk="1" latinLnBrk="0" hangingPunct="1">
+        <a:defRPr sz="1350" kern="1200">
           <a:solidFill>
             <a:schemeClr val="tx1"/>
           </a:solidFill>
@@ -3307,8 +3600,8 @@
           <a:cs typeface="+mn-cs"/>
         </a:defRPr>
       </a:lvl7pPr>
-      <a:lvl8pPr marL="3200400" algn="l" defTabSz="914400" rtl="0" eaLnBrk="1" latinLnBrk="0" hangingPunct="1">
-        <a:defRPr sz="1800" kern="1200">
+      <a:lvl8pPr marL="2400300" algn="l" defTabSz="685800" rtl="0" eaLnBrk="1" latinLnBrk="0" hangingPunct="1">
+        <a:defRPr sz="1350" kern="1200">
           <a:solidFill>
             <a:schemeClr val="tx1"/>
           </a:solidFill>
@@ -3317,8 +3610,8 @@
           <a:cs typeface="+mn-cs"/>
         </a:defRPr>
       </a:lvl8pPr>
-      <a:lvl9pPr marL="3657600" algn="l" defTabSz="914400" rtl="0" eaLnBrk="1" latinLnBrk="0" hangingPunct="1">
-        <a:defRPr sz="1800" kern="1200">
+      <a:lvl9pPr marL="2743200" algn="l" defTabSz="685800" rtl="0" eaLnBrk="1" latinLnBrk="0" hangingPunct="1">
+        <a:defRPr sz="1350" kern="1200">
           <a:solidFill>
             <a:schemeClr val="tx1"/>
           </a:solidFill>
@@ -3351,13 +3644,7 @@
       </p:grpSpPr>
       <p:sp>
         <p:nvSpPr>
-          <p:cNvPr id="2" name="Title 1">
-            <a:extLst>
-              <a:ext uri="{FF2B5EF4-FFF2-40B4-BE49-F238E27FC236}">
-                <a16:creationId xmlns:a16="http://schemas.microsoft.com/office/drawing/2014/main" id="{61CD0ACE-2AD3-BFC4-D7C3-4302B4CEF2F3}"/>
-              </a:ext>
-            </a:extLst>
-          </p:cNvPr>
+          <p:cNvPr id="2" name="Title 1"/>
           <p:cNvSpPr>
             <a:spLocks noGrp="1"/>
           </p:cNvSpPr>
@@ -3371,22 +3658,14 @@
           <a:lstStyle/>
           <a:p>
             <a:r>
-              <a:rPr lang="en-US" dirty="0"/>
-              <a:t>What is Phishing?</a:t>
-            </a:r>
-            <a:endParaRPr lang="en-SG" dirty="0"/>
-          </a:p>
-        </p:txBody>
-      </p:sp>
-      <p:sp>
-        <p:nvSpPr>
-          <p:cNvPr id="3" name="Subtitle 2">
-            <a:extLst>
-              <a:ext uri="{FF2B5EF4-FFF2-40B4-BE49-F238E27FC236}">
-                <a16:creationId xmlns:a16="http://schemas.microsoft.com/office/drawing/2014/main" id="{1BF8D1A0-1391-9B57-18A5-DCC54D79F347}"/>
-              </a:ext>
-            </a:extLst>
-          </p:cNvPr>
+              <a:t>Phishing: Stay Safe Online</a:t>
+            </a:r>
+          </a:p>
+        </p:txBody>
+      </p:sp>
+      <p:sp>
+        <p:nvSpPr>
+          <p:cNvPr id="3" name="Subtitle 2"/>
           <p:cNvSpPr>
             <a:spLocks noGrp="1"/>
           </p:cNvSpPr>
@@ -3400,19 +3679,17 @@
           <a:lstStyle/>
           <a:p>
             <a:r>
-              <a:rPr lang="en-US" dirty="0"/>
-              <a:t>I don’t know, you tell me!</a:t>
-            </a:r>
-            <a:endParaRPr lang="en-SG" dirty="0"/>
+              <a:t>Simple tips to spot and avoid phishing</a:t>
+            </a:r>
+          </a:p>
+          <a:p>
+            <a:r>
+              <a:t>(5-slide quick guide)</a:t>
+            </a:r>
           </a:p>
         </p:txBody>
       </p:sp>
     </p:spTree>
-    <p:extLst>
-      <p:ext uri="{BB962C8B-B14F-4D97-AF65-F5344CB8AC3E}">
-        <p14:creationId xmlns:p14="http://schemas.microsoft.com/office/powerpoint/2010/main" val="2898748158"/>
-      </p:ext>
-    </p:extLst>
   </p:cSld>
   <p:clrMapOvr>
     <a:masterClrMapping/>
@@ -3439,13 +3716,7 @@
       </p:grpSpPr>
       <p:sp>
         <p:nvSpPr>
-          <p:cNvPr id="2" name="Title 1">
-            <a:extLst>
-              <a:ext uri="{FF2B5EF4-FFF2-40B4-BE49-F238E27FC236}">
-                <a16:creationId xmlns:a16="http://schemas.microsoft.com/office/drawing/2014/main" id="{EB7F8821-F62C-B10E-99D5-0B9590C3FC88}"/>
-              </a:ext>
-            </a:extLst>
-          </p:cNvPr>
+          <p:cNvPr id="2" name="Title 1"/>
           <p:cNvSpPr>
             <a:spLocks noGrp="1"/>
           </p:cNvSpPr>
@@ -3459,59 +3730,54 @@
           <a:lstStyle/>
           <a:p>
             <a:r>
+              <a:t>What is phishing?</a:t>
+            </a:r>
+          </a:p>
+        </p:txBody>
+      </p:sp>
+      <p:sp>
+        <p:nvSpPr>
+          <p:cNvPr id="3" name="Content Placeholder 2"/>
+          <p:cNvSpPr>
+            <a:spLocks noGrp="1"/>
+          </p:cNvSpPr>
+          <p:nvPr>
+            <p:ph idx="1"/>
+          </p:nvPr>
+        </p:nvSpPr>
+        <p:spPr/>
+        <p:txBody>
+          <a:bodyPr/>
+          <a:lstStyle/>
+          <a:p>
+            <a:pPr>
+              <a:defRPr sz="1800"/>
+            </a:pPr>
+            <a:r>
+              <a:rPr dirty="0"/>
+              <a:t>A scam that tricks you into giving personal info (passwords, card</a:t>
+            </a:r>
+            <a:r>
               <a:rPr lang="en-US" dirty="0"/>
-              <a:t>What is </a:t>
-            </a:r>
-            <a:r>
-              <a:rPr lang="en-US" dirty="0" err="1"/>
-              <a:t>Quishing</a:t>
-            </a:r>
-            <a:r>
-              <a:rPr lang="en-US" dirty="0"/>
-              <a:t>?</a:t>
-            </a:r>
-            <a:endParaRPr lang="en-SG" dirty="0"/>
-          </a:p>
-        </p:txBody>
-      </p:sp>
-      <p:sp>
-        <p:nvSpPr>
-          <p:cNvPr id="3" name="Content Placeholder 2">
-            <a:extLst>
-              <a:ext uri="{FF2B5EF4-FFF2-40B4-BE49-F238E27FC236}">
-                <a16:creationId xmlns:a16="http://schemas.microsoft.com/office/drawing/2014/main" id="{BACAFC16-E201-54A1-EE7B-DF7E496DEBE1}"/>
-              </a:ext>
-            </a:extLst>
-          </p:cNvPr>
-          <p:cNvSpPr>
-            <a:spLocks noGrp="1"/>
-          </p:cNvSpPr>
-          <p:nvPr>
-            <p:ph idx="1"/>
-          </p:nvPr>
-        </p:nvSpPr>
-        <p:spPr/>
-        <p:txBody>
-          <a:bodyPr/>
-          <a:lstStyle/>
-          <a:p>
-            <a:r>
-              <a:rPr lang="en-US" dirty="0"/>
-              <a:t>I don’t know, you tell me!</a:t>
-            </a:r>
-            <a:endParaRPr lang="en-SG" dirty="0"/>
-          </a:p>
-          <a:p>
-            <a:endParaRPr lang="en-SG" dirty="0"/>
+              <a:t> details</a:t>
+            </a:r>
+            <a:r>
+              <a:rPr dirty="0"/>
+              <a:t>).</a:t>
+            </a:r>
+          </a:p>
+          <a:p>
+            <a:pPr>
+              <a:defRPr sz="1800"/>
+            </a:pPr>
+            <a:r>
+              <a:rPr dirty="0"/>
+              <a:t>Usually uses fake emails, messages or websites pretending to be real.</a:t>
+            </a:r>
           </a:p>
         </p:txBody>
       </p:sp>
     </p:spTree>
-    <p:extLst>
-      <p:ext uri="{BB962C8B-B14F-4D97-AF65-F5344CB8AC3E}">
-        <p14:creationId xmlns:p14="http://schemas.microsoft.com/office/powerpoint/2010/main" val="872007641"/>
-      </p:ext>
-    </p:extLst>
   </p:cSld>
   <p:clrMapOvr>
     <a:masterClrMapping/>
@@ -3538,13 +3804,7 @@
       </p:grpSpPr>
       <p:sp>
         <p:nvSpPr>
-          <p:cNvPr id="2" name="Title 1">
-            <a:extLst>
-              <a:ext uri="{FF2B5EF4-FFF2-40B4-BE49-F238E27FC236}">
-                <a16:creationId xmlns:a16="http://schemas.microsoft.com/office/drawing/2014/main" id="{8CA88A46-B41E-D8ED-E2D8-B76B2279F5FA}"/>
-              </a:ext>
-            </a:extLst>
-          </p:cNvPr>
+          <p:cNvPr id="2" name="Title 1"/>
           <p:cNvSpPr>
             <a:spLocks noGrp="1"/>
           </p:cNvSpPr>
@@ -3558,22 +3818,14 @@
           <a:lstStyle/>
           <a:p>
             <a:r>
-              <a:rPr lang="en-US" dirty="0"/>
-              <a:t>Protection against Phishing</a:t>
-            </a:r>
-            <a:endParaRPr lang="en-SG" dirty="0"/>
-          </a:p>
-        </p:txBody>
-      </p:sp>
-      <p:sp>
-        <p:nvSpPr>
-          <p:cNvPr id="3" name="Content Placeholder 2">
-            <a:extLst>
-              <a:ext uri="{FF2B5EF4-FFF2-40B4-BE49-F238E27FC236}">
-                <a16:creationId xmlns:a16="http://schemas.microsoft.com/office/drawing/2014/main" id="{B0007B6C-86CC-0DEF-ACE7-03AF475E6FD4}"/>
-              </a:ext>
-            </a:extLst>
-          </p:cNvPr>
+              <a:t>Common phishing types</a:t>
+            </a:r>
+          </a:p>
+        </p:txBody>
+      </p:sp>
+      <p:sp>
+        <p:nvSpPr>
+          <p:cNvPr id="3" name="Content Placeholder 2"/>
           <p:cNvSpPr>
             <a:spLocks noGrp="1"/>
           </p:cNvSpPr>
@@ -3586,23 +3838,259 @@
           <a:bodyPr/>
           <a:lstStyle/>
           <a:p>
-            <a:r>
-              <a:rPr lang="en-US" dirty="0"/>
-              <a:t>I don’t know, you tell me!</a:t>
+            <a:pPr>
+              <a:defRPr sz="1800"/>
+            </a:pPr>
+            <a:r>
+              <a:rPr dirty="0"/>
+              <a:t>Email phishing: fake emails asking to click a link or login.</a:t>
+            </a:r>
+          </a:p>
+          <a:p>
+            <a:pPr>
+              <a:defRPr sz="1800"/>
+            </a:pPr>
+            <a:r>
+              <a:rPr dirty="0"/>
+              <a:t>Spear phishing: targeted messages that seem personal.</a:t>
+            </a:r>
+          </a:p>
+          <a:p>
+            <a:pPr>
+              <a:defRPr sz="1800"/>
+            </a:pPr>
+            <a:r>
+              <a:rPr dirty="0"/>
+              <a:t>Smishing &amp; vishing: SMS or phone-call based scams.</a:t>
+            </a:r>
+            <a:endParaRPr lang="en-US" dirty="0"/>
+          </a:p>
+          <a:p>
+            <a:pPr>
+              <a:defRPr sz="1800"/>
+            </a:pPr>
+            <a:r>
+              <a:rPr lang="en-SG" dirty="0" err="1"/>
+              <a:t>Quishing</a:t>
+            </a:r>
+            <a:r>
+              <a:rPr lang="en-SG" dirty="0"/>
+              <a:t>: phishing through the use of QR codes</a:t>
+            </a:r>
+            <a:endParaRPr dirty="0"/>
+          </a:p>
+        </p:txBody>
+      </p:sp>
+    </p:spTree>
+  </p:cSld>
+  <p:clrMapOvr>
+    <a:masterClrMapping/>
+  </p:clrMapOvr>
+</p:sld>
+</file>
+
+<file path=ppt/slides/slide4.xml><?xml version="1.0" encoding="utf-8"?>
+<p:sld xmlns:a="http://schemas.openxmlformats.org/drawingml/2006/main" xmlns:r="http://schemas.openxmlformats.org/officeDocument/2006/relationships" xmlns:p="http://schemas.openxmlformats.org/presentationml/2006/main">
+  <p:cSld>
+    <p:spTree>
+      <p:nvGrpSpPr>
+        <p:cNvPr id="1" name=""/>
+        <p:cNvGrpSpPr/>
+        <p:nvPr/>
+      </p:nvGrpSpPr>
+      <p:grpSpPr>
+        <a:xfrm>
+          <a:off x="0" y="0"/>
+          <a:ext cx="0" cy="0"/>
+          <a:chOff x="0" y="0"/>
+          <a:chExt cx="0" cy="0"/>
+        </a:xfrm>
+      </p:grpSpPr>
+      <p:sp>
+        <p:nvSpPr>
+          <p:cNvPr id="2" name="Title 1"/>
+          <p:cNvSpPr>
+            <a:spLocks noGrp="1"/>
+          </p:cNvSpPr>
+          <p:nvPr>
+            <p:ph type="title"/>
+          </p:nvPr>
+        </p:nvSpPr>
+        <p:spPr/>
+        <p:txBody>
+          <a:bodyPr/>
+          <a:lstStyle/>
+          <a:p>
+            <a:r>
+              <a:t>How to spot phishing</a:t>
+            </a:r>
+          </a:p>
+        </p:txBody>
+      </p:sp>
+      <p:sp>
+        <p:nvSpPr>
+          <p:cNvPr id="3" name="Content Placeholder 2"/>
+          <p:cNvSpPr>
+            <a:spLocks noGrp="1"/>
+          </p:cNvSpPr>
+          <p:nvPr>
+            <p:ph idx="1"/>
+          </p:nvPr>
+        </p:nvSpPr>
+        <p:spPr/>
+        <p:txBody>
+          <a:bodyPr/>
+          <a:lstStyle/>
+          <a:p>
+            <a:pPr>
+              <a:defRPr sz="1800"/>
+            </a:pPr>
+            <a:r>
+              <a:rPr dirty="0"/>
+              <a:t>Suspicious sender address or small spelling changes in domain.</a:t>
+            </a:r>
+          </a:p>
+          <a:p>
+            <a:pPr>
+              <a:defRPr sz="1800"/>
+            </a:pPr>
+            <a:r>
+              <a:rPr dirty="0"/>
+              <a:t>Urgent requests, threats, or 'verify now' messages.</a:t>
+            </a:r>
+          </a:p>
+          <a:p>
+            <a:pPr>
+              <a:defRPr sz="1800"/>
+            </a:pPr>
+            <a:r>
+              <a:rPr dirty="0"/>
+              <a:t>Links that don’t match the displayed text — hover to preview.</a:t>
+            </a:r>
+          </a:p>
+          <a:p>
+            <a:pPr>
+              <a:defRPr sz="1800"/>
+            </a:pPr>
+            <a:r>
+              <a:rPr dirty="0"/>
+              <a:t>Attachments you weren't expecting (.exe, .zip are risky).</a:t>
+            </a:r>
+          </a:p>
+        </p:txBody>
+      </p:sp>
+    </p:spTree>
+  </p:cSld>
+  <p:clrMapOvr>
+    <a:masterClrMapping/>
+  </p:clrMapOvr>
+</p:sld>
+</file>
+
+<file path=ppt/slides/slide5.xml><?xml version="1.0" encoding="utf-8"?>
+<p:sld xmlns:a="http://schemas.openxmlformats.org/drawingml/2006/main" xmlns:r="http://schemas.openxmlformats.org/officeDocument/2006/relationships" xmlns:p="http://schemas.openxmlformats.org/presentationml/2006/main">
+  <p:cSld>
+    <p:spTree>
+      <p:nvGrpSpPr>
+        <p:cNvPr id="1" name=""/>
+        <p:cNvGrpSpPr/>
+        <p:nvPr/>
+      </p:nvGrpSpPr>
+      <p:grpSpPr>
+        <a:xfrm>
+          <a:off x="0" y="0"/>
+          <a:ext cx="0" cy="0"/>
+          <a:chOff x="0" y="0"/>
+          <a:chExt cx="0" cy="0"/>
+        </a:xfrm>
+      </p:grpSpPr>
+      <p:sp>
+        <p:nvSpPr>
+          <p:cNvPr id="2" name="Title 1"/>
+          <p:cNvSpPr>
+            <a:spLocks noGrp="1"/>
+          </p:cNvSpPr>
+          <p:nvPr>
+            <p:ph type="title"/>
+          </p:nvPr>
+        </p:nvSpPr>
+        <p:spPr/>
+        <p:txBody>
+          <a:bodyPr/>
+          <a:lstStyle/>
+          <a:p>
+            <a:r>
+              <a:t>Protect yourself — quick tips</a:t>
+            </a:r>
+          </a:p>
+        </p:txBody>
+      </p:sp>
+      <p:sp>
+        <p:nvSpPr>
+          <p:cNvPr id="3" name="Content Placeholder 2"/>
+          <p:cNvSpPr>
+            <a:spLocks noGrp="1"/>
+          </p:cNvSpPr>
+          <p:nvPr>
+            <p:ph idx="1"/>
+          </p:nvPr>
+        </p:nvSpPr>
+        <p:spPr/>
+        <p:txBody>
+          <a:bodyPr/>
+          <a:lstStyle/>
+          <a:p>
+            <a:pPr>
+              <a:defRPr sz="1800"/>
+            </a:pPr>
+            <a:r>
+              <a:rPr dirty="0"/>
+              <a:t>Verify sender separately</a:t>
             </a:r>
             <a:endParaRPr lang="en-SG"/>
           </a:p>
           <a:p>
-            <a:endParaRPr lang="en-SG"/>
+            <a:pPr>
+              <a:defRPr sz="1800"/>
+            </a:pPr>
+            <a:r>
+              <a:t>Don't </a:t>
+            </a:r>
+            <a:r>
+              <a:rPr dirty="0"/>
+              <a:t>click links — go to the website directly</a:t>
+            </a:r>
+          </a:p>
+          <a:p>
+            <a:pPr>
+              <a:defRPr sz="1800"/>
+            </a:pPr>
+            <a:r>
+              <a:rPr dirty="0"/>
+              <a:t>Enable 2FA on important accounts.</a:t>
+            </a:r>
+          </a:p>
+          <a:p>
+            <a:pPr>
+              <a:defRPr sz="1800"/>
+            </a:pPr>
+            <a:r>
+              <a:rPr dirty="0"/>
+              <a:t>Keep software updated and use reputable antivirus.</a:t>
+            </a:r>
+          </a:p>
+          <a:p>
+            <a:pPr>
+              <a:defRPr sz="1800"/>
+            </a:pPr>
+            <a:r>
+              <a:rPr dirty="0"/>
+              <a:t>When unsure, report to IT or delete the message.</a:t>
+            </a:r>
           </a:p>
         </p:txBody>
       </p:sp>
     </p:spTree>
-    <p:extLst>
-      <p:ext uri="{BB962C8B-B14F-4D97-AF65-F5344CB8AC3E}">
-        <p14:creationId xmlns:p14="http://schemas.microsoft.com/office/powerpoint/2010/main" val="1875651689"/>
-      </p:ext>
-    </p:extLst>
   </p:cSld>
   <p:clrMapOvr>
     <a:masterClrMapping/>
@@ -3611,9 +4099,9 @@
 </file>
 
 <file path=ppt/theme/theme1.xml><?xml version="1.0" encoding="utf-8"?>
-<a:theme xmlns:a="http://schemas.openxmlformats.org/drawingml/2006/main" name="Office Theme">
+<a:theme xmlns:a="http://schemas.openxmlformats.org/drawingml/2006/main" name="Gallery">
   <a:themeElements>
-    <a:clrScheme name="Office">
+    <a:clrScheme name="Gallery">
       <a:dk1>
         <a:sysClr val="windowText" lastClr="000000"/>
       </a:dk1>
@@ -3621,39 +4109,39 @@
         <a:sysClr val="window" lastClr="FFFFFF"/>
       </a:lt1>
       <a:dk2>
-        <a:srgbClr val="0E2841"/>
+        <a:srgbClr val="454545"/>
       </a:dk2>
       <a:lt2>
-        <a:srgbClr val="E8E8E8"/>
+        <a:srgbClr val="DFDBD5"/>
       </a:lt2>
       <a:accent1>
-        <a:srgbClr val="156082"/>
+        <a:srgbClr val="B71E42"/>
       </a:accent1>
       <a:accent2>
-        <a:srgbClr val="E97132"/>
+        <a:srgbClr val="DE478E"/>
       </a:accent2>
       <a:accent3>
-        <a:srgbClr val="196B24"/>
+        <a:srgbClr val="BC72F0"/>
       </a:accent3>
       <a:accent4>
-        <a:srgbClr val="0F9ED5"/>
+        <a:srgbClr val="795FAF"/>
       </a:accent4>
       <a:accent5>
-        <a:srgbClr val="A02B93"/>
+        <a:srgbClr val="586EA6"/>
       </a:accent5>
       <a:accent6>
-        <a:srgbClr val="4EA72E"/>
+        <a:srgbClr val="6892A0"/>
       </a:accent6>
       <a:hlink>
-        <a:srgbClr val="467886"/>
+        <a:srgbClr val="FA2B5C"/>
       </a:hlink>
       <a:folHlink>
-        <a:srgbClr val="96607D"/>
+        <a:srgbClr val="BC658E"/>
       </a:folHlink>
     </a:clrScheme>
-    <a:fontScheme name="Office">
+    <a:fontScheme name="Gallery">
       <a:majorFont>
-        <a:latin typeface="Aptos Display" panose="02110004020202020204"/>
+        <a:latin typeface="Gill Sans MT" panose="020B0502020104020203"/>
         <a:ea typeface=""/>
         <a:cs typeface=""/>
         <a:font script="Jpan" typeface="游ゴシック Light"/>
@@ -3686,26 +4174,9 @@
         <a:font script="Viet" typeface="Times New Roman"/>
         <a:font script="Uigh" typeface="Microsoft Uighur"/>
         <a:font script="Geor" typeface="Sylfaen"/>
-        <a:font script="Armn" typeface="Arial"/>
-        <a:font script="Bugi" typeface="Leelawadee UI"/>
-        <a:font script="Bopo" typeface="Microsoft JhengHei"/>
-        <a:font script="Java" typeface="Javanese Text"/>
-        <a:font script="Lisu" typeface="Segoe UI"/>
-        <a:font script="Mymr" typeface="Myanmar Text"/>
-        <a:font script="Nkoo" typeface="Ebrima"/>
-        <a:font script="Olck" typeface="Nirmala UI"/>
-        <a:font script="Osma" typeface="Ebrima"/>
-        <a:font script="Phag" typeface="Phagspa"/>
-        <a:font script="Syrn" typeface="Estrangelo Edessa"/>
-        <a:font script="Syrj" typeface="Estrangelo Edessa"/>
-        <a:font script="Syre" typeface="Estrangelo Edessa"/>
-        <a:font script="Sora" typeface="Nirmala UI"/>
-        <a:font script="Tale" typeface="Microsoft Tai Le"/>
-        <a:font script="Talu" typeface="Microsoft New Tai Lue"/>
-        <a:font script="Tfng" typeface="Ebrima"/>
       </a:majorFont>
       <a:minorFont>
-        <a:latin typeface="Aptos" panose="02110004020202020204"/>
+        <a:latin typeface="Gill Sans MT" panose="020B0502020104020203"/>
         <a:ea typeface=""/>
         <a:cs typeface=""/>
         <a:font script="Jpan" typeface="游ゴシック"/>
@@ -3738,26 +4209,9 @@
         <a:font script="Viet" typeface="Arial"/>
         <a:font script="Uigh" typeface="Microsoft Uighur"/>
         <a:font script="Geor" typeface="Sylfaen"/>
-        <a:font script="Armn" typeface="Arial"/>
-        <a:font script="Bugi" typeface="Leelawadee UI"/>
-        <a:font script="Bopo" typeface="Microsoft JhengHei"/>
-        <a:font script="Java" typeface="Javanese Text"/>
-        <a:font script="Lisu" typeface="Segoe UI"/>
-        <a:font script="Mymr" typeface="Myanmar Text"/>
-        <a:font script="Nkoo" typeface="Ebrima"/>
-        <a:font script="Olck" typeface="Nirmala UI"/>
-        <a:font script="Osma" typeface="Ebrima"/>
-        <a:font script="Phag" typeface="Phagspa"/>
-        <a:font script="Syrn" typeface="Estrangelo Edessa"/>
-        <a:font script="Syrj" typeface="Estrangelo Edessa"/>
-        <a:font script="Syre" typeface="Estrangelo Edessa"/>
-        <a:font script="Sora" typeface="Nirmala UI"/>
-        <a:font script="Tale" typeface="Microsoft Tai Le"/>
-        <a:font script="Talu" typeface="Microsoft New Tai Lue"/>
-        <a:font script="Tfng" typeface="Ebrima"/>
       </a:minorFont>
     </a:fontScheme>
-    <a:fmtScheme name="Office">
+    <a:fmtScheme name="Gallery">
       <a:fillStyleLst>
         <a:solidFill>
           <a:schemeClr val="phClr"/>
@@ -3766,23 +4220,18 @@
           <a:gsLst>
             <a:gs pos="0">
               <a:schemeClr val="phClr">
+                <a:tint val="54000"/>
+                <a:alpha val="100000"/>
+                <a:satMod val="105000"/>
                 <a:lumMod val="110000"/>
-                <a:satMod val="105000"/>
-                <a:tint val="67000"/>
-              </a:schemeClr>
-            </a:gs>
-            <a:gs pos="50000">
-              <a:schemeClr val="phClr">
-                <a:lumMod val="105000"/>
-                <a:satMod val="103000"/>
-                <a:tint val="73000"/>
               </a:schemeClr>
             </a:gs>
             <a:gs pos="100000">
               <a:schemeClr val="phClr">
-                <a:lumMod val="105000"/>
+                <a:tint val="78000"/>
+                <a:alpha val="92000"/>
                 <a:satMod val="109000"/>
-                <a:tint val="81000"/>
+                <a:lumMod val="100000"/>
               </a:schemeClr>
             </a:gs>
           </a:gsLst>
@@ -3792,23 +4241,23 @@
           <a:gsLst>
             <a:gs pos="0">
               <a:schemeClr val="phClr">
-                <a:satMod val="103000"/>
-                <a:lumMod val="102000"/>
-                <a:tint val="94000"/>
+                <a:tint val="98000"/>
+                <a:satMod val="110000"/>
+                <a:lumMod val="104000"/>
               </a:schemeClr>
             </a:gs>
-            <a:gs pos="50000">
+            <a:gs pos="69000">
               <a:schemeClr val="phClr">
-                <a:satMod val="110000"/>
-                <a:lumMod val="100000"/>
-                <a:shade val="100000"/>
+                <a:shade val="88000"/>
+                <a:satMod val="130000"/>
+                <a:lumMod val="92000"/>
               </a:schemeClr>
             </a:gs>
             <a:gs pos="100000">
               <a:schemeClr val="phClr">
-                <a:lumMod val="99000"/>
-                <a:satMod val="120000"/>
                 <a:shade val="78000"/>
+                <a:satMod val="130000"/>
+                <a:lumMod val="92000"/>
               </a:schemeClr>
             </a:gs>
           </a:gsLst>
@@ -3816,26 +4265,23 @@
         </a:gradFill>
       </a:fillStyleLst>
       <a:lnStyleLst>
-        <a:ln w="12700" cap="flat" cmpd="sng" algn="ctr">
+        <a:ln w="9525" cap="flat" cmpd="sng" algn="ctr">
           <a:solidFill>
             <a:schemeClr val="phClr"/>
           </a:solidFill>
           <a:prstDash val="solid"/>
-          <a:miter lim="800000"/>
         </a:ln>
-        <a:ln w="19050" cap="flat" cmpd="sng" algn="ctr">
+        <a:ln w="15875" cap="flat" cmpd="sng" algn="ctr">
           <a:solidFill>
             <a:schemeClr val="phClr"/>
           </a:solidFill>
           <a:prstDash val="solid"/>
-          <a:miter lim="800000"/>
         </a:ln>
-        <a:ln w="25400" cap="flat" cmpd="sng" algn="ctr">
+        <a:ln w="22225" cap="flat" cmpd="sng" algn="ctr">
           <a:solidFill>
             <a:schemeClr val="phClr"/>
           </a:solidFill>
           <a:prstDash val="solid"/>
-          <a:miter lim="800000"/>
         </a:ln>
       </a:lnStyleLst>
       <a:effectStyleLst>
@@ -3847,12 +4293,23 @@
         </a:effectStyle>
         <a:effectStyle>
           <a:effectLst>
-            <a:outerShdw blurRad="57150" dist="19050" dir="5400000" algn="ctr" rotWithShape="0">
+            <a:outerShdw blurRad="50800" dist="50800" dir="5400000" sx="96000" sy="96000" rotWithShape="0">
               <a:srgbClr val="000000">
-                <a:alpha val="63000"/>
+                <a:alpha val="48000"/>
               </a:srgbClr>
             </a:outerShdw>
           </a:effectLst>
+          <a:scene3d>
+            <a:camera prst="orthographicFront">
+              <a:rot lat="0" lon="0" rev="0"/>
+            </a:camera>
+            <a:lightRig rig="balanced" dir="t">
+              <a:rot lat="0" lon="0" rev="1080000"/>
+            </a:lightRig>
+          </a:scene3d>
+          <a:sp3d>
+            <a:bevelT w="38100" h="12700" prst="softRound"/>
+          </a:sp3d>
         </a:effectStyle>
       </a:effectStyleLst>
       <a:bgFillStyleLst>
@@ -3860,66 +4317,35 @@
           <a:schemeClr val="phClr"/>
         </a:solidFill>
         <a:solidFill>
-          <a:schemeClr val="phClr">
-            <a:tint val="95000"/>
-            <a:satMod val="170000"/>
-          </a:schemeClr>
+          <a:schemeClr val="phClr"/>
         </a:solidFill>
         <a:gradFill rotWithShape="1">
           <a:gsLst>
             <a:gs pos="0">
               <a:schemeClr val="phClr">
-                <a:tint val="93000"/>
-                <a:satMod val="150000"/>
-                <a:shade val="98000"/>
-                <a:lumMod val="102000"/>
-              </a:schemeClr>
-            </a:gs>
-            <a:gs pos="50000">
-              <a:schemeClr val="phClr">
-                <a:tint val="98000"/>
-                <a:satMod val="130000"/>
-                <a:shade val="90000"/>
-                <a:lumMod val="103000"/>
+                <a:tint val="94000"/>
+                <a:satMod val="80000"/>
+                <a:lumMod val="106000"/>
               </a:schemeClr>
             </a:gs>
             <a:gs pos="100000">
               <a:schemeClr val="phClr">
-                <a:shade val="63000"/>
-                <a:satMod val="120000"/>
+                <a:shade val="80000"/>
               </a:schemeClr>
             </a:gs>
           </a:gsLst>
-          <a:lin ang="5400000" scaled="0"/>
+          <a:path path="circle">
+            <a:fillToRect l="43000" r="43000" b="100000"/>
+          </a:path>
         </a:gradFill>
       </a:bgFillStyleLst>
     </a:fmtScheme>
   </a:themeElements>
-  <a:objectDefaults>
-    <a:lnDef>
-      <a:spPr/>
-      <a:bodyPr/>
-      <a:lstStyle/>
-      <a:style>
-        <a:lnRef idx="2">
-          <a:schemeClr val="accent1"/>
-        </a:lnRef>
-        <a:fillRef idx="0">
-          <a:schemeClr val="accent1"/>
-        </a:fillRef>
-        <a:effectRef idx="1">
-          <a:schemeClr val="accent1"/>
-        </a:effectRef>
-        <a:fontRef idx="minor">
-          <a:schemeClr val="tx1"/>
-        </a:fontRef>
-      </a:style>
-    </a:lnDef>
-  </a:objectDefaults>
+  <a:objectDefaults/>
   <a:extraClrSchemeLst/>
   <a:extLst>
     <a:ext uri="{05A4C25C-085E-4340-85A3-A5531E510DB2}">
-      <thm15:themeFamily xmlns:thm15="http://schemas.microsoft.com/office/thememl/2012/main" name="Office Theme" id="{2E142A2C-CD16-42D6-873A-C26D2A0506FA}" vid="{1BDDFF52-6CD6-40A5-AB3C-68EB2F1E4D0A}"/>
+      <thm15:themeFamily xmlns:thm15="http://schemas.microsoft.com/office/thememl/2012/main" name="Gallery" id="{BBFCD31E-59A1-489D-B089-A3EAD7CAE12E}" vid="{F5E91637-A7B6-4E27-B710-77DA7014EE1E}"/>
     </a:ext>
   </a:extLst>
 </a:theme>

--- a/public/websitepopup/Phishing.pptx
+++ b/public/websitepopup/Phishing.pptx
@@ -2,7 +2,7 @@
 <file path=ppt/presentation.xml><?xml version="1.0" encoding="utf-8"?>
 <p:presentation xmlns:a="http://schemas.openxmlformats.org/drawingml/2006/main" xmlns:r="http://schemas.openxmlformats.org/officeDocument/2006/relationships" xmlns:p="http://schemas.openxmlformats.org/presentationml/2006/main" saveSubsetFonts="1" autoCompressPictures="0">
   <p:sldMasterIdLst>
-    <p:sldMasterId id="2147483696" r:id="rId1"/>
+    <p:sldMasterId id="2147483660" r:id="rId1"/>
   </p:sldMasterIdLst>
   <p:sldIdLst>
     <p:sldId id="256" r:id="rId2"/>
@@ -266,7 +266,7 @@
           <a:p>
             <a:fld id="{5BCAD085-E8A6-8845-BD4E-CB4CCA059FC4}" type="datetimeFigureOut">
               <a:rPr lang="en-US" smtClean="0"/>
-              <a:t>9/26/2025</a:t>
+              <a:t>9/29/2025</a:t>
             </a:fld>
             <a:endParaRPr lang="en-US"/>
           </a:p>
@@ -358,7 +358,7 @@
     </p:spTree>
     <p:extLst>
       <p:ext uri="{BB962C8B-B14F-4D97-AF65-F5344CB8AC3E}">
-        <p14:creationId xmlns:p14="http://schemas.microsoft.com/office/powerpoint/2010/main" val="807197543"/>
+        <p14:creationId xmlns:p14="http://schemas.microsoft.com/office/powerpoint/2010/main" val="2425169550"/>
       </p:ext>
     </p:extLst>
   </p:cSld>
@@ -508,7 +508,7 @@
           <a:p>
             <a:fld id="{5BCAD085-E8A6-8845-BD4E-CB4CCA059FC4}" type="datetimeFigureOut">
               <a:rPr lang="en-US" smtClean="0"/>
-              <a:t>9/26/2025</a:t>
+              <a:t>9/29/2025</a:t>
             </a:fld>
             <a:endParaRPr lang="en-US"/>
           </a:p>
@@ -559,7 +559,7 @@
     </p:spTree>
     <p:extLst>
       <p:ext uri="{BB962C8B-B14F-4D97-AF65-F5344CB8AC3E}">
-        <p14:creationId xmlns:p14="http://schemas.microsoft.com/office/powerpoint/2010/main" val="2853556557"/>
+        <p14:creationId xmlns:p14="http://schemas.microsoft.com/office/powerpoint/2010/main" val="2999774020"/>
       </p:ext>
     </p:extLst>
   </p:cSld>
@@ -692,7 +692,7 @@
           <a:p>
             <a:fld id="{5BCAD085-E8A6-8845-BD4E-CB4CCA059FC4}" type="datetimeFigureOut">
               <a:rPr lang="en-US" smtClean="0"/>
-              <a:t>9/26/2025</a:t>
+              <a:t>9/29/2025</a:t>
             </a:fld>
             <a:endParaRPr lang="en-US"/>
           </a:p>
@@ -774,7 +774,7 @@
     </p:spTree>
     <p:extLst>
       <p:ext uri="{BB962C8B-B14F-4D97-AF65-F5344CB8AC3E}">
-        <p14:creationId xmlns:p14="http://schemas.microsoft.com/office/powerpoint/2010/main" val="2089508149"/>
+        <p14:creationId xmlns:p14="http://schemas.microsoft.com/office/powerpoint/2010/main" val="3850362994"/>
       </p:ext>
     </p:extLst>
   </p:cSld>
@@ -893,7 +893,7 @@
           <a:p>
             <a:fld id="{5BCAD085-E8A6-8845-BD4E-CB4CCA059FC4}" type="datetimeFigureOut">
               <a:rPr lang="en-US" smtClean="0"/>
-              <a:t>9/26/2025</a:t>
+              <a:t>9/29/2025</a:t>
             </a:fld>
             <a:endParaRPr lang="en-US"/>
           </a:p>
@@ -975,7 +975,7 @@
     </p:spTree>
     <p:extLst>
       <p:ext uri="{BB962C8B-B14F-4D97-AF65-F5344CB8AC3E}">
-        <p14:creationId xmlns:p14="http://schemas.microsoft.com/office/powerpoint/2010/main" val="4218163895"/>
+        <p14:creationId xmlns:p14="http://schemas.microsoft.com/office/powerpoint/2010/main" val="10017057"/>
       </p:ext>
     </p:extLst>
   </p:cSld>
@@ -1172,7 +1172,7 @@
           <a:p>
             <a:fld id="{5BCAD085-E8A6-8845-BD4E-CB4CCA059FC4}" type="datetimeFigureOut">
               <a:rPr lang="en-US" smtClean="0"/>
-              <a:t>9/26/2025</a:t>
+              <a:t>9/29/2025</a:t>
             </a:fld>
             <a:endParaRPr lang="en-US"/>
           </a:p>
@@ -1254,7 +1254,7 @@
     </p:spTree>
     <p:extLst>
       <p:ext uri="{BB962C8B-B14F-4D97-AF65-F5344CB8AC3E}">
-        <p14:creationId xmlns:p14="http://schemas.microsoft.com/office/powerpoint/2010/main" val="1062874799"/>
+        <p14:creationId xmlns:p14="http://schemas.microsoft.com/office/powerpoint/2010/main" val="1209459503"/>
       </p:ext>
     </p:extLst>
   </p:cSld>
@@ -1440,7 +1440,7 @@
           <a:p>
             <a:fld id="{5BCAD085-E8A6-8845-BD4E-CB4CCA059FC4}" type="datetimeFigureOut">
               <a:rPr lang="en-US" smtClean="0"/>
-              <a:t>9/26/2025</a:t>
+              <a:t>9/29/2025</a:t>
             </a:fld>
             <a:endParaRPr lang="en-US"/>
           </a:p>
@@ -1522,7 +1522,7 @@
     </p:spTree>
     <p:extLst>
       <p:ext uri="{BB962C8B-B14F-4D97-AF65-F5344CB8AC3E}">
-        <p14:creationId xmlns:p14="http://schemas.microsoft.com/office/powerpoint/2010/main" val="2948991840"/>
+        <p14:creationId xmlns:p14="http://schemas.microsoft.com/office/powerpoint/2010/main" val="3878098889"/>
       </p:ext>
     </p:extLst>
   </p:cSld>
@@ -1887,7 +1887,7 @@
           <a:p>
             <a:fld id="{5BCAD085-E8A6-8845-BD4E-CB4CCA059FC4}" type="datetimeFigureOut">
               <a:rPr lang="en-US" smtClean="0"/>
-              <a:t>9/26/2025</a:t>
+              <a:t>9/29/2025</a:t>
             </a:fld>
             <a:endParaRPr lang="en-US"/>
           </a:p>
@@ -1938,7 +1938,7 @@
     </p:spTree>
     <p:extLst>
       <p:ext uri="{BB962C8B-B14F-4D97-AF65-F5344CB8AC3E}">
-        <p14:creationId xmlns:p14="http://schemas.microsoft.com/office/powerpoint/2010/main" val="3082928722"/>
+        <p14:creationId xmlns:p14="http://schemas.microsoft.com/office/powerpoint/2010/main" val="1752374503"/>
       </p:ext>
     </p:extLst>
   </p:cSld>
@@ -2036,7 +2036,7 @@
           <a:p>
             <a:fld id="{5BCAD085-E8A6-8845-BD4E-CB4CCA059FC4}" type="datetimeFigureOut">
               <a:rPr lang="en-US" smtClean="0"/>
-              <a:t>9/26/2025</a:t>
+              <a:t>9/29/2025</a:t>
             </a:fld>
             <a:endParaRPr lang="en-US"/>
           </a:p>
@@ -2087,7 +2087,7 @@
     </p:spTree>
     <p:extLst>
       <p:ext uri="{BB962C8B-B14F-4D97-AF65-F5344CB8AC3E}">
-        <p14:creationId xmlns:p14="http://schemas.microsoft.com/office/powerpoint/2010/main" val="1742647191"/>
+        <p14:creationId xmlns:p14="http://schemas.microsoft.com/office/powerpoint/2010/main" val="2843665889"/>
       </p:ext>
     </p:extLst>
   </p:cSld>
@@ -2131,7 +2131,7 @@
           <a:p>
             <a:fld id="{5BCAD085-E8A6-8845-BD4E-CB4CCA059FC4}" type="datetimeFigureOut">
               <a:rPr lang="en-US" smtClean="0"/>
-              <a:t>9/26/2025</a:t>
+              <a:t>9/29/2025</a:t>
             </a:fld>
             <a:endParaRPr lang="en-US"/>
           </a:p>
@@ -2182,7 +2182,7 @@
     </p:spTree>
     <p:extLst>
       <p:ext uri="{BB962C8B-B14F-4D97-AF65-F5344CB8AC3E}">
-        <p14:creationId xmlns:p14="http://schemas.microsoft.com/office/powerpoint/2010/main" val="956296218"/>
+        <p14:creationId xmlns:p14="http://schemas.microsoft.com/office/powerpoint/2010/main" val="1804626600"/>
       </p:ext>
     </p:extLst>
   </p:cSld>
@@ -2384,7 +2384,7 @@
           <a:p>
             <a:fld id="{5BCAD085-E8A6-8845-BD4E-CB4CCA059FC4}" type="datetimeFigureOut">
               <a:rPr lang="en-US" smtClean="0"/>
-              <a:t>9/26/2025</a:t>
+              <a:t>9/29/2025</a:t>
             </a:fld>
             <a:endParaRPr lang="en-US"/>
           </a:p>
@@ -2466,7 +2466,7 @@
     </p:spTree>
     <p:extLst>
       <p:ext uri="{BB962C8B-B14F-4D97-AF65-F5344CB8AC3E}">
-        <p14:creationId xmlns:p14="http://schemas.microsoft.com/office/powerpoint/2010/main" val="794717645"/>
+        <p14:creationId xmlns:p14="http://schemas.microsoft.com/office/powerpoint/2010/main" val="3928982907"/>
       </p:ext>
     </p:extLst>
   </p:cSld>
@@ -2829,7 +2829,7 @@
           <a:p>
             <a:fld id="{5BCAD085-E8A6-8845-BD4E-CB4CCA059FC4}" type="datetimeFigureOut">
               <a:rPr lang="en-US" smtClean="0"/>
-              <a:t>9/26/2025</a:t>
+              <a:t>9/29/2025</a:t>
             </a:fld>
             <a:endParaRPr lang="en-US"/>
           </a:p>
@@ -2916,7 +2916,7 @@
     </p:spTree>
     <p:extLst>
       <p:ext uri="{BB962C8B-B14F-4D97-AF65-F5344CB8AC3E}">
-        <p14:creationId xmlns:p14="http://schemas.microsoft.com/office/powerpoint/2010/main" val="2816729844"/>
+        <p14:creationId xmlns:p14="http://schemas.microsoft.com/office/powerpoint/2010/main" val="486463360"/>
       </p:ext>
     </p:extLst>
   </p:cSld>
@@ -3193,7 +3193,7 @@
           <a:p>
             <a:fld id="{5BCAD085-E8A6-8845-BD4E-CB4CCA059FC4}" type="datetimeFigureOut">
               <a:rPr lang="en-US" smtClean="0"/>
-              <a:t>9/26/2025</a:t>
+              <a:t>9/29/2025</a:t>
             </a:fld>
             <a:endParaRPr lang="en-US"/>
           </a:p>
@@ -3278,23 +3278,23 @@
     </p:spTree>
     <p:extLst>
       <p:ext uri="{BB962C8B-B14F-4D97-AF65-F5344CB8AC3E}">
-        <p14:creationId xmlns:p14="http://schemas.microsoft.com/office/powerpoint/2010/main" val="3059913128"/>
+        <p14:creationId xmlns:p14="http://schemas.microsoft.com/office/powerpoint/2010/main" val="1650146979"/>
       </p:ext>
     </p:extLst>
   </p:cSld>
   <p:clrMap bg1="lt1" tx1="dk1" bg2="lt2" tx2="dk2" accent1="accent1" accent2="accent2" accent3="accent3" accent4="accent4" accent5="accent5" accent6="accent6" hlink="hlink" folHlink="folHlink"/>
   <p:sldLayoutIdLst>
-    <p:sldLayoutId id="2147483697" r:id="rId1"/>
-    <p:sldLayoutId id="2147483698" r:id="rId2"/>
-    <p:sldLayoutId id="2147483699" r:id="rId3"/>
-    <p:sldLayoutId id="2147483700" r:id="rId4"/>
-    <p:sldLayoutId id="2147483701" r:id="rId5"/>
-    <p:sldLayoutId id="2147483702" r:id="rId6"/>
-    <p:sldLayoutId id="2147483703" r:id="rId7"/>
-    <p:sldLayoutId id="2147483704" r:id="rId8"/>
-    <p:sldLayoutId id="2147483705" r:id="rId9"/>
-    <p:sldLayoutId id="2147483706" r:id="rId10"/>
-    <p:sldLayoutId id="2147483707" r:id="rId11"/>
+    <p:sldLayoutId id="2147483661" r:id="rId1"/>
+    <p:sldLayoutId id="2147483662" r:id="rId2"/>
+    <p:sldLayoutId id="2147483663" r:id="rId3"/>
+    <p:sldLayoutId id="2147483664" r:id="rId4"/>
+    <p:sldLayoutId id="2147483665" r:id="rId5"/>
+    <p:sldLayoutId id="2147483666" r:id="rId6"/>
+    <p:sldLayoutId id="2147483667" r:id="rId7"/>
+    <p:sldLayoutId id="2147483668" r:id="rId8"/>
+    <p:sldLayoutId id="2147483669" r:id="rId9"/>
+    <p:sldLayoutId id="2147483670" r:id="rId10"/>
+    <p:sldLayoutId id="2147483671" r:id="rId11"/>
   </p:sldLayoutIdLst>
   <p:txStyles>
     <p:titleStyle>
@@ -3658,7 +3658,7 @@
           <a:lstStyle/>
           <a:p>
             <a:r>
-              <a:t>Phishing: Stay Safe Online</a:t>
+              <a:t>Phishing Awareness</a:t>
             </a:r>
           </a:p>
         </p:txBody>
@@ -3679,12 +3679,7 @@
           <a:lstStyle/>
           <a:p>
             <a:r>
-              <a:t>Simple tips to spot and avoid phishing</a:t>
-            </a:r>
-          </a:p>
-          <a:p>
-            <a:r>
-              <a:t>(5-slide quick guide)</a:t>
+              <a:t>Cyber Rangers Training – ICT302 Project</a:t>
             </a:r>
           </a:p>
         </p:txBody>
@@ -3730,7 +3725,7 @@
           <a:lstStyle/>
           <a:p>
             <a:r>
-              <a:t>What is phishing?</a:t>
+              <a:t>What is Phishing?</a:t>
             </a:r>
           </a:p>
         </p:txBody>
@@ -3750,29 +3745,43 @@
           <a:bodyPr/>
           <a:lstStyle/>
           <a:p>
-            <a:pPr>
-              <a:defRPr sz="1800"/>
-            </a:pPr>
             <a:r>
               <a:rPr dirty="0"/>
-              <a:t>A scam that tricks you into giving personal info (passwords, card</a:t>
-            </a:r>
-            <a:r>
-              <a:rPr lang="en-US" dirty="0"/>
-              <a:t> details</a:t>
-            </a:r>
+              <a:t>Cybercrime tricking you into revealing sensitive info</a:t>
+            </a:r>
+          </a:p>
+          <a:p>
             <a:r>
               <a:rPr dirty="0"/>
-              <a:t>).</a:t>
-            </a:r>
-          </a:p>
-          <a:p>
-            <a:pPr>
-              <a:defRPr sz="1800"/>
-            </a:pPr>
+              <a:t>Usually comes through:</a:t>
+            </a:r>
+            <a:endParaRPr lang="en-US" dirty="0"/>
+          </a:p>
+          <a:p>
+            <a:pPr lvl="1"/>
             <a:r>
               <a:rPr dirty="0"/>
-              <a:t>Usually uses fake emails, messages or websites pretending to be real.</a:t>
+              <a:t>Emails (fake invoices, overdue notices)</a:t>
+            </a:r>
+          </a:p>
+          <a:p>
+            <a:pPr lvl="1"/>
+            <a:r>
+              <a:rPr dirty="0"/>
+              <a:t>SMS messages (fake bank/OTP requests)</a:t>
+            </a:r>
+          </a:p>
+          <a:p>
+            <a:pPr lvl="1"/>
+            <a:r>
+              <a:rPr dirty="0"/>
+              <a:t>QR codes (leading to malicious websites)</a:t>
+            </a:r>
+          </a:p>
+          <a:p>
+            <a:r>
+              <a:rPr dirty="0"/>
+              <a:t>Goal: steal passwords, money, or personal data</a:t>
             </a:r>
           </a:p>
         </p:txBody>
@@ -3818,7 +3827,7 @@
           <a:lstStyle/>
           <a:p>
             <a:r>
-              <a:t>Common phishing types</a:t>
+              <a:t>Real Examples in Our Game</a:t>
             </a:r>
           </a:p>
         </p:txBody>
@@ -3838,46 +3847,75 @@
           <a:bodyPr/>
           <a:lstStyle/>
           <a:p>
-            <a:pPr>
-              <a:defRPr sz="1800"/>
+            <a:r>
+              <a:rPr dirty="0"/>
+              <a:t>SMS Phishing – 'Click this link to verify your account'</a:t>
+            </a:r>
+          </a:p>
+          <a:p>
+            <a:r>
+              <a:rPr dirty="0"/>
+              <a:t>QR Code Phishing – scan leads to fake login page</a:t>
+            </a:r>
+          </a:p>
+          <a:p>
+            <a:r>
+              <a:rPr dirty="0"/>
+              <a:t>Email Phishing – fake Murdoch University payment notice</a:t>
+            </a:r>
+          </a:p>
+          <a:p>
+            <a:pPr marL="0" indent="0">
+              <a:buNone/>
             </a:pPr>
+            <a:endParaRPr lang="en-US" dirty="0"/>
+          </a:p>
+          <a:p>
+            <a:pPr marL="0" indent="0">
+              <a:buNone/>
+            </a:pPr>
             <a:r>
               <a:rPr dirty="0"/>
-              <a:t>Email phishing: fake emails asking to click a link or login.</a:t>
-            </a:r>
-          </a:p>
-          <a:p>
-            <a:pPr>
-              <a:defRPr sz="1800"/>
+              <a:t>(These are the Easter eggs in your Library storyline</a:t>
+            </a:r>
+            <a:r>
+              <a:rPr lang="en-US" dirty="0"/>
+              <a:t>)</a:t>
+            </a:r>
+          </a:p>
+          <a:p>
+            <a:pPr marL="0" indent="0">
+              <a:buNone/>
             </a:pPr>
             <a:r>
-              <a:rPr dirty="0"/>
-              <a:t>Spear phishing: targeted messages that seem personal.</a:t>
-            </a:r>
-          </a:p>
-          <a:p>
-            <a:pPr>
-              <a:defRPr sz="1800"/>
-            </a:pPr>
-            <a:r>
-              <a:rPr dirty="0"/>
-              <a:t>Smishing &amp; vishing: SMS or phone-call based scams.</a:t>
-            </a:r>
-            <a:endParaRPr lang="en-US" dirty="0"/>
-          </a:p>
-          <a:p>
-            <a:pPr>
-              <a:defRPr sz="1800"/>
-            </a:pPr>
-            <a:r>
-              <a:rPr lang="en-SG" dirty="0" err="1"/>
-              <a:t>Quishing</a:t>
-            </a:r>
-            <a:r>
-              <a:rPr lang="en-SG" dirty="0"/>
-              <a:t>: phishing through the use of QR codes</a:t>
-            </a:r>
-            <a:endParaRPr dirty="0"/>
+              <a:rPr lang="en-US" dirty="0">
+                <a:solidFill>
+                  <a:srgbClr val="FF0000"/>
+                </a:solidFill>
+              </a:rPr>
+              <a:t>Find ‘</a:t>
+            </a:r>
+            <a:r>
+              <a:rPr lang="en-US" dirty="0" err="1">
+                <a:solidFill>
+                  <a:srgbClr val="FF0000"/>
+                </a:solidFill>
+              </a:rPr>
+              <a:t>em</a:t>
+            </a:r>
+            <a:r>
+              <a:rPr lang="en-US" dirty="0">
+                <a:solidFill>
+                  <a:srgbClr val="FF0000"/>
+                </a:solidFill>
+              </a:rPr>
+              <a:t> all!</a:t>
+            </a:r>
+            <a:endParaRPr dirty="0">
+              <a:solidFill>
+                <a:srgbClr val="FF0000"/>
+              </a:solidFill>
+            </a:endParaRPr>
           </a:p>
         </p:txBody>
       </p:sp>
@@ -3922,7 +3960,7 @@
           <a:lstStyle/>
           <a:p>
             <a:r>
-              <a:t>How to spot phishing</a:t>
+              <a:t>How to Spot Phishing</a:t>
             </a:r>
           </a:p>
         </p:txBody>
@@ -3942,39 +3980,28 @@
           <a:bodyPr/>
           <a:lstStyle/>
           <a:p>
-            <a:pPr>
-              <a:defRPr sz="1800"/>
-            </a:pPr>
-            <a:r>
-              <a:rPr dirty="0"/>
-              <a:t>Suspicious sender address or small spelling changes in domain.</a:t>
-            </a:r>
-          </a:p>
-          <a:p>
-            <a:pPr>
-              <a:defRPr sz="1800"/>
-            </a:pPr>
-            <a:r>
-              <a:rPr dirty="0"/>
-              <a:t>Urgent requests, threats, or 'verify now' messages.</a:t>
-            </a:r>
-          </a:p>
-          <a:p>
-            <a:pPr>
-              <a:defRPr sz="1800"/>
-            </a:pPr>
-            <a:r>
-              <a:rPr dirty="0"/>
-              <a:t>Links that don’t match the displayed text — hover to preview.</a:t>
-            </a:r>
-          </a:p>
-          <a:p>
-            <a:pPr>
-              <a:defRPr sz="1800"/>
-            </a:pPr>
-            <a:r>
-              <a:rPr dirty="0"/>
-              <a:t>Attachments you weren't expecting (.exe, .zip are risky).</a:t>
+            <a:r>
+              <a:t>✅ Check sender address and spelling</a:t>
+            </a:r>
+          </a:p>
+          <a:p>
+            <a:r>
+              <a:t>✅ Hover over links before clicking</a:t>
+            </a:r>
+          </a:p>
+          <a:p>
+            <a:r>
+              <a:t>✅ Don’t trust urgent 'Pay Now!' messages</a:t>
+            </a:r>
+          </a:p>
+          <a:p>
+            <a:r>
+              <a:t>✅ Avoid scanning random QR codes</a:t>
+            </a:r>
+          </a:p>
+          <a:p>
+            <a:r>
+              <a:t>✅ Verify with the real source (bank, university, etc.)</a:t>
             </a:r>
           </a:p>
         </p:txBody>
@@ -4020,7 +4047,7 @@
           <a:lstStyle/>
           <a:p>
             <a:r>
-              <a:t>Protect yourself — quick tips</a:t>
+              <a:t>Stay Safe Online</a:t>
             </a:r>
           </a:p>
         </p:txBody>
@@ -4040,52 +4067,27 @@
           <a:bodyPr/>
           <a:lstStyle/>
           <a:p>
-            <a:pPr>
-              <a:defRPr sz="1800"/>
-            </a:pPr>
             <a:r>
               <a:rPr dirty="0"/>
-              <a:t>Verify sender separately</a:t>
-            </a:r>
-            <a:endParaRPr lang="en-SG"/>
-          </a:p>
-          <a:p>
-            <a:pPr>
-              <a:defRPr sz="1800"/>
-            </a:pPr>
-            <a:r>
-              <a:t>Don't </a:t>
-            </a:r>
+              <a:t>Be skeptical, pause before clicking</a:t>
+            </a:r>
+          </a:p>
+          <a:p>
             <a:r>
               <a:rPr dirty="0"/>
-              <a:t>click links — go to the website directly</a:t>
-            </a:r>
-          </a:p>
-          <a:p>
-            <a:pPr>
-              <a:defRPr sz="1800"/>
-            </a:pPr>
+              <a:t>Report suspicious messages to IT/security team</a:t>
+            </a:r>
+          </a:p>
+          <a:p>
             <a:r>
               <a:rPr dirty="0"/>
-              <a:t>Enable 2FA on important accounts.</a:t>
-            </a:r>
-          </a:p>
-          <a:p>
-            <a:pPr>
-              <a:defRPr sz="1800"/>
-            </a:pPr>
+              <a:t>Always check the official website directly</a:t>
+            </a:r>
+          </a:p>
+          <a:p>
             <a:r>
               <a:rPr dirty="0"/>
-              <a:t>Keep software updated and use reputable antivirus.</a:t>
-            </a:r>
-          </a:p>
-          <a:p>
-            <a:pPr>
-              <a:defRPr sz="1800"/>
-            </a:pPr>
-            <a:r>
-              <a:rPr dirty="0"/>
-              <a:t>When unsure, report to IT or delete the message.</a:t>
+              <a:t>Remember: Think Before You Click!</a:t>
             </a:r>
           </a:p>
         </p:txBody>

--- a/public/websitepopup/Phishing.pptx
+++ b/public/websitepopup/Phishing.pptx
@@ -266,7 +266,7 @@
           <a:p>
             <a:fld id="{5BCAD085-E8A6-8845-BD4E-CB4CCA059FC4}" type="datetimeFigureOut">
               <a:rPr lang="en-US" smtClean="0"/>
-              <a:t>9/29/2025</a:t>
+              <a:t>9/30/2025</a:t>
             </a:fld>
             <a:endParaRPr lang="en-US"/>
           </a:p>
@@ -508,7 +508,7 @@
           <a:p>
             <a:fld id="{5BCAD085-E8A6-8845-BD4E-CB4CCA059FC4}" type="datetimeFigureOut">
               <a:rPr lang="en-US" smtClean="0"/>
-              <a:t>9/29/2025</a:t>
+              <a:t>9/30/2025</a:t>
             </a:fld>
             <a:endParaRPr lang="en-US"/>
           </a:p>
@@ -692,7 +692,7 @@
           <a:p>
             <a:fld id="{5BCAD085-E8A6-8845-BD4E-CB4CCA059FC4}" type="datetimeFigureOut">
               <a:rPr lang="en-US" smtClean="0"/>
-              <a:t>9/29/2025</a:t>
+              <a:t>9/30/2025</a:t>
             </a:fld>
             <a:endParaRPr lang="en-US"/>
           </a:p>
@@ -893,7 +893,7 @@
           <a:p>
             <a:fld id="{5BCAD085-E8A6-8845-BD4E-CB4CCA059FC4}" type="datetimeFigureOut">
               <a:rPr lang="en-US" smtClean="0"/>
-              <a:t>9/29/2025</a:t>
+              <a:t>9/30/2025</a:t>
             </a:fld>
             <a:endParaRPr lang="en-US"/>
           </a:p>
@@ -1172,7 +1172,7 @@
           <a:p>
             <a:fld id="{5BCAD085-E8A6-8845-BD4E-CB4CCA059FC4}" type="datetimeFigureOut">
               <a:rPr lang="en-US" smtClean="0"/>
-              <a:t>9/29/2025</a:t>
+              <a:t>9/30/2025</a:t>
             </a:fld>
             <a:endParaRPr lang="en-US"/>
           </a:p>
@@ -1440,7 +1440,7 @@
           <a:p>
             <a:fld id="{5BCAD085-E8A6-8845-BD4E-CB4CCA059FC4}" type="datetimeFigureOut">
               <a:rPr lang="en-US" smtClean="0"/>
-              <a:t>9/29/2025</a:t>
+              <a:t>9/30/2025</a:t>
             </a:fld>
             <a:endParaRPr lang="en-US"/>
           </a:p>
@@ -1887,7 +1887,7 @@
           <a:p>
             <a:fld id="{5BCAD085-E8A6-8845-BD4E-CB4CCA059FC4}" type="datetimeFigureOut">
               <a:rPr lang="en-US" smtClean="0"/>
-              <a:t>9/29/2025</a:t>
+              <a:t>9/30/2025</a:t>
             </a:fld>
             <a:endParaRPr lang="en-US"/>
           </a:p>
@@ -2036,7 +2036,7 @@
           <a:p>
             <a:fld id="{5BCAD085-E8A6-8845-BD4E-CB4CCA059FC4}" type="datetimeFigureOut">
               <a:rPr lang="en-US" smtClean="0"/>
-              <a:t>9/29/2025</a:t>
+              <a:t>9/30/2025</a:t>
             </a:fld>
             <a:endParaRPr lang="en-US"/>
           </a:p>
@@ -2131,7 +2131,7 @@
           <a:p>
             <a:fld id="{5BCAD085-E8A6-8845-BD4E-CB4CCA059FC4}" type="datetimeFigureOut">
               <a:rPr lang="en-US" smtClean="0"/>
-              <a:t>9/29/2025</a:t>
+              <a:t>9/30/2025</a:t>
             </a:fld>
             <a:endParaRPr lang="en-US"/>
           </a:p>
@@ -2384,7 +2384,7 @@
           <a:p>
             <a:fld id="{5BCAD085-E8A6-8845-BD4E-CB4CCA059FC4}" type="datetimeFigureOut">
               <a:rPr lang="en-US" smtClean="0"/>
-              <a:t>9/29/2025</a:t>
+              <a:t>9/30/2025</a:t>
             </a:fld>
             <a:endParaRPr lang="en-US"/>
           </a:p>
@@ -2829,7 +2829,7 @@
           <a:p>
             <a:fld id="{5BCAD085-E8A6-8845-BD4E-CB4CCA059FC4}" type="datetimeFigureOut">
               <a:rPr lang="en-US" smtClean="0"/>
-              <a:t>9/29/2025</a:t>
+              <a:t>9/30/2025</a:t>
             </a:fld>
             <a:endParaRPr lang="en-US"/>
           </a:p>
@@ -3193,7 +3193,7 @@
           <a:p>
             <a:fld id="{5BCAD085-E8A6-8845-BD4E-CB4CCA059FC4}" type="datetimeFigureOut">
               <a:rPr lang="en-US" smtClean="0"/>
-              <a:t>9/29/2025</a:t>
+              <a:t>9/30/2025</a:t>
             </a:fld>
             <a:endParaRPr lang="en-US"/>
           </a:p>
@@ -3909,7 +3909,15 @@
                   <a:srgbClr val="FF0000"/>
                 </a:solidFill>
               </a:rPr>
-              <a:t> all!</a:t>
+              <a:t> all! Interact </a:t>
+            </a:r>
+            <a:r>
+              <a:rPr lang="en-US">
+                <a:solidFill>
+                  <a:srgbClr val="FF0000"/>
+                </a:solidFill>
+              </a:rPr>
+              <a:t>with objects on the map to find them!</a:t>
             </a:r>
             <a:endParaRPr dirty="0">
               <a:solidFill>

--- a/public/websitepopup/Phishing.pptx
+++ b/public/websitepopup/Phishing.pptx
@@ -7,9 +7,12 @@
   <p:sldIdLst>
     <p:sldId id="256" r:id="rId2"/>
     <p:sldId id="257" r:id="rId3"/>
-    <p:sldId id="258" r:id="rId4"/>
-    <p:sldId id="259" r:id="rId5"/>
-    <p:sldId id="260" r:id="rId6"/>
+    <p:sldId id="263" r:id="rId4"/>
+    <p:sldId id="258" r:id="rId5"/>
+    <p:sldId id="259" r:id="rId6"/>
+    <p:sldId id="261" r:id="rId7"/>
+    <p:sldId id="262" r:id="rId8"/>
+    <p:sldId id="260" r:id="rId9"/>
   </p:sldIdLst>
   <p:sldSz cx="9144000" cy="6858000" type="screen4x3"/>
   <p:notesSz cx="6858000" cy="9144000"/>
@@ -266,7 +269,7 @@
           <a:p>
             <a:fld id="{5BCAD085-E8A6-8845-BD4E-CB4CCA059FC4}" type="datetimeFigureOut">
               <a:rPr lang="en-US" smtClean="0"/>
-              <a:t>9/30/2025</a:t>
+              <a:t>10/13/2025</a:t>
             </a:fld>
             <a:endParaRPr lang="en-US"/>
           </a:p>
@@ -508,7 +511,7 @@
           <a:p>
             <a:fld id="{5BCAD085-E8A6-8845-BD4E-CB4CCA059FC4}" type="datetimeFigureOut">
               <a:rPr lang="en-US" smtClean="0"/>
-              <a:t>9/30/2025</a:t>
+              <a:t>10/13/2025</a:t>
             </a:fld>
             <a:endParaRPr lang="en-US"/>
           </a:p>
@@ -692,7 +695,7 @@
           <a:p>
             <a:fld id="{5BCAD085-E8A6-8845-BD4E-CB4CCA059FC4}" type="datetimeFigureOut">
               <a:rPr lang="en-US" smtClean="0"/>
-              <a:t>9/30/2025</a:t>
+              <a:t>10/13/2025</a:t>
             </a:fld>
             <a:endParaRPr lang="en-US"/>
           </a:p>
@@ -893,7 +896,7 @@
           <a:p>
             <a:fld id="{5BCAD085-E8A6-8845-BD4E-CB4CCA059FC4}" type="datetimeFigureOut">
               <a:rPr lang="en-US" smtClean="0"/>
-              <a:t>9/30/2025</a:t>
+              <a:t>10/13/2025</a:t>
             </a:fld>
             <a:endParaRPr lang="en-US"/>
           </a:p>
@@ -1172,7 +1175,7 @@
           <a:p>
             <a:fld id="{5BCAD085-E8A6-8845-BD4E-CB4CCA059FC4}" type="datetimeFigureOut">
               <a:rPr lang="en-US" smtClean="0"/>
-              <a:t>9/30/2025</a:t>
+              <a:t>10/13/2025</a:t>
             </a:fld>
             <a:endParaRPr lang="en-US"/>
           </a:p>
@@ -1440,7 +1443,7 @@
           <a:p>
             <a:fld id="{5BCAD085-E8A6-8845-BD4E-CB4CCA059FC4}" type="datetimeFigureOut">
               <a:rPr lang="en-US" smtClean="0"/>
-              <a:t>9/30/2025</a:t>
+              <a:t>10/13/2025</a:t>
             </a:fld>
             <a:endParaRPr lang="en-US"/>
           </a:p>
@@ -1887,7 +1890,7 @@
           <a:p>
             <a:fld id="{5BCAD085-E8A6-8845-BD4E-CB4CCA059FC4}" type="datetimeFigureOut">
               <a:rPr lang="en-US" smtClean="0"/>
-              <a:t>9/30/2025</a:t>
+              <a:t>10/13/2025</a:t>
             </a:fld>
             <a:endParaRPr lang="en-US"/>
           </a:p>
@@ -2036,7 +2039,7 @@
           <a:p>
             <a:fld id="{5BCAD085-E8A6-8845-BD4E-CB4CCA059FC4}" type="datetimeFigureOut">
               <a:rPr lang="en-US" smtClean="0"/>
-              <a:t>9/30/2025</a:t>
+              <a:t>10/13/2025</a:t>
             </a:fld>
             <a:endParaRPr lang="en-US"/>
           </a:p>
@@ -2131,7 +2134,7 @@
           <a:p>
             <a:fld id="{5BCAD085-E8A6-8845-BD4E-CB4CCA059FC4}" type="datetimeFigureOut">
               <a:rPr lang="en-US" smtClean="0"/>
-              <a:t>9/30/2025</a:t>
+              <a:t>10/13/2025</a:t>
             </a:fld>
             <a:endParaRPr lang="en-US"/>
           </a:p>
@@ -2384,7 +2387,7 @@
           <a:p>
             <a:fld id="{5BCAD085-E8A6-8845-BD4E-CB4CCA059FC4}" type="datetimeFigureOut">
               <a:rPr lang="en-US" smtClean="0"/>
-              <a:t>9/30/2025</a:t>
+              <a:t>10/13/2025</a:t>
             </a:fld>
             <a:endParaRPr lang="en-US"/>
           </a:p>
@@ -2829,7 +2832,7 @@
           <a:p>
             <a:fld id="{5BCAD085-E8A6-8845-BD4E-CB4CCA059FC4}" type="datetimeFigureOut">
               <a:rPr lang="en-US" smtClean="0"/>
-              <a:t>9/30/2025</a:t>
+              <a:t>10/13/2025</a:t>
             </a:fld>
             <a:endParaRPr lang="en-US"/>
           </a:p>
@@ -3193,7 +3196,7 @@
           <a:p>
             <a:fld id="{5BCAD085-E8A6-8845-BD4E-CB4CCA059FC4}" type="datetimeFigureOut">
               <a:rPr lang="en-US" smtClean="0"/>
-              <a:t>9/30/2025</a:t>
+              <a:t>10/13/2025</a:t>
             </a:fld>
             <a:endParaRPr lang="en-US"/>
           </a:p>
@@ -3813,7 +3816,13 @@
       </p:grpSpPr>
       <p:sp>
         <p:nvSpPr>
-          <p:cNvPr id="2" name="Title 1"/>
+          <p:cNvPr id="2" name="Title 1">
+            <a:extLst>
+              <a:ext uri="{FF2B5EF4-FFF2-40B4-BE49-F238E27FC236}">
+                <a16:creationId xmlns:a16="http://schemas.microsoft.com/office/drawing/2014/main" id="{4E7F8EE1-7C98-CBBF-C22F-67C7A4F50E55}"/>
+              </a:ext>
+            </a:extLst>
+          </p:cNvPr>
           <p:cNvSpPr>
             <a:spLocks noGrp="1"/>
           </p:cNvSpPr>
@@ -3827,14 +3836,25 @@
           <a:lstStyle/>
           <a:p>
             <a:r>
-              <a:t>Real Examples in Our Game</a:t>
-            </a:r>
-          </a:p>
-        </p:txBody>
-      </p:sp>
-      <p:sp>
-        <p:nvSpPr>
-          <p:cNvPr id="3" name="Content Placeholder 2"/>
+              <a:rPr lang="en-SG" dirty="0" err="1"/>
+              <a:t>Quishing</a:t>
+            </a:r>
+            <a:r>
+              <a:rPr lang="en-SG" dirty="0"/>
+              <a:t> (example)</a:t>
+            </a:r>
+          </a:p>
+        </p:txBody>
+      </p:sp>
+      <p:sp>
+        <p:nvSpPr>
+          <p:cNvPr id="3" name="Content Placeholder 2">
+            <a:extLst>
+              <a:ext uri="{FF2B5EF4-FFF2-40B4-BE49-F238E27FC236}">
+                <a16:creationId xmlns:a16="http://schemas.microsoft.com/office/drawing/2014/main" id="{E7513CF5-4E1A-AC5E-E1F9-707F345EF7FF}"/>
+              </a:ext>
+            </a:extLst>
+          </p:cNvPr>
           <p:cNvSpPr>
             <a:spLocks noGrp="1"/>
           </p:cNvSpPr>
@@ -3842,92 +3862,82 @@
             <p:ph idx="1"/>
           </p:nvPr>
         </p:nvSpPr>
-        <p:spPr/>
-        <p:txBody>
-          <a:bodyPr/>
-          <a:lstStyle/>
-          <a:p>
-            <a:r>
-              <a:rPr dirty="0"/>
-              <a:t>SMS Phishing – 'Click this link to verify your account'</a:t>
-            </a:r>
-          </a:p>
-          <a:p>
-            <a:r>
-              <a:rPr dirty="0"/>
-              <a:t>QR Code Phishing – scan leads to fake login page</a:t>
-            </a:r>
-          </a:p>
-          <a:p>
-            <a:r>
-              <a:rPr dirty="0"/>
-              <a:t>Email Phishing – fake Murdoch University payment notice</a:t>
-            </a:r>
-          </a:p>
+        <p:spPr>
+          <a:xfrm>
+            <a:off x="575094" y="2015733"/>
+            <a:ext cx="8275607" cy="3850229"/>
+          </a:xfrm>
+        </p:spPr>
+        <p:txBody>
+          <a:bodyPr>
+            <a:normAutofit fontScale="92500" lnSpcReduction="10000"/>
+          </a:bodyPr>
+          <a:lstStyle/>
           <a:p>
             <a:pPr marL="0" indent="0">
               <a:buNone/>
             </a:pPr>
-            <a:endParaRPr lang="en-US" dirty="0"/>
+            <a:r>
+              <a:rPr lang="en-SG" dirty="0">
+                <a:hlinkClick r:id="rId2"/>
+              </a:rPr>
+              <a:t>https://www.straitstimes.com/singapore/woman-who-scanned-qr-code-with-malware-lost-20k-to-bubble-tea-survey-scam-while-she-was-sleeping</a:t>
+            </a:r>
+            <a:endParaRPr lang="en-SG" dirty="0"/>
           </a:p>
           <a:p>
             <a:pPr marL="0" indent="0">
               <a:buNone/>
             </a:pPr>
-            <a:r>
-              <a:rPr dirty="0"/>
-              <a:t>(These are the Easter eggs in your Library storyline</a:t>
-            </a:r>
-            <a:r>
-              <a:rPr lang="en-US" dirty="0"/>
-              <a:t>)</a:t>
-            </a:r>
+            <a:endParaRPr lang="en-SG" dirty="0"/>
           </a:p>
           <a:p>
             <a:pPr marL="0" indent="0">
               <a:buNone/>
             </a:pPr>
             <a:r>
-              <a:rPr lang="en-US" dirty="0">
-                <a:solidFill>
-                  <a:srgbClr val="FF0000"/>
-                </a:solidFill>
-              </a:rPr>
-              <a:t>Find ‘</a:t>
-            </a:r>
-            <a:r>
-              <a:rPr lang="en-US" dirty="0" err="1">
-                <a:solidFill>
-                  <a:srgbClr val="FF0000"/>
-                </a:solidFill>
-              </a:rPr>
-              <a:t>em</a:t>
-            </a:r>
-            <a:r>
-              <a:rPr lang="en-US" dirty="0">
-                <a:solidFill>
-                  <a:srgbClr val="FF0000"/>
-                </a:solidFill>
-              </a:rPr>
-              <a:t> all! Interact </a:t>
-            </a:r>
-            <a:r>
-              <a:rPr lang="en-US">
-                <a:solidFill>
-                  <a:srgbClr val="FF0000"/>
-                </a:solidFill>
-              </a:rPr>
-              <a:t>with objects on the map to find them!</a:t>
-            </a:r>
-            <a:endParaRPr dirty="0">
-              <a:solidFill>
-                <a:srgbClr val="FF0000"/>
-              </a:solidFill>
-            </a:endParaRPr>
+              <a:rPr lang="en-SG" b="1" u="sng" dirty="0"/>
+              <a:t>What happened?</a:t>
+            </a:r>
+          </a:p>
+          <a:p>
+            <a:r>
+              <a:rPr lang="en-SG" dirty="0"/>
+              <a:t>Woman scanned a QR code RIGHT OUTSIDE a bubble tea shop promising a free drink</a:t>
+            </a:r>
+          </a:p>
+          <a:p>
+            <a:r>
+              <a:rPr lang="en-SG" dirty="0"/>
+              <a:t>Unknowingly installed malware on her phone</a:t>
+            </a:r>
+          </a:p>
+          <a:p>
+            <a:r>
+              <a:rPr lang="en-SG" dirty="0"/>
+              <a:t>Scammers remotely access her bank app and transferred $20k while she was asleep</a:t>
+            </a:r>
+          </a:p>
+          <a:p>
+            <a:pPr marL="0" indent="0">
+              <a:buNone/>
+            </a:pPr>
+            <a:endParaRPr lang="en-SG" dirty="0"/>
+          </a:p>
+          <a:p>
+            <a:pPr marL="0" indent="0">
+              <a:buNone/>
+            </a:pPr>
+            <a:endParaRPr lang="en-SG" dirty="0"/>
           </a:p>
         </p:txBody>
       </p:sp>
     </p:spTree>
+    <p:extLst>
+      <p:ext uri="{BB962C8B-B14F-4D97-AF65-F5344CB8AC3E}">
+        <p14:creationId xmlns:p14="http://schemas.microsoft.com/office/powerpoint/2010/main" val="2396218166"/>
+      </p:ext>
+    </p:extLst>
   </p:cSld>
   <p:clrMapOvr>
     <a:masterClrMapping/>
@@ -3968,7 +3978,7 @@
           <a:lstStyle/>
           <a:p>
             <a:r>
-              <a:t>How to Spot Phishing</a:t>
+              <a:t>Real Examples in Our Game</a:t>
             </a:r>
           </a:p>
         </p:txBody>
@@ -3989,28 +3999,82 @@
           <a:lstStyle/>
           <a:p>
             <a:r>
-              <a:t>✅ Check sender address and spelling</a:t>
-            </a:r>
-          </a:p>
-          <a:p>
-            <a:r>
-              <a:t>✅ Hover over links before clicking</a:t>
-            </a:r>
-          </a:p>
-          <a:p>
-            <a:r>
-              <a:t>✅ Don’t trust urgent 'Pay Now!' messages</a:t>
-            </a:r>
-          </a:p>
-          <a:p>
-            <a:r>
-              <a:t>✅ Avoid scanning random QR codes</a:t>
-            </a:r>
-          </a:p>
-          <a:p>
-            <a:r>
-              <a:t>✅ Verify with the real source (bank, university, etc.)</a:t>
-            </a:r>
+              <a:rPr dirty="0"/>
+              <a:t>SMS Phishing – 'Click this link to verify your account'</a:t>
+            </a:r>
+          </a:p>
+          <a:p>
+            <a:r>
+              <a:rPr dirty="0"/>
+              <a:t>QR Code Phishing – scan leads to fake login page</a:t>
+            </a:r>
+          </a:p>
+          <a:p>
+            <a:r>
+              <a:rPr dirty="0"/>
+              <a:t>Email Phishing – fake Murdoch University payment notice</a:t>
+            </a:r>
+          </a:p>
+          <a:p>
+            <a:pPr marL="0" indent="0">
+              <a:buNone/>
+            </a:pPr>
+            <a:endParaRPr lang="en-US" dirty="0"/>
+          </a:p>
+          <a:p>
+            <a:pPr marL="0" indent="0">
+              <a:buNone/>
+            </a:pPr>
+            <a:r>
+              <a:rPr dirty="0"/>
+              <a:t>(These are the Easter eggs in your Library storyline</a:t>
+            </a:r>
+            <a:r>
+              <a:rPr lang="en-US" dirty="0"/>
+              <a:t>)</a:t>
+            </a:r>
+          </a:p>
+          <a:p>
+            <a:pPr marL="0" indent="0">
+              <a:buNone/>
+            </a:pPr>
+            <a:r>
+              <a:rPr lang="en-US" dirty="0">
+                <a:solidFill>
+                  <a:srgbClr val="FF0000"/>
+                </a:solidFill>
+              </a:rPr>
+              <a:t>Find ‘</a:t>
+            </a:r>
+            <a:r>
+              <a:rPr lang="en-US" dirty="0" err="1">
+                <a:solidFill>
+                  <a:srgbClr val="FF0000"/>
+                </a:solidFill>
+              </a:rPr>
+              <a:t>em</a:t>
+            </a:r>
+            <a:r>
+              <a:rPr lang="en-US" dirty="0">
+                <a:solidFill>
+                  <a:srgbClr val="FF0000"/>
+                </a:solidFill>
+              </a:rPr>
+              <a:t> all! Interact </a:t>
+            </a:r>
+            <a:r>
+              <a:rPr lang="en-US">
+                <a:solidFill>
+                  <a:srgbClr val="FF0000"/>
+                </a:solidFill>
+              </a:rPr>
+              <a:t>with objects on the map to find them!</a:t>
+            </a:r>
+            <a:endParaRPr dirty="0">
+              <a:solidFill>
+                <a:srgbClr val="FF0000"/>
+              </a:solidFill>
+            </a:endParaRPr>
           </a:p>
         </p:txBody>
       </p:sp>
@@ -4023,6 +4087,354 @@
 </file>
 
 <file path=ppt/slides/slide5.xml><?xml version="1.0" encoding="utf-8"?>
+<p:sld xmlns:a="http://schemas.openxmlformats.org/drawingml/2006/main" xmlns:r="http://schemas.openxmlformats.org/officeDocument/2006/relationships" xmlns:p="http://schemas.openxmlformats.org/presentationml/2006/main">
+  <p:cSld>
+    <p:spTree>
+      <p:nvGrpSpPr>
+        <p:cNvPr id="1" name=""/>
+        <p:cNvGrpSpPr/>
+        <p:nvPr/>
+      </p:nvGrpSpPr>
+      <p:grpSpPr>
+        <a:xfrm>
+          <a:off x="0" y="0"/>
+          <a:ext cx="0" cy="0"/>
+          <a:chOff x="0" y="0"/>
+          <a:chExt cx="0" cy="0"/>
+        </a:xfrm>
+      </p:grpSpPr>
+      <p:sp>
+        <p:nvSpPr>
+          <p:cNvPr id="2" name="Title 1"/>
+          <p:cNvSpPr>
+            <a:spLocks noGrp="1"/>
+          </p:cNvSpPr>
+          <p:nvPr>
+            <p:ph type="title"/>
+          </p:nvPr>
+        </p:nvSpPr>
+        <p:spPr/>
+        <p:txBody>
+          <a:bodyPr/>
+          <a:lstStyle/>
+          <a:p>
+            <a:r>
+              <a:t>How to Spot Phishing</a:t>
+            </a:r>
+          </a:p>
+        </p:txBody>
+      </p:sp>
+      <p:sp>
+        <p:nvSpPr>
+          <p:cNvPr id="3" name="Content Placeholder 2"/>
+          <p:cNvSpPr>
+            <a:spLocks noGrp="1"/>
+          </p:cNvSpPr>
+          <p:nvPr>
+            <p:ph idx="1"/>
+          </p:nvPr>
+        </p:nvSpPr>
+        <p:spPr/>
+        <p:txBody>
+          <a:bodyPr/>
+          <a:lstStyle/>
+          <a:p>
+            <a:r>
+              <a:rPr dirty="0"/>
+              <a:t>✅ Check sender address and spelling</a:t>
+            </a:r>
+          </a:p>
+          <a:p>
+            <a:r>
+              <a:rPr dirty="0"/>
+              <a:t>✅ Hover over links before clicking</a:t>
+            </a:r>
+          </a:p>
+          <a:p>
+            <a:r>
+              <a:rPr dirty="0"/>
+              <a:t>✅ Don’t trust urgent 'Pay Now!' messages</a:t>
+            </a:r>
+          </a:p>
+          <a:p>
+            <a:r>
+              <a:rPr dirty="0"/>
+              <a:t>✅ Avoid scanning random QR codes</a:t>
+            </a:r>
+          </a:p>
+          <a:p>
+            <a:r>
+              <a:rPr dirty="0"/>
+              <a:t>✅ Verify with the real source (bank, university, etc.)</a:t>
+            </a:r>
+            <a:endParaRPr lang="en-US" dirty="0"/>
+          </a:p>
+          <a:p>
+            <a:endParaRPr lang="en-SG" dirty="0"/>
+          </a:p>
+          <a:p>
+            <a:pPr marL="0" indent="0">
+              <a:buNone/>
+            </a:pPr>
+            <a:r>
+              <a:rPr lang="en-US" dirty="0"/>
+              <a:t>See the next couple of slides for examples.</a:t>
+            </a:r>
+            <a:endParaRPr dirty="0"/>
+          </a:p>
+        </p:txBody>
+      </p:sp>
+    </p:spTree>
+  </p:cSld>
+  <p:clrMapOvr>
+    <a:masterClrMapping/>
+  </p:clrMapOvr>
+</p:sld>
+</file>
+
+<file path=ppt/slides/slide6.xml><?xml version="1.0" encoding="utf-8"?>
+<p:sld xmlns:a="http://schemas.openxmlformats.org/drawingml/2006/main" xmlns:r="http://schemas.openxmlformats.org/officeDocument/2006/relationships" xmlns:p="http://schemas.openxmlformats.org/presentationml/2006/main">
+  <p:cSld>
+    <p:spTree>
+      <p:nvGrpSpPr>
+        <p:cNvPr id="1" name=""/>
+        <p:cNvGrpSpPr/>
+        <p:nvPr/>
+      </p:nvGrpSpPr>
+      <p:grpSpPr>
+        <a:xfrm>
+          <a:off x="0" y="0"/>
+          <a:ext cx="0" cy="0"/>
+          <a:chOff x="0" y="0"/>
+          <a:chExt cx="0" cy="0"/>
+        </a:xfrm>
+      </p:grpSpPr>
+      <p:sp>
+        <p:nvSpPr>
+          <p:cNvPr id="3" name="Content Placeholder 2">
+            <a:extLst>
+              <a:ext uri="{FF2B5EF4-FFF2-40B4-BE49-F238E27FC236}">
+                <a16:creationId xmlns:a16="http://schemas.microsoft.com/office/drawing/2014/main" id="{D1C65BE3-CC2A-8919-0798-4796ABB18EBC}"/>
+              </a:ext>
+            </a:extLst>
+          </p:cNvPr>
+          <p:cNvSpPr>
+            <a:spLocks noGrp="1"/>
+          </p:cNvSpPr>
+          <p:nvPr>
+            <p:ph idx="1"/>
+          </p:nvPr>
+        </p:nvSpPr>
+        <p:spPr>
+          <a:xfrm>
+            <a:off x="218537" y="4290204"/>
+            <a:ext cx="8710698" cy="1526949"/>
+          </a:xfrm>
+        </p:spPr>
+        <p:txBody>
+          <a:bodyPr>
+            <a:normAutofit fontScale="85000" lnSpcReduction="20000"/>
+          </a:bodyPr>
+          <a:lstStyle/>
+          <a:p>
+            <a:pPr marL="0" indent="0">
+              <a:buNone/>
+            </a:pPr>
+            <a:r>
+              <a:rPr lang="en-US" dirty="0"/>
+              <a:t>This email uses promise of wealth and requests for trust to gain cooperation from victims.</a:t>
+            </a:r>
+          </a:p>
+          <a:p>
+            <a:r>
+              <a:rPr lang="en-US" dirty="0"/>
+              <a:t>Always look out for suspicious sender address (</a:t>
+            </a:r>
+            <a:r>
+              <a:rPr lang="en-US" dirty="0">
+                <a:hlinkClick r:id="rId2"/>
+              </a:rPr>
+              <a:t>test@zygousa.com</a:t>
+            </a:r>
+            <a:r>
+              <a:rPr lang="en-US" dirty="0"/>
+              <a:t>)</a:t>
+            </a:r>
+          </a:p>
+          <a:p>
+            <a:r>
+              <a:rPr lang="en-US" dirty="0"/>
+              <a:t>Unrealistic money offers</a:t>
+            </a:r>
+          </a:p>
+          <a:p>
+            <a:r>
+              <a:rPr lang="en-US" dirty="0"/>
+              <a:t>Requests to reply to a different email</a:t>
+            </a:r>
+            <a:endParaRPr lang="en-SG" dirty="0"/>
+          </a:p>
+        </p:txBody>
+      </p:sp>
+      <p:pic>
+        <p:nvPicPr>
+          <p:cNvPr id="7" name="Picture 6">
+            <a:extLst>
+              <a:ext uri="{FF2B5EF4-FFF2-40B4-BE49-F238E27FC236}">
+                <a16:creationId xmlns:a16="http://schemas.microsoft.com/office/drawing/2014/main" id="{500D5961-1015-1C2F-446C-849FE08F75A1}"/>
+              </a:ext>
+            </a:extLst>
+          </p:cNvPr>
+          <p:cNvPicPr>
+            <a:picLocks noChangeAspect="1"/>
+          </p:cNvPicPr>
+          <p:nvPr/>
+        </p:nvPicPr>
+        <p:blipFill>
+          <a:blip r:embed="rId3"/>
+          <a:stretch>
+            <a:fillRect/>
+          </a:stretch>
+        </p:blipFill>
+        <p:spPr>
+          <a:xfrm>
+            <a:off x="19016" y="0"/>
+            <a:ext cx="9105967" cy="4094672"/>
+          </a:xfrm>
+          <a:prstGeom prst="rect">
+            <a:avLst/>
+          </a:prstGeom>
+        </p:spPr>
+      </p:pic>
+    </p:spTree>
+    <p:extLst>
+      <p:ext uri="{BB962C8B-B14F-4D97-AF65-F5344CB8AC3E}">
+        <p14:creationId xmlns:p14="http://schemas.microsoft.com/office/powerpoint/2010/main" val="456109597"/>
+      </p:ext>
+    </p:extLst>
+  </p:cSld>
+  <p:clrMapOvr>
+    <a:masterClrMapping/>
+  </p:clrMapOvr>
+</p:sld>
+</file>
+
+<file path=ppt/slides/slide7.xml><?xml version="1.0" encoding="utf-8"?>
+<p:sld xmlns:a="http://schemas.openxmlformats.org/drawingml/2006/main" xmlns:r="http://schemas.openxmlformats.org/officeDocument/2006/relationships" xmlns:p="http://schemas.openxmlformats.org/presentationml/2006/main">
+  <p:cSld>
+    <p:spTree>
+      <p:nvGrpSpPr>
+        <p:cNvPr id="1" name=""/>
+        <p:cNvGrpSpPr/>
+        <p:nvPr/>
+      </p:nvGrpSpPr>
+      <p:grpSpPr>
+        <a:xfrm>
+          <a:off x="0" y="0"/>
+          <a:ext cx="0" cy="0"/>
+          <a:chOff x="0" y="0"/>
+          <a:chExt cx="0" cy="0"/>
+        </a:xfrm>
+      </p:grpSpPr>
+      <p:sp>
+        <p:nvSpPr>
+          <p:cNvPr id="3" name="Content Placeholder 2">
+            <a:extLst>
+              <a:ext uri="{FF2B5EF4-FFF2-40B4-BE49-F238E27FC236}">
+                <a16:creationId xmlns:a16="http://schemas.microsoft.com/office/drawing/2014/main" id="{8C90A37D-3C7C-9030-4D36-C9581E8233C3}"/>
+              </a:ext>
+            </a:extLst>
+          </p:cNvPr>
+          <p:cNvSpPr>
+            <a:spLocks noGrp="1"/>
+          </p:cNvSpPr>
+          <p:nvPr>
+            <p:ph idx="1"/>
+          </p:nvPr>
+        </p:nvSpPr>
+        <p:spPr>
+          <a:xfrm>
+            <a:off x="155275" y="4399472"/>
+            <a:ext cx="8816197" cy="1587259"/>
+          </a:xfrm>
+        </p:spPr>
+        <p:txBody>
+          <a:bodyPr>
+            <a:normAutofit fontScale="92500" lnSpcReduction="20000"/>
+          </a:bodyPr>
+          <a:lstStyle/>
+          <a:p>
+            <a:pPr marL="0" indent="0">
+              <a:buNone/>
+            </a:pPr>
+            <a:r>
+              <a:rPr lang="en-US" dirty="0"/>
+              <a:t>This email uses fear and urgency to trick victims, pretends to be from a trusted company and warning </a:t>
+            </a:r>
+            <a:r>
+              <a:rPr lang="en-US"/>
+              <a:t>about “exposed credentials”.</a:t>
+            </a:r>
+            <a:endParaRPr lang="en-US" dirty="0"/>
+          </a:p>
+          <a:p>
+            <a:r>
+              <a:rPr lang="en-SG" dirty="0"/>
+              <a:t>Never open attachments in email</a:t>
+            </a:r>
+          </a:p>
+          <a:p>
+            <a:r>
+              <a:rPr lang="en-SG" dirty="0"/>
+              <a:t>Never click through emails links, always check the official website directly!</a:t>
+            </a:r>
+          </a:p>
+        </p:txBody>
+      </p:sp>
+      <p:pic>
+        <p:nvPicPr>
+          <p:cNvPr id="5" name="Picture 4">
+            <a:extLst>
+              <a:ext uri="{FF2B5EF4-FFF2-40B4-BE49-F238E27FC236}">
+                <a16:creationId xmlns:a16="http://schemas.microsoft.com/office/drawing/2014/main" id="{CC1EE258-5D62-9EC7-1F15-EA0B4805DCF8}"/>
+              </a:ext>
+            </a:extLst>
+          </p:cNvPr>
+          <p:cNvPicPr>
+            <a:picLocks noChangeAspect="1"/>
+          </p:cNvPicPr>
+          <p:nvPr/>
+        </p:nvPicPr>
+        <p:blipFill>
+          <a:blip r:embed="rId2"/>
+          <a:stretch>
+            <a:fillRect/>
+          </a:stretch>
+        </p:blipFill>
+        <p:spPr>
+          <a:xfrm>
+            <a:off x="0" y="-63424"/>
+            <a:ext cx="9144000" cy="4370882"/>
+          </a:xfrm>
+          <a:prstGeom prst="rect">
+            <a:avLst/>
+          </a:prstGeom>
+        </p:spPr>
+      </p:pic>
+    </p:spTree>
+    <p:extLst>
+      <p:ext uri="{BB962C8B-B14F-4D97-AF65-F5344CB8AC3E}">
+        <p14:creationId xmlns:p14="http://schemas.microsoft.com/office/powerpoint/2010/main" val="3677187619"/>
+      </p:ext>
+    </p:extLst>
+  </p:cSld>
+  <p:clrMapOvr>
+    <a:masterClrMapping/>
+  </p:clrMapOvr>
+</p:sld>
+</file>
+
+<file path=ppt/slides/slide8.xml><?xml version="1.0" encoding="utf-8"?>
 <p:sld xmlns:a="http://schemas.openxmlformats.org/drawingml/2006/main" xmlns:r="http://schemas.openxmlformats.org/officeDocument/2006/relationships" xmlns:p="http://schemas.openxmlformats.org/presentationml/2006/main">
   <p:cSld>
     <p:spTree>

--- a/public/websitepopup/Phishing.pptx
+++ b/public/websitepopup/Phishing.pptx
@@ -3864,13 +3864,13 @@
         </p:nvSpPr>
         <p:spPr>
           <a:xfrm>
-            <a:off x="575094" y="2015733"/>
-            <a:ext cx="8275607" cy="3850229"/>
+            <a:off x="575094" y="1853755"/>
+            <a:ext cx="8275607" cy="4012207"/>
           </a:xfrm>
         </p:spPr>
         <p:txBody>
           <a:bodyPr>
-            <a:normAutofit fontScale="92500" lnSpcReduction="10000"/>
+            <a:normAutofit fontScale="85000" lnSpcReduction="10000"/>
           </a:bodyPr>
           <a:lstStyle/>
           <a:p>
@@ -3895,6 +3895,18 @@
             <a:pPr marL="0" indent="0">
               <a:buNone/>
             </a:pPr>
+            <a:endParaRPr lang="en-SG" dirty="0"/>
+          </a:p>
+          <a:p>
+            <a:pPr marL="0" indent="0">
+              <a:buNone/>
+            </a:pPr>
+            <a:endParaRPr lang="en-SG" dirty="0"/>
+          </a:p>
+          <a:p>
+            <a:pPr marL="0" indent="0">
+              <a:buNone/>
+            </a:pPr>
             <a:r>
               <a:rPr lang="en-SG" b="1" u="sng" dirty="0"/>
               <a:t>What happened?</a:t>
@@ -3932,6 +3944,36 @@
           </a:p>
         </p:txBody>
       </p:sp>
+      <p:pic>
+        <p:nvPicPr>
+          <p:cNvPr id="5" name="Picture 4">
+            <a:extLst>
+              <a:ext uri="{FF2B5EF4-FFF2-40B4-BE49-F238E27FC236}">
+                <a16:creationId xmlns:a16="http://schemas.microsoft.com/office/drawing/2014/main" id="{EA8A60D0-7E24-561B-B158-87ED8D33F387}"/>
+              </a:ext>
+            </a:extLst>
+          </p:cNvPr>
+          <p:cNvPicPr>
+            <a:picLocks noChangeAspect="1"/>
+          </p:cNvPicPr>
+          <p:nvPr/>
+        </p:nvPicPr>
+        <p:blipFill>
+          <a:blip r:embed="rId3"/>
+          <a:stretch>
+            <a:fillRect/>
+          </a:stretch>
+        </p:blipFill>
+        <p:spPr>
+          <a:xfrm>
+            <a:off x="1012166" y="2755958"/>
+            <a:ext cx="7131169" cy="757868"/>
+          </a:xfrm>
+          <a:prstGeom prst="rect">
+            <a:avLst/>
+          </a:prstGeom>
+        </p:spPr>
+      </p:pic>
     </p:spTree>
     <p:extLst>
       <p:ext uri="{BB962C8B-B14F-4D97-AF65-F5344CB8AC3E}">

--- a/public/websitepopup/Phishing.pptx
+++ b/public/websitepopup/Phishing.pptx
@@ -12,7 +12,8 @@
     <p:sldId id="259" r:id="rId6"/>
     <p:sldId id="261" r:id="rId7"/>
     <p:sldId id="262" r:id="rId8"/>
-    <p:sldId id="260" r:id="rId9"/>
+    <p:sldId id="264" r:id="rId9"/>
+    <p:sldId id="260" r:id="rId10"/>
   </p:sldIdLst>
   <p:sldSz cx="9144000" cy="6858000" type="screen4x3"/>
   <p:notesSz cx="6858000" cy="9144000"/>
@@ -269,7 +270,7 @@
           <a:p>
             <a:fld id="{5BCAD085-E8A6-8845-BD4E-CB4CCA059FC4}" type="datetimeFigureOut">
               <a:rPr lang="en-US" smtClean="0"/>
-              <a:t>10/13/2025</a:t>
+              <a:t>10/20/2025</a:t>
             </a:fld>
             <a:endParaRPr lang="en-US"/>
           </a:p>
@@ -511,7 +512,7 @@
           <a:p>
             <a:fld id="{5BCAD085-E8A6-8845-BD4E-CB4CCA059FC4}" type="datetimeFigureOut">
               <a:rPr lang="en-US" smtClean="0"/>
-              <a:t>10/13/2025</a:t>
+              <a:t>10/20/2025</a:t>
             </a:fld>
             <a:endParaRPr lang="en-US"/>
           </a:p>
@@ -695,7 +696,7 @@
           <a:p>
             <a:fld id="{5BCAD085-E8A6-8845-BD4E-CB4CCA059FC4}" type="datetimeFigureOut">
               <a:rPr lang="en-US" smtClean="0"/>
-              <a:t>10/13/2025</a:t>
+              <a:t>10/20/2025</a:t>
             </a:fld>
             <a:endParaRPr lang="en-US"/>
           </a:p>
@@ -896,7 +897,7 @@
           <a:p>
             <a:fld id="{5BCAD085-E8A6-8845-BD4E-CB4CCA059FC4}" type="datetimeFigureOut">
               <a:rPr lang="en-US" smtClean="0"/>
-              <a:t>10/13/2025</a:t>
+              <a:t>10/20/2025</a:t>
             </a:fld>
             <a:endParaRPr lang="en-US"/>
           </a:p>
@@ -1175,7 +1176,7 @@
           <a:p>
             <a:fld id="{5BCAD085-E8A6-8845-BD4E-CB4CCA059FC4}" type="datetimeFigureOut">
               <a:rPr lang="en-US" smtClean="0"/>
-              <a:t>10/13/2025</a:t>
+              <a:t>10/20/2025</a:t>
             </a:fld>
             <a:endParaRPr lang="en-US"/>
           </a:p>
@@ -1443,7 +1444,7 @@
           <a:p>
             <a:fld id="{5BCAD085-E8A6-8845-BD4E-CB4CCA059FC4}" type="datetimeFigureOut">
               <a:rPr lang="en-US" smtClean="0"/>
-              <a:t>10/13/2025</a:t>
+              <a:t>10/20/2025</a:t>
             </a:fld>
             <a:endParaRPr lang="en-US"/>
           </a:p>
@@ -1890,7 +1891,7 @@
           <a:p>
             <a:fld id="{5BCAD085-E8A6-8845-BD4E-CB4CCA059FC4}" type="datetimeFigureOut">
               <a:rPr lang="en-US" smtClean="0"/>
-              <a:t>10/13/2025</a:t>
+              <a:t>10/20/2025</a:t>
             </a:fld>
             <a:endParaRPr lang="en-US"/>
           </a:p>
@@ -2039,7 +2040,7 @@
           <a:p>
             <a:fld id="{5BCAD085-E8A6-8845-BD4E-CB4CCA059FC4}" type="datetimeFigureOut">
               <a:rPr lang="en-US" smtClean="0"/>
-              <a:t>10/13/2025</a:t>
+              <a:t>10/20/2025</a:t>
             </a:fld>
             <a:endParaRPr lang="en-US"/>
           </a:p>
@@ -2134,7 +2135,7 @@
           <a:p>
             <a:fld id="{5BCAD085-E8A6-8845-BD4E-CB4CCA059FC4}" type="datetimeFigureOut">
               <a:rPr lang="en-US" smtClean="0"/>
-              <a:t>10/13/2025</a:t>
+              <a:t>10/20/2025</a:t>
             </a:fld>
             <a:endParaRPr lang="en-US"/>
           </a:p>
@@ -2387,7 +2388,7 @@
           <a:p>
             <a:fld id="{5BCAD085-E8A6-8845-BD4E-CB4CCA059FC4}" type="datetimeFigureOut">
               <a:rPr lang="en-US" smtClean="0"/>
-              <a:t>10/13/2025</a:t>
+              <a:t>10/20/2025</a:t>
             </a:fld>
             <a:endParaRPr lang="en-US"/>
           </a:p>
@@ -2832,7 +2833,7 @@
           <a:p>
             <a:fld id="{5BCAD085-E8A6-8845-BD4E-CB4CCA059FC4}" type="datetimeFigureOut">
               <a:rPr lang="en-US" smtClean="0"/>
-              <a:t>10/13/2025</a:t>
+              <a:t>10/20/2025</a:t>
             </a:fld>
             <a:endParaRPr lang="en-US"/>
           </a:p>
@@ -2999,6 +3000,13 @@
             <a:schemeClr val="lt1"/>
           </a:fontRef>
         </p:style>
+        <p:txBody>
+          <a:bodyPr/>
+          <a:lstStyle/>
+          <a:p>
+            <a:endParaRPr lang="en-SG"/>
+          </a:p>
+        </p:txBody>
       </p:sp>
       <p:pic>
         <p:nvPicPr>
@@ -3196,7 +3204,7 @@
           <a:p>
             <a:fld id="{5BCAD085-E8A6-8845-BD4E-CB4CCA059FC4}" type="datetimeFigureOut">
               <a:rPr lang="en-US" smtClean="0"/>
-              <a:t>10/13/2025</a:t>
+              <a:t>10/20/2025</a:t>
             </a:fld>
             <a:endParaRPr lang="en-US"/>
           </a:p>
@@ -4495,6 +4503,119 @@
       </p:grpSpPr>
       <p:sp>
         <p:nvSpPr>
+          <p:cNvPr id="3" name="Content Placeholder 2">
+            <a:extLst>
+              <a:ext uri="{FF2B5EF4-FFF2-40B4-BE49-F238E27FC236}">
+                <a16:creationId xmlns:a16="http://schemas.microsoft.com/office/drawing/2014/main" id="{4813132F-02C6-AA97-D986-35336B27B077}"/>
+              </a:ext>
+            </a:extLst>
+          </p:cNvPr>
+          <p:cNvSpPr>
+            <a:spLocks noGrp="1"/>
+          </p:cNvSpPr>
+          <p:nvPr>
+            <p:ph idx="1"/>
+          </p:nvPr>
+        </p:nvSpPr>
+        <p:spPr>
+          <a:xfrm>
+            <a:off x="143774" y="4813539"/>
+            <a:ext cx="8925464" cy="1155940"/>
+          </a:xfrm>
+        </p:spPr>
+        <p:txBody>
+          <a:bodyPr>
+            <a:normAutofit fontScale="85000" lnSpcReduction="10000"/>
+          </a:bodyPr>
+          <a:lstStyle/>
+          <a:p>
+            <a:pPr marL="0" indent="0">
+              <a:buNone/>
+            </a:pPr>
+            <a:r>
+              <a:rPr lang="en-US" dirty="0"/>
+              <a:t>This fake WhatsApp message uses urgency and fear to trick users into clicking a spoofed link (</a:t>
+            </a:r>
+            <a:r>
+              <a:rPr lang="en-US" dirty="0" err="1"/>
+              <a:t>whatasapp.top</a:t>
+            </a:r>
+            <a:r>
+              <a:rPr lang="en-US" dirty="0"/>
+              <a:t>). The sender’s name is fake and real WhatsApp never asks for verification via links. </a:t>
+            </a:r>
+          </a:p>
+          <a:p>
+            <a:r>
+              <a:rPr lang="en-US" dirty="0"/>
+              <a:t>Always verify only in the official app</a:t>
+            </a:r>
+            <a:endParaRPr lang="en-SG" dirty="0"/>
+          </a:p>
+        </p:txBody>
+      </p:sp>
+      <p:pic>
+        <p:nvPicPr>
+          <p:cNvPr id="5" name="Picture 4">
+            <a:extLst>
+              <a:ext uri="{FF2B5EF4-FFF2-40B4-BE49-F238E27FC236}">
+                <a16:creationId xmlns:a16="http://schemas.microsoft.com/office/drawing/2014/main" id="{D2F15ADD-344F-0FCD-A98E-F361A3B2E423}"/>
+              </a:ext>
+            </a:extLst>
+          </p:cNvPr>
+          <p:cNvPicPr>
+            <a:picLocks noChangeAspect="1"/>
+          </p:cNvPicPr>
+          <p:nvPr/>
+        </p:nvPicPr>
+        <p:blipFill>
+          <a:blip r:embed="rId2"/>
+          <a:stretch>
+            <a:fillRect/>
+          </a:stretch>
+        </p:blipFill>
+        <p:spPr>
+          <a:xfrm>
+            <a:off x="1403231" y="132272"/>
+            <a:ext cx="6659592" cy="4681267"/>
+          </a:xfrm>
+          <a:prstGeom prst="rect">
+            <a:avLst/>
+          </a:prstGeom>
+        </p:spPr>
+      </p:pic>
+    </p:spTree>
+    <p:extLst>
+      <p:ext uri="{BB962C8B-B14F-4D97-AF65-F5344CB8AC3E}">
+        <p14:creationId xmlns:p14="http://schemas.microsoft.com/office/powerpoint/2010/main" val="2473157699"/>
+      </p:ext>
+    </p:extLst>
+  </p:cSld>
+  <p:clrMapOvr>
+    <a:masterClrMapping/>
+  </p:clrMapOvr>
+</p:sld>
+</file>
+
+<file path=ppt/slides/slide9.xml><?xml version="1.0" encoding="utf-8"?>
+<p:sld xmlns:a="http://schemas.openxmlformats.org/drawingml/2006/main" xmlns:r="http://schemas.openxmlformats.org/officeDocument/2006/relationships" xmlns:p="http://schemas.openxmlformats.org/presentationml/2006/main">
+  <p:cSld>
+    <p:spTree>
+      <p:nvGrpSpPr>
+        <p:cNvPr id="1" name=""/>
+        <p:cNvGrpSpPr/>
+        <p:nvPr/>
+      </p:nvGrpSpPr>
+      <p:grpSpPr>
+        <a:xfrm>
+          <a:off x="0" y="0"/>
+          <a:ext cx="0" cy="0"/>
+          <a:chOff x="0" y="0"/>
+          <a:chExt cx="0" cy="0"/>
+        </a:xfrm>
+      </p:grpSpPr>
+      <p:sp>
+        <p:nvSpPr>
           <p:cNvPr id="2" name="Title 1"/>
           <p:cNvSpPr>
             <a:spLocks noGrp="1"/>
